--- a/6_presentation/Presentation/Presentation.pptx
+++ b/6_presentation/Presentation/Presentation.pptx
@@ -113,6 +113,11 @@
       </a:defRPr>
     </a:lvl9pPr>
   </p:defaultTextStyle>
+  <p:extLst>
+    <p:ext uri="{EFAFB233-063F-42B5-8137-9DF3F51BA10A}">
+      <p15:sldGuideLst xmlns:p15="http://schemas.microsoft.com/office/powerpoint/2012/main"/>
+    </p:ext>
+  </p:extLst>
 </p:presentation>
 </file>
 
@@ -120,12 +125,239 @@
 <p1510:revInfo xmlns:a="http://schemas.openxmlformats.org/drawingml/2006/main" xmlns:r="http://schemas.openxmlformats.org/officeDocument/2006/relationships" xmlns:p1510="http://schemas.microsoft.com/office/powerpoint/2015/10/main">
   <p1510:revLst>
     <p1510:client id="{2B4210BF-D794-41CF-9461-49640E163BE9}" v="392" dt="2025-05-08T15:31:10.722"/>
+    <p1510:client id="{B0318225-101C-47EE-A6E5-F68351A46129}" v="21" dt="2025-05-09T14:50:35.161"/>
   </p1510:revLst>
 </p1510:revInfo>
 </file>
 
 <file path=ppt/changesInfos/changesInfo1.xml><?xml version="1.0" encoding="utf-8"?>
 <pc:chgInfo xmlns:a="http://schemas.openxmlformats.org/drawingml/2006/main" xmlns:r="http://schemas.openxmlformats.org/officeDocument/2006/relationships" xmlns:ac="http://schemas.microsoft.com/office/drawing/2013/main/command" xmlns:pc="http://schemas.microsoft.com/office/powerpoint/2013/main/command">
+  <pc:docChgLst>
+    <pc:chgData name="Shirel Amozieg" userId="ac9ed54efc69b90a" providerId="LiveId" clId="{B0318225-101C-47EE-A6E5-F68351A46129}"/>
+    <pc:docChg chg="modSld">
+      <pc:chgData name="Shirel Amozieg" userId="ac9ed54efc69b90a" providerId="LiveId" clId="{B0318225-101C-47EE-A6E5-F68351A46129}" dt="2025-05-09T14:50:35.161" v="26"/>
+      <pc:docMkLst>
+        <pc:docMk/>
+      </pc:docMkLst>
+      <pc:sldChg chg="addSp modSp mod">
+        <pc:chgData name="Shirel Amozieg" userId="ac9ed54efc69b90a" providerId="LiveId" clId="{B0318225-101C-47EE-A6E5-F68351A46129}" dt="2025-05-09T14:50:16.092" v="20" actId="164"/>
+        <pc:sldMkLst>
+          <pc:docMk/>
+          <pc:sldMk cId="1241968479" sldId="259"/>
+        </pc:sldMkLst>
+        <pc:spChg chg="add mod">
+          <ac:chgData name="Shirel Amozieg" userId="ac9ed54efc69b90a" providerId="LiveId" clId="{B0318225-101C-47EE-A6E5-F68351A46129}" dt="2025-05-09T14:50:16.092" v="20" actId="164"/>
+          <ac:spMkLst>
+            <pc:docMk/>
+            <pc:sldMk cId="1241968479" sldId="259"/>
+            <ac:spMk id="2" creationId="{5AF9D0DC-C835-D211-5F5D-91EBB8C96631}"/>
+          </ac:spMkLst>
+        </pc:spChg>
+        <pc:grpChg chg="add mod">
+          <ac:chgData name="Shirel Amozieg" userId="ac9ed54efc69b90a" providerId="LiveId" clId="{B0318225-101C-47EE-A6E5-F68351A46129}" dt="2025-05-09T14:50:16.092" v="20" actId="164"/>
+          <ac:grpSpMkLst>
+            <pc:docMk/>
+            <pc:sldMk cId="1241968479" sldId="259"/>
+            <ac:grpSpMk id="3" creationId="{ACC38C9B-4C0F-606D-8116-F091FD899078}"/>
+          </ac:grpSpMkLst>
+        </pc:grpChg>
+        <pc:picChg chg="add mod">
+          <ac:chgData name="Shirel Amozieg" userId="ac9ed54efc69b90a" providerId="LiveId" clId="{B0318225-101C-47EE-A6E5-F68351A46129}" dt="2025-05-09T14:50:16.092" v="20" actId="164"/>
+          <ac:picMkLst>
+            <pc:docMk/>
+            <pc:sldMk cId="1241968479" sldId="259"/>
+            <ac:picMk id="1026" creationId="{27DA6B48-A238-60B4-E5B2-704D1BD69C5B}"/>
+          </ac:picMkLst>
+        </pc:picChg>
+      </pc:sldChg>
+      <pc:sldChg chg="addSp modSp">
+        <pc:chgData name="Shirel Amozieg" userId="ac9ed54efc69b90a" providerId="LiveId" clId="{B0318225-101C-47EE-A6E5-F68351A46129}" dt="2025-05-09T14:50:30.315" v="24"/>
+        <pc:sldMkLst>
+          <pc:docMk/>
+          <pc:sldMk cId="3327737939" sldId="260"/>
+        </pc:sldMkLst>
+        <pc:spChg chg="mod">
+          <ac:chgData name="Shirel Amozieg" userId="ac9ed54efc69b90a" providerId="LiveId" clId="{B0318225-101C-47EE-A6E5-F68351A46129}" dt="2025-05-09T14:50:30.315" v="24"/>
+          <ac:spMkLst>
+            <pc:docMk/>
+            <pc:sldMk cId="3327737939" sldId="260"/>
+            <ac:spMk id="3" creationId="{C1FB63BF-6597-96F8-EE31-BB99AA90FEDC}"/>
+          </ac:spMkLst>
+        </pc:spChg>
+        <pc:grpChg chg="add mod">
+          <ac:chgData name="Shirel Amozieg" userId="ac9ed54efc69b90a" providerId="LiveId" clId="{B0318225-101C-47EE-A6E5-F68351A46129}" dt="2025-05-09T14:50:30.315" v="24"/>
+          <ac:grpSpMkLst>
+            <pc:docMk/>
+            <pc:sldMk cId="3327737939" sldId="260"/>
+            <ac:grpSpMk id="2" creationId="{3312E33D-1F6D-CBBC-9230-6ADBDADAEC5F}"/>
+          </ac:grpSpMkLst>
+        </pc:grpChg>
+        <pc:picChg chg="mod">
+          <ac:chgData name="Shirel Amozieg" userId="ac9ed54efc69b90a" providerId="LiveId" clId="{B0318225-101C-47EE-A6E5-F68351A46129}" dt="2025-05-09T14:50:30.315" v="24"/>
+          <ac:picMkLst>
+            <pc:docMk/>
+            <pc:sldMk cId="3327737939" sldId="260"/>
+            <ac:picMk id="6" creationId="{1B33AE2A-FE30-7498-EB68-E131C4961D05}"/>
+          </ac:picMkLst>
+        </pc:picChg>
+      </pc:sldChg>
+      <pc:sldChg chg="addSp modSp">
+        <pc:chgData name="Shirel Amozieg" userId="ac9ed54efc69b90a" providerId="LiveId" clId="{B0318225-101C-47EE-A6E5-F68351A46129}" dt="2025-05-09T14:50:21.312" v="21"/>
+        <pc:sldMkLst>
+          <pc:docMk/>
+          <pc:sldMk cId="3921954760" sldId="262"/>
+        </pc:sldMkLst>
+        <pc:spChg chg="mod">
+          <ac:chgData name="Shirel Amozieg" userId="ac9ed54efc69b90a" providerId="LiveId" clId="{B0318225-101C-47EE-A6E5-F68351A46129}" dt="2025-05-09T14:50:21.312" v="21"/>
+          <ac:spMkLst>
+            <pc:docMk/>
+            <pc:sldMk cId="3921954760" sldId="262"/>
+            <ac:spMk id="8" creationId="{816C9D0B-E796-CD82-1993-8A24CD19D81B}"/>
+          </ac:spMkLst>
+        </pc:spChg>
+        <pc:grpChg chg="add mod">
+          <ac:chgData name="Shirel Amozieg" userId="ac9ed54efc69b90a" providerId="LiveId" clId="{B0318225-101C-47EE-A6E5-F68351A46129}" dt="2025-05-09T14:50:21.312" v="21"/>
+          <ac:grpSpMkLst>
+            <pc:docMk/>
+            <pc:sldMk cId="3921954760" sldId="262"/>
+            <ac:grpSpMk id="3" creationId="{3E94B954-99CF-4665-1BCD-ECB8EC32FE4D}"/>
+          </ac:grpSpMkLst>
+        </pc:grpChg>
+        <pc:picChg chg="mod">
+          <ac:chgData name="Shirel Amozieg" userId="ac9ed54efc69b90a" providerId="LiveId" clId="{B0318225-101C-47EE-A6E5-F68351A46129}" dt="2025-05-09T14:50:21.312" v="21"/>
+          <ac:picMkLst>
+            <pc:docMk/>
+            <pc:sldMk cId="3921954760" sldId="262"/>
+            <ac:picMk id="9" creationId="{B775CC77-6E6E-234D-9557-B89887F9A3A2}"/>
+          </ac:picMkLst>
+        </pc:picChg>
+      </pc:sldChg>
+      <pc:sldChg chg="addSp modSp">
+        <pc:chgData name="Shirel Amozieg" userId="ac9ed54efc69b90a" providerId="LiveId" clId="{B0318225-101C-47EE-A6E5-F68351A46129}" dt="2025-05-09T14:50:23.436" v="22"/>
+        <pc:sldMkLst>
+          <pc:docMk/>
+          <pc:sldMk cId="3794895201" sldId="263"/>
+        </pc:sldMkLst>
+        <pc:spChg chg="mod">
+          <ac:chgData name="Shirel Amozieg" userId="ac9ed54efc69b90a" providerId="LiveId" clId="{B0318225-101C-47EE-A6E5-F68351A46129}" dt="2025-05-09T14:50:23.436" v="22"/>
+          <ac:spMkLst>
+            <pc:docMk/>
+            <pc:sldMk cId="3794895201" sldId="263"/>
+            <ac:spMk id="3" creationId="{D03CCDE3-FD7F-A22A-FD30-EEE71B7A574B}"/>
+          </ac:spMkLst>
+        </pc:spChg>
+        <pc:grpChg chg="add mod">
+          <ac:chgData name="Shirel Amozieg" userId="ac9ed54efc69b90a" providerId="LiveId" clId="{B0318225-101C-47EE-A6E5-F68351A46129}" dt="2025-05-09T14:50:23.436" v="22"/>
+          <ac:grpSpMkLst>
+            <pc:docMk/>
+            <pc:sldMk cId="3794895201" sldId="263"/>
+            <ac:grpSpMk id="2" creationId="{33A7076C-6CFC-1AA6-0037-D410E497FF2D}"/>
+          </ac:grpSpMkLst>
+        </pc:grpChg>
+        <pc:picChg chg="mod">
+          <ac:chgData name="Shirel Amozieg" userId="ac9ed54efc69b90a" providerId="LiveId" clId="{B0318225-101C-47EE-A6E5-F68351A46129}" dt="2025-05-09T14:50:23.436" v="22"/>
+          <ac:picMkLst>
+            <pc:docMk/>
+            <pc:sldMk cId="3794895201" sldId="263"/>
+            <ac:picMk id="6" creationId="{6E06240E-6F2F-3FA1-D2CA-83E5652CA6AC}"/>
+          </ac:picMkLst>
+        </pc:picChg>
+      </pc:sldChg>
+      <pc:sldChg chg="addSp modSp">
+        <pc:chgData name="Shirel Amozieg" userId="ac9ed54efc69b90a" providerId="LiveId" clId="{B0318225-101C-47EE-A6E5-F68351A46129}" dt="2025-05-09T14:50:26.940" v="23"/>
+        <pc:sldMkLst>
+          <pc:docMk/>
+          <pc:sldMk cId="512715057" sldId="264"/>
+        </pc:sldMkLst>
+        <pc:spChg chg="mod">
+          <ac:chgData name="Shirel Amozieg" userId="ac9ed54efc69b90a" providerId="LiveId" clId="{B0318225-101C-47EE-A6E5-F68351A46129}" dt="2025-05-09T14:50:26.940" v="23"/>
+          <ac:spMkLst>
+            <pc:docMk/>
+            <pc:sldMk cId="512715057" sldId="264"/>
+            <ac:spMk id="3" creationId="{8362BF5F-D6E5-81BF-9EFA-5621D79EB9BF}"/>
+          </ac:spMkLst>
+        </pc:spChg>
+        <pc:grpChg chg="add mod">
+          <ac:chgData name="Shirel Amozieg" userId="ac9ed54efc69b90a" providerId="LiveId" clId="{B0318225-101C-47EE-A6E5-F68351A46129}" dt="2025-05-09T14:50:26.940" v="23"/>
+          <ac:grpSpMkLst>
+            <pc:docMk/>
+            <pc:sldMk cId="512715057" sldId="264"/>
+            <ac:grpSpMk id="2" creationId="{DEDAA7C0-7806-B2D2-D964-7043EFD9B3F6}"/>
+          </ac:grpSpMkLst>
+        </pc:grpChg>
+        <pc:picChg chg="mod">
+          <ac:chgData name="Shirel Amozieg" userId="ac9ed54efc69b90a" providerId="LiveId" clId="{B0318225-101C-47EE-A6E5-F68351A46129}" dt="2025-05-09T14:50:26.940" v="23"/>
+          <ac:picMkLst>
+            <pc:docMk/>
+            <pc:sldMk cId="512715057" sldId="264"/>
+            <ac:picMk id="9" creationId="{C8CDE56E-E925-6E95-5A67-199597821ACC}"/>
+          </ac:picMkLst>
+        </pc:picChg>
+      </pc:sldChg>
+      <pc:sldChg chg="addSp modSp">
+        <pc:chgData name="Shirel Amozieg" userId="ac9ed54efc69b90a" providerId="LiveId" clId="{B0318225-101C-47EE-A6E5-F68351A46129}" dt="2025-05-09T14:50:32.887" v="25"/>
+        <pc:sldMkLst>
+          <pc:docMk/>
+          <pc:sldMk cId="495893210" sldId="265"/>
+        </pc:sldMkLst>
+        <pc:spChg chg="mod">
+          <ac:chgData name="Shirel Amozieg" userId="ac9ed54efc69b90a" providerId="LiveId" clId="{B0318225-101C-47EE-A6E5-F68351A46129}" dt="2025-05-09T14:50:32.887" v="25"/>
+          <ac:spMkLst>
+            <pc:docMk/>
+            <pc:sldMk cId="495893210" sldId="265"/>
+            <ac:spMk id="3" creationId="{06790A91-639E-C2CF-6B34-0D251C7A18BD}"/>
+          </ac:spMkLst>
+        </pc:spChg>
+        <pc:grpChg chg="add mod">
+          <ac:chgData name="Shirel Amozieg" userId="ac9ed54efc69b90a" providerId="LiveId" clId="{B0318225-101C-47EE-A6E5-F68351A46129}" dt="2025-05-09T14:50:32.887" v="25"/>
+          <ac:grpSpMkLst>
+            <pc:docMk/>
+            <pc:sldMk cId="495893210" sldId="265"/>
+            <ac:grpSpMk id="2" creationId="{1E77BE40-076A-9A54-301C-93C52A2EEE7F}"/>
+          </ac:grpSpMkLst>
+        </pc:grpChg>
+        <pc:picChg chg="mod">
+          <ac:chgData name="Shirel Amozieg" userId="ac9ed54efc69b90a" providerId="LiveId" clId="{B0318225-101C-47EE-A6E5-F68351A46129}" dt="2025-05-09T14:50:32.887" v="25"/>
+          <ac:picMkLst>
+            <pc:docMk/>
+            <pc:sldMk cId="495893210" sldId="265"/>
+            <ac:picMk id="8" creationId="{BF7D79F2-8FDE-9B4F-7945-24320F9DDD28}"/>
+          </ac:picMkLst>
+        </pc:picChg>
+      </pc:sldChg>
+      <pc:sldChg chg="addSp modSp">
+        <pc:chgData name="Shirel Amozieg" userId="ac9ed54efc69b90a" providerId="LiveId" clId="{B0318225-101C-47EE-A6E5-F68351A46129}" dt="2025-05-09T14:50:35.161" v="26"/>
+        <pc:sldMkLst>
+          <pc:docMk/>
+          <pc:sldMk cId="1033504488" sldId="266"/>
+        </pc:sldMkLst>
+        <pc:spChg chg="mod">
+          <ac:chgData name="Shirel Amozieg" userId="ac9ed54efc69b90a" providerId="LiveId" clId="{B0318225-101C-47EE-A6E5-F68351A46129}" dt="2025-05-09T14:50:35.161" v="26"/>
+          <ac:spMkLst>
+            <pc:docMk/>
+            <pc:sldMk cId="1033504488" sldId="266"/>
+            <ac:spMk id="6" creationId="{853FB677-DF3A-7DF0-8D33-0E4C250B74D8}"/>
+          </ac:spMkLst>
+        </pc:spChg>
+        <pc:grpChg chg="add mod">
+          <ac:chgData name="Shirel Amozieg" userId="ac9ed54efc69b90a" providerId="LiveId" clId="{B0318225-101C-47EE-A6E5-F68351A46129}" dt="2025-05-09T14:50:35.161" v="26"/>
+          <ac:grpSpMkLst>
+            <pc:docMk/>
+            <pc:sldMk cId="1033504488" sldId="266"/>
+            <ac:grpSpMk id="2" creationId="{0B212E08-F27D-5EAC-4113-1D8ED0FF47EE}"/>
+          </ac:grpSpMkLst>
+        </pc:grpChg>
+        <pc:picChg chg="mod">
+          <ac:chgData name="Shirel Amozieg" userId="ac9ed54efc69b90a" providerId="LiveId" clId="{B0318225-101C-47EE-A6E5-F68351A46129}" dt="2025-05-09T14:50:35.161" v="26"/>
+          <ac:picMkLst>
+            <pc:docMk/>
+            <pc:sldMk cId="1033504488" sldId="266"/>
+            <ac:picMk id="7" creationId="{5315C575-B155-BE29-7401-975D9B06BEF2}"/>
+          </ac:picMkLst>
+        </pc:picChg>
+      </pc:sldChg>
+    </pc:docChg>
+  </pc:docChgLst>
   <pc:docChgLst>
     <pc:chgData name="Shirel Amozieg" userId="ac9ed54efc69b90a" providerId="LiveId" clId="{2B4210BF-D794-41CF-9461-49640E163BE9}"/>
     <pc:docChg chg="undo redo custSel addSld delSld modSld">
@@ -1259,7 +1491,7 @@
           <a:p>
             <a:fld id="{7F0FA242-BB50-4286-A38A-EEE9571E2583}" type="datetimeFigureOut">
               <a:rPr lang="en-US" smtClean="0"/>
-              <a:t>5/8/2025</a:t>
+              <a:t>5/9/2025</a:t>
             </a:fld>
             <a:endParaRPr lang="en-US"/>
           </a:p>
@@ -1457,7 +1689,7 @@
           <a:p>
             <a:fld id="{7F0FA242-BB50-4286-A38A-EEE9571E2583}" type="datetimeFigureOut">
               <a:rPr lang="en-US" smtClean="0"/>
-              <a:t>5/8/2025</a:t>
+              <a:t>5/9/2025</a:t>
             </a:fld>
             <a:endParaRPr lang="en-US"/>
           </a:p>
@@ -1665,7 +1897,7 @@
           <a:p>
             <a:fld id="{7F0FA242-BB50-4286-A38A-EEE9571E2583}" type="datetimeFigureOut">
               <a:rPr lang="en-US" smtClean="0"/>
-              <a:t>5/8/2025</a:t>
+              <a:t>5/9/2025</a:t>
             </a:fld>
             <a:endParaRPr lang="en-US"/>
           </a:p>
@@ -1863,7 +2095,7 @@
           <a:p>
             <a:fld id="{7F0FA242-BB50-4286-A38A-EEE9571E2583}" type="datetimeFigureOut">
               <a:rPr lang="en-US" smtClean="0"/>
-              <a:t>5/8/2025</a:t>
+              <a:t>5/9/2025</a:t>
             </a:fld>
             <a:endParaRPr lang="en-US"/>
           </a:p>
@@ -2138,7 +2370,7 @@
           <a:p>
             <a:fld id="{7F0FA242-BB50-4286-A38A-EEE9571E2583}" type="datetimeFigureOut">
               <a:rPr lang="en-US" smtClean="0"/>
-              <a:t>5/8/2025</a:t>
+              <a:t>5/9/2025</a:t>
             </a:fld>
             <a:endParaRPr lang="en-US"/>
           </a:p>
@@ -2403,7 +2635,7 @@
           <a:p>
             <a:fld id="{7F0FA242-BB50-4286-A38A-EEE9571E2583}" type="datetimeFigureOut">
               <a:rPr lang="en-US" smtClean="0"/>
-              <a:t>5/8/2025</a:t>
+              <a:t>5/9/2025</a:t>
             </a:fld>
             <a:endParaRPr lang="en-US"/>
           </a:p>
@@ -2815,7 +3047,7 @@
           <a:p>
             <a:fld id="{7F0FA242-BB50-4286-A38A-EEE9571E2583}" type="datetimeFigureOut">
               <a:rPr lang="en-US" smtClean="0"/>
-              <a:t>5/8/2025</a:t>
+              <a:t>5/9/2025</a:t>
             </a:fld>
             <a:endParaRPr lang="en-US"/>
           </a:p>
@@ -2956,7 +3188,7 @@
           <a:p>
             <a:fld id="{7F0FA242-BB50-4286-A38A-EEE9571E2583}" type="datetimeFigureOut">
               <a:rPr lang="en-US" smtClean="0"/>
-              <a:t>5/8/2025</a:t>
+              <a:t>5/9/2025</a:t>
             </a:fld>
             <a:endParaRPr lang="en-US"/>
           </a:p>
@@ -3069,7 +3301,7 @@
           <a:p>
             <a:fld id="{7F0FA242-BB50-4286-A38A-EEE9571E2583}" type="datetimeFigureOut">
               <a:rPr lang="en-US" smtClean="0"/>
-              <a:t>5/8/2025</a:t>
+              <a:t>5/9/2025</a:t>
             </a:fld>
             <a:endParaRPr lang="en-US"/>
           </a:p>
@@ -3380,7 +3612,7 @@
           <a:p>
             <a:fld id="{7F0FA242-BB50-4286-A38A-EEE9571E2583}" type="datetimeFigureOut">
               <a:rPr lang="en-US" smtClean="0"/>
-              <a:t>5/8/2025</a:t>
+              <a:t>5/9/2025</a:t>
             </a:fld>
             <a:endParaRPr lang="en-US"/>
           </a:p>
@@ -3668,7 +3900,7 @@
           <a:p>
             <a:fld id="{7F0FA242-BB50-4286-A38A-EEE9571E2583}" type="datetimeFigureOut">
               <a:rPr lang="en-US" smtClean="0"/>
-              <a:t>5/8/2025</a:t>
+              <a:t>5/9/2025</a:t>
             </a:fld>
             <a:endParaRPr lang="en-US"/>
           </a:p>
@@ -3909,7 +4141,7 @@
           <a:p>
             <a:fld id="{7F0FA242-BB50-4286-A38A-EEE9571E2583}" type="datetimeFigureOut">
               <a:rPr lang="en-US" smtClean="0"/>
-              <a:t>5/8/2025</a:t>
+              <a:t>5/9/2025</a:t>
             </a:fld>
             <a:endParaRPr lang="en-US"/>
           </a:p>
@@ -5375,6 +5607,136 @@
           </a:p>
         </p:txBody>
       </p:sp>
+      <p:grpSp>
+        <p:nvGrpSpPr>
+          <p:cNvPr id="3" name="Group 2">
+            <a:extLst>
+              <a:ext uri="{FF2B5EF4-FFF2-40B4-BE49-F238E27FC236}">
+                <a16:creationId xmlns:a16="http://schemas.microsoft.com/office/drawing/2014/main" id="{ACC38C9B-4C0F-606D-8116-F091FD899078}"/>
+              </a:ext>
+            </a:extLst>
+          </p:cNvPr>
+          <p:cNvGrpSpPr/>
+          <p:nvPr/>
+        </p:nvGrpSpPr>
+        <p:grpSpPr>
+          <a:xfrm>
+            <a:off x="11203169" y="458315"/>
+            <a:ext cx="542260" cy="523542"/>
+            <a:chOff x="11203169" y="458315"/>
+            <a:chExt cx="542260" cy="523542"/>
+          </a:xfrm>
+        </p:grpSpPr>
+        <p:sp>
+          <p:nvSpPr>
+            <p:cNvPr id="2" name="Oval 1">
+              <a:extLst>
+                <a:ext uri="{FF2B5EF4-FFF2-40B4-BE49-F238E27FC236}">
+                  <a16:creationId xmlns:a16="http://schemas.microsoft.com/office/drawing/2014/main" id="{5AF9D0DC-C835-D211-5F5D-91EBB8C96631}"/>
+                </a:ext>
+              </a:extLst>
+            </p:cNvPr>
+            <p:cNvSpPr/>
+            <p:nvPr/>
+          </p:nvSpPr>
+          <p:spPr>
+            <a:xfrm>
+              <a:off x="11203169" y="458315"/>
+              <a:ext cx="542260" cy="506042"/>
+            </a:xfrm>
+            <a:prstGeom prst="ellipse">
+              <a:avLst/>
+            </a:prstGeom>
+            <a:solidFill>
+              <a:srgbClr val="FF0000"/>
+            </a:solidFill>
+          </p:spPr>
+          <p:style>
+            <a:lnRef idx="2">
+              <a:schemeClr val="accent1">
+                <a:shade val="15000"/>
+              </a:schemeClr>
+            </a:lnRef>
+            <a:fillRef idx="1">
+              <a:schemeClr val="accent1"/>
+            </a:fillRef>
+            <a:effectRef idx="0">
+              <a:schemeClr val="accent1"/>
+            </a:effectRef>
+            <a:fontRef idx="minor">
+              <a:schemeClr val="lt1"/>
+            </a:fontRef>
+          </p:style>
+          <p:txBody>
+            <a:bodyPr rtlCol="0" anchor="ctr"/>
+            <a:lstStyle/>
+            <a:p>
+              <a:pPr algn="ctr"/>
+              <a:endParaRPr lang="en-US">
+                <a:solidFill>
+                  <a:schemeClr val="bg1"/>
+                </a:solidFill>
+              </a:endParaRPr>
+            </a:p>
+          </p:txBody>
+        </p:sp>
+        <p:pic>
+          <p:nvPicPr>
+            <p:cNvPr id="1026" name="Picture 2" descr="Developers.Institute (@devtlv) / X">
+              <a:extLst>
+                <a:ext uri="{FF2B5EF4-FFF2-40B4-BE49-F238E27FC236}">
+                  <a16:creationId xmlns:a16="http://schemas.microsoft.com/office/drawing/2014/main" id="{27DA6B48-A238-60B4-E5B2-704D1BD69C5B}"/>
+                </a:ext>
+              </a:extLst>
+            </p:cNvPr>
+            <p:cNvPicPr>
+              <a:picLocks noChangeAspect="1" noChangeArrowheads="1"/>
+            </p:cNvPicPr>
+            <p:nvPr/>
+          </p:nvPicPr>
+          <p:blipFill>
+            <a:blip r:embed="rId6">
+              <a:extLst>
+                <a:ext uri="{BEBA8EAE-BF5A-486C-A8C5-ECC9F3942E4B}">
+                  <a14:imgProps xmlns:a14="http://schemas.microsoft.com/office/drawing/2010/main">
+                    <a14:imgLayer r:embed="rId7">
+                      <a14:imgEffect>
+                        <a14:backgroundRemoval t="10000" b="90000" l="10000" r="90000"/>
+                      </a14:imgEffect>
+                    </a14:imgLayer>
+                  </a14:imgProps>
+                </a:ext>
+                <a:ext uri="{28A0092B-C50C-407E-A947-70E740481C1C}">
+                  <a14:useLocalDpi xmlns:a14="http://schemas.microsoft.com/office/drawing/2010/main" val="0"/>
+                </a:ext>
+              </a:extLst>
+            </a:blip>
+            <a:srcRect/>
+            <a:stretch>
+              <a:fillRect/>
+            </a:stretch>
+          </p:blipFill>
+          <p:spPr bwMode="auto">
+            <a:xfrm>
+              <a:off x="11233487" y="500233"/>
+              <a:ext cx="481624" cy="481624"/>
+            </a:xfrm>
+            <a:prstGeom prst="rect">
+              <a:avLst/>
+            </a:prstGeom>
+            <a:noFill/>
+            <a:extLst>
+              <a:ext uri="{909E8E84-426E-40DD-AFC4-6F175D3DCCD1}">
+                <a14:hiddenFill xmlns:a14="http://schemas.microsoft.com/office/drawing/2010/main">
+                  <a:solidFill>
+                    <a:srgbClr val="FFFFFF"/>
+                  </a:solidFill>
+                </a14:hiddenFill>
+              </a:ext>
+            </a:extLst>
+          </p:spPr>
+        </p:pic>
+      </p:grpSp>
     </p:spTree>
     <p:extLst>
       <p:ext uri="{BB962C8B-B14F-4D97-AF65-F5344CB8AC3E}">
@@ -6448,6 +6810,136 @@
           </a:extLst>
         </p:spPr>
       </p:pic>
+      <p:grpSp>
+        <p:nvGrpSpPr>
+          <p:cNvPr id="3" name="Group 2">
+            <a:extLst>
+              <a:ext uri="{FF2B5EF4-FFF2-40B4-BE49-F238E27FC236}">
+                <a16:creationId xmlns:a16="http://schemas.microsoft.com/office/drawing/2014/main" id="{3E94B954-99CF-4665-1BCD-ECB8EC32FE4D}"/>
+              </a:ext>
+            </a:extLst>
+          </p:cNvPr>
+          <p:cNvGrpSpPr/>
+          <p:nvPr/>
+        </p:nvGrpSpPr>
+        <p:grpSpPr>
+          <a:xfrm>
+            <a:off x="11203169" y="458315"/>
+            <a:ext cx="542260" cy="523542"/>
+            <a:chOff x="11203169" y="458315"/>
+            <a:chExt cx="542260" cy="523542"/>
+          </a:xfrm>
+        </p:grpSpPr>
+        <p:sp>
+          <p:nvSpPr>
+            <p:cNvPr id="8" name="Oval 7">
+              <a:extLst>
+                <a:ext uri="{FF2B5EF4-FFF2-40B4-BE49-F238E27FC236}">
+                  <a16:creationId xmlns:a16="http://schemas.microsoft.com/office/drawing/2014/main" id="{816C9D0B-E796-CD82-1993-8A24CD19D81B}"/>
+                </a:ext>
+              </a:extLst>
+            </p:cNvPr>
+            <p:cNvSpPr/>
+            <p:nvPr/>
+          </p:nvSpPr>
+          <p:spPr>
+            <a:xfrm>
+              <a:off x="11203169" y="458315"/>
+              <a:ext cx="542260" cy="506042"/>
+            </a:xfrm>
+            <a:prstGeom prst="ellipse">
+              <a:avLst/>
+            </a:prstGeom>
+            <a:solidFill>
+              <a:srgbClr val="FF0000"/>
+            </a:solidFill>
+          </p:spPr>
+          <p:style>
+            <a:lnRef idx="2">
+              <a:schemeClr val="accent1">
+                <a:shade val="15000"/>
+              </a:schemeClr>
+            </a:lnRef>
+            <a:fillRef idx="1">
+              <a:schemeClr val="accent1"/>
+            </a:fillRef>
+            <a:effectRef idx="0">
+              <a:schemeClr val="accent1"/>
+            </a:effectRef>
+            <a:fontRef idx="minor">
+              <a:schemeClr val="lt1"/>
+            </a:fontRef>
+          </p:style>
+          <p:txBody>
+            <a:bodyPr rtlCol="0" anchor="ctr"/>
+            <a:lstStyle/>
+            <a:p>
+              <a:pPr algn="ctr"/>
+              <a:endParaRPr lang="en-US">
+                <a:solidFill>
+                  <a:schemeClr val="bg1"/>
+                </a:solidFill>
+              </a:endParaRPr>
+            </a:p>
+          </p:txBody>
+        </p:sp>
+        <p:pic>
+          <p:nvPicPr>
+            <p:cNvPr id="9" name="Picture 2" descr="Developers.Institute (@devtlv) / X">
+              <a:extLst>
+                <a:ext uri="{FF2B5EF4-FFF2-40B4-BE49-F238E27FC236}">
+                  <a16:creationId xmlns:a16="http://schemas.microsoft.com/office/drawing/2014/main" id="{B775CC77-6E6E-234D-9557-B89887F9A3A2}"/>
+                </a:ext>
+              </a:extLst>
+            </p:cNvPr>
+            <p:cNvPicPr>
+              <a:picLocks noChangeAspect="1" noChangeArrowheads="1"/>
+            </p:cNvPicPr>
+            <p:nvPr/>
+          </p:nvPicPr>
+          <p:blipFill>
+            <a:blip r:embed="rId10">
+              <a:extLst>
+                <a:ext uri="{BEBA8EAE-BF5A-486C-A8C5-ECC9F3942E4B}">
+                  <a14:imgProps xmlns:a14="http://schemas.microsoft.com/office/drawing/2010/main">
+                    <a14:imgLayer r:embed="rId11">
+                      <a14:imgEffect>
+                        <a14:backgroundRemoval t="10000" b="90000" l="10000" r="90000"/>
+                      </a14:imgEffect>
+                    </a14:imgLayer>
+                  </a14:imgProps>
+                </a:ext>
+                <a:ext uri="{28A0092B-C50C-407E-A947-70E740481C1C}">
+                  <a14:useLocalDpi xmlns:a14="http://schemas.microsoft.com/office/drawing/2010/main" val="0"/>
+                </a:ext>
+              </a:extLst>
+            </a:blip>
+            <a:srcRect/>
+            <a:stretch>
+              <a:fillRect/>
+            </a:stretch>
+          </p:blipFill>
+          <p:spPr bwMode="auto">
+            <a:xfrm>
+              <a:off x="11233487" y="500233"/>
+              <a:ext cx="481624" cy="481624"/>
+            </a:xfrm>
+            <a:prstGeom prst="rect">
+              <a:avLst/>
+            </a:prstGeom>
+            <a:noFill/>
+            <a:extLst>
+              <a:ext uri="{909E8E84-426E-40DD-AFC4-6F175D3DCCD1}">
+                <a14:hiddenFill xmlns:a14="http://schemas.microsoft.com/office/drawing/2010/main">
+                  <a:solidFill>
+                    <a:srgbClr val="FFFFFF"/>
+                  </a:solidFill>
+                </a14:hiddenFill>
+              </a:ext>
+            </a:extLst>
+          </p:spPr>
+        </p:pic>
+      </p:grpSp>
     </p:spTree>
     <p:extLst>
       <p:ext uri="{BB962C8B-B14F-4D97-AF65-F5344CB8AC3E}">
@@ -7146,6 +7638,136 @@
           </a:extLst>
         </p:spPr>
       </p:pic>
+      <p:grpSp>
+        <p:nvGrpSpPr>
+          <p:cNvPr id="2" name="Group 1">
+            <a:extLst>
+              <a:ext uri="{FF2B5EF4-FFF2-40B4-BE49-F238E27FC236}">
+                <a16:creationId xmlns:a16="http://schemas.microsoft.com/office/drawing/2014/main" id="{33A7076C-6CFC-1AA6-0037-D410E497FF2D}"/>
+              </a:ext>
+            </a:extLst>
+          </p:cNvPr>
+          <p:cNvGrpSpPr/>
+          <p:nvPr/>
+        </p:nvGrpSpPr>
+        <p:grpSpPr>
+          <a:xfrm>
+            <a:off x="11203169" y="458315"/>
+            <a:ext cx="542260" cy="523542"/>
+            <a:chOff x="11203169" y="458315"/>
+            <a:chExt cx="542260" cy="523542"/>
+          </a:xfrm>
+        </p:grpSpPr>
+        <p:sp>
+          <p:nvSpPr>
+            <p:cNvPr id="3" name="Oval 2">
+              <a:extLst>
+                <a:ext uri="{FF2B5EF4-FFF2-40B4-BE49-F238E27FC236}">
+                  <a16:creationId xmlns:a16="http://schemas.microsoft.com/office/drawing/2014/main" id="{D03CCDE3-FD7F-A22A-FD30-EEE71B7A574B}"/>
+                </a:ext>
+              </a:extLst>
+            </p:cNvPr>
+            <p:cNvSpPr/>
+            <p:nvPr/>
+          </p:nvSpPr>
+          <p:spPr>
+            <a:xfrm>
+              <a:off x="11203169" y="458315"/>
+              <a:ext cx="542260" cy="506042"/>
+            </a:xfrm>
+            <a:prstGeom prst="ellipse">
+              <a:avLst/>
+            </a:prstGeom>
+            <a:solidFill>
+              <a:srgbClr val="FF0000"/>
+            </a:solidFill>
+          </p:spPr>
+          <p:style>
+            <a:lnRef idx="2">
+              <a:schemeClr val="accent1">
+                <a:shade val="15000"/>
+              </a:schemeClr>
+            </a:lnRef>
+            <a:fillRef idx="1">
+              <a:schemeClr val="accent1"/>
+            </a:fillRef>
+            <a:effectRef idx="0">
+              <a:schemeClr val="accent1"/>
+            </a:effectRef>
+            <a:fontRef idx="minor">
+              <a:schemeClr val="lt1"/>
+            </a:fontRef>
+          </p:style>
+          <p:txBody>
+            <a:bodyPr rtlCol="0" anchor="ctr"/>
+            <a:lstStyle/>
+            <a:p>
+              <a:pPr algn="ctr"/>
+              <a:endParaRPr lang="en-US">
+                <a:solidFill>
+                  <a:schemeClr val="bg1"/>
+                </a:solidFill>
+              </a:endParaRPr>
+            </a:p>
+          </p:txBody>
+        </p:sp>
+        <p:pic>
+          <p:nvPicPr>
+            <p:cNvPr id="6" name="Picture 2" descr="Developers.Institute (@devtlv) / X">
+              <a:extLst>
+                <a:ext uri="{FF2B5EF4-FFF2-40B4-BE49-F238E27FC236}">
+                  <a16:creationId xmlns:a16="http://schemas.microsoft.com/office/drawing/2014/main" id="{6E06240E-6F2F-3FA1-D2CA-83E5652CA6AC}"/>
+                </a:ext>
+              </a:extLst>
+            </p:cNvPr>
+            <p:cNvPicPr>
+              <a:picLocks noChangeAspect="1" noChangeArrowheads="1"/>
+            </p:cNvPicPr>
+            <p:nvPr/>
+          </p:nvPicPr>
+          <p:blipFill>
+            <a:blip r:embed="rId7">
+              <a:extLst>
+                <a:ext uri="{BEBA8EAE-BF5A-486C-A8C5-ECC9F3942E4B}">
+                  <a14:imgProps xmlns:a14="http://schemas.microsoft.com/office/drawing/2010/main">
+                    <a14:imgLayer r:embed="rId8">
+                      <a14:imgEffect>
+                        <a14:backgroundRemoval t="10000" b="90000" l="10000" r="90000"/>
+                      </a14:imgEffect>
+                    </a14:imgLayer>
+                  </a14:imgProps>
+                </a:ext>
+                <a:ext uri="{28A0092B-C50C-407E-A947-70E740481C1C}">
+                  <a14:useLocalDpi xmlns:a14="http://schemas.microsoft.com/office/drawing/2010/main" val="0"/>
+                </a:ext>
+              </a:extLst>
+            </a:blip>
+            <a:srcRect/>
+            <a:stretch>
+              <a:fillRect/>
+            </a:stretch>
+          </p:blipFill>
+          <p:spPr bwMode="auto">
+            <a:xfrm>
+              <a:off x="11233487" y="500233"/>
+              <a:ext cx="481624" cy="481624"/>
+            </a:xfrm>
+            <a:prstGeom prst="rect">
+              <a:avLst/>
+            </a:prstGeom>
+            <a:noFill/>
+            <a:extLst>
+              <a:ext uri="{909E8E84-426E-40DD-AFC4-6F175D3DCCD1}">
+                <a14:hiddenFill xmlns:a14="http://schemas.microsoft.com/office/drawing/2010/main">
+                  <a:solidFill>
+                    <a:srgbClr val="FFFFFF"/>
+                  </a:solidFill>
+                </a14:hiddenFill>
+              </a:ext>
+            </a:extLst>
+          </p:spPr>
+        </p:pic>
+      </p:grpSp>
     </p:spTree>
     <p:extLst>
       <p:ext uri="{BB962C8B-B14F-4D97-AF65-F5344CB8AC3E}">
@@ -7857,6 +8479,136 @@
           </a:prstGeom>
         </p:spPr>
       </p:pic>
+      <p:grpSp>
+        <p:nvGrpSpPr>
+          <p:cNvPr id="2" name="Group 1">
+            <a:extLst>
+              <a:ext uri="{FF2B5EF4-FFF2-40B4-BE49-F238E27FC236}">
+                <a16:creationId xmlns:a16="http://schemas.microsoft.com/office/drawing/2014/main" id="{DEDAA7C0-7806-B2D2-D964-7043EFD9B3F6}"/>
+              </a:ext>
+            </a:extLst>
+          </p:cNvPr>
+          <p:cNvGrpSpPr/>
+          <p:nvPr/>
+        </p:nvGrpSpPr>
+        <p:grpSpPr>
+          <a:xfrm>
+            <a:off x="11203169" y="458315"/>
+            <a:ext cx="542260" cy="523542"/>
+            <a:chOff x="11203169" y="458315"/>
+            <a:chExt cx="542260" cy="523542"/>
+          </a:xfrm>
+        </p:grpSpPr>
+        <p:sp>
+          <p:nvSpPr>
+            <p:cNvPr id="3" name="Oval 2">
+              <a:extLst>
+                <a:ext uri="{FF2B5EF4-FFF2-40B4-BE49-F238E27FC236}">
+                  <a16:creationId xmlns:a16="http://schemas.microsoft.com/office/drawing/2014/main" id="{8362BF5F-D6E5-81BF-9EFA-5621D79EB9BF}"/>
+                </a:ext>
+              </a:extLst>
+            </p:cNvPr>
+            <p:cNvSpPr/>
+            <p:nvPr/>
+          </p:nvSpPr>
+          <p:spPr>
+            <a:xfrm>
+              <a:off x="11203169" y="458315"/>
+              <a:ext cx="542260" cy="506042"/>
+            </a:xfrm>
+            <a:prstGeom prst="ellipse">
+              <a:avLst/>
+            </a:prstGeom>
+            <a:solidFill>
+              <a:srgbClr val="FF0000"/>
+            </a:solidFill>
+          </p:spPr>
+          <p:style>
+            <a:lnRef idx="2">
+              <a:schemeClr val="accent1">
+                <a:shade val="15000"/>
+              </a:schemeClr>
+            </a:lnRef>
+            <a:fillRef idx="1">
+              <a:schemeClr val="accent1"/>
+            </a:fillRef>
+            <a:effectRef idx="0">
+              <a:schemeClr val="accent1"/>
+            </a:effectRef>
+            <a:fontRef idx="minor">
+              <a:schemeClr val="lt1"/>
+            </a:fontRef>
+          </p:style>
+          <p:txBody>
+            <a:bodyPr rtlCol="0" anchor="ctr"/>
+            <a:lstStyle/>
+            <a:p>
+              <a:pPr algn="ctr"/>
+              <a:endParaRPr lang="en-US">
+                <a:solidFill>
+                  <a:schemeClr val="bg1"/>
+                </a:solidFill>
+              </a:endParaRPr>
+            </a:p>
+          </p:txBody>
+        </p:sp>
+        <p:pic>
+          <p:nvPicPr>
+            <p:cNvPr id="9" name="Picture 2" descr="Developers.Institute (@devtlv) / X">
+              <a:extLst>
+                <a:ext uri="{FF2B5EF4-FFF2-40B4-BE49-F238E27FC236}">
+                  <a16:creationId xmlns:a16="http://schemas.microsoft.com/office/drawing/2014/main" id="{C8CDE56E-E925-6E95-5A67-199597821ACC}"/>
+                </a:ext>
+              </a:extLst>
+            </p:cNvPr>
+            <p:cNvPicPr>
+              <a:picLocks noChangeAspect="1" noChangeArrowheads="1"/>
+            </p:cNvPicPr>
+            <p:nvPr/>
+          </p:nvPicPr>
+          <p:blipFill>
+            <a:blip r:embed="rId7">
+              <a:extLst>
+                <a:ext uri="{BEBA8EAE-BF5A-486C-A8C5-ECC9F3942E4B}">
+                  <a14:imgProps xmlns:a14="http://schemas.microsoft.com/office/drawing/2010/main">
+                    <a14:imgLayer r:embed="rId8">
+                      <a14:imgEffect>
+                        <a14:backgroundRemoval t="10000" b="90000" l="10000" r="90000"/>
+                      </a14:imgEffect>
+                    </a14:imgLayer>
+                  </a14:imgProps>
+                </a:ext>
+                <a:ext uri="{28A0092B-C50C-407E-A947-70E740481C1C}">
+                  <a14:useLocalDpi xmlns:a14="http://schemas.microsoft.com/office/drawing/2010/main" val="0"/>
+                </a:ext>
+              </a:extLst>
+            </a:blip>
+            <a:srcRect/>
+            <a:stretch>
+              <a:fillRect/>
+            </a:stretch>
+          </p:blipFill>
+          <p:spPr bwMode="auto">
+            <a:xfrm>
+              <a:off x="11233487" y="500233"/>
+              <a:ext cx="481624" cy="481624"/>
+            </a:xfrm>
+            <a:prstGeom prst="rect">
+              <a:avLst/>
+            </a:prstGeom>
+            <a:noFill/>
+            <a:extLst>
+              <a:ext uri="{909E8E84-426E-40DD-AFC4-6F175D3DCCD1}">
+                <a14:hiddenFill xmlns:a14="http://schemas.microsoft.com/office/drawing/2010/main">
+                  <a:solidFill>
+                    <a:srgbClr val="FFFFFF"/>
+                  </a:solidFill>
+                </a14:hiddenFill>
+              </a:ext>
+            </a:extLst>
+          </p:spPr>
+        </p:pic>
+      </p:grpSp>
     </p:spTree>
     <p:extLst>
       <p:ext uri="{BB962C8B-B14F-4D97-AF65-F5344CB8AC3E}">
@@ -8568,6 +9320,136 @@
           </a:extLst>
         </p:spPr>
       </p:pic>
+      <p:grpSp>
+        <p:nvGrpSpPr>
+          <p:cNvPr id="2" name="Group 1">
+            <a:extLst>
+              <a:ext uri="{FF2B5EF4-FFF2-40B4-BE49-F238E27FC236}">
+                <a16:creationId xmlns:a16="http://schemas.microsoft.com/office/drawing/2014/main" id="{3312E33D-1F6D-CBBC-9230-6ADBDADAEC5F}"/>
+              </a:ext>
+            </a:extLst>
+          </p:cNvPr>
+          <p:cNvGrpSpPr/>
+          <p:nvPr/>
+        </p:nvGrpSpPr>
+        <p:grpSpPr>
+          <a:xfrm>
+            <a:off x="11203169" y="458315"/>
+            <a:ext cx="542260" cy="523542"/>
+            <a:chOff x="11203169" y="458315"/>
+            <a:chExt cx="542260" cy="523542"/>
+          </a:xfrm>
+        </p:grpSpPr>
+        <p:sp>
+          <p:nvSpPr>
+            <p:cNvPr id="3" name="Oval 2">
+              <a:extLst>
+                <a:ext uri="{FF2B5EF4-FFF2-40B4-BE49-F238E27FC236}">
+                  <a16:creationId xmlns:a16="http://schemas.microsoft.com/office/drawing/2014/main" id="{C1FB63BF-6597-96F8-EE31-BB99AA90FEDC}"/>
+                </a:ext>
+              </a:extLst>
+            </p:cNvPr>
+            <p:cNvSpPr/>
+            <p:nvPr/>
+          </p:nvSpPr>
+          <p:spPr>
+            <a:xfrm>
+              <a:off x="11203169" y="458315"/>
+              <a:ext cx="542260" cy="506042"/>
+            </a:xfrm>
+            <a:prstGeom prst="ellipse">
+              <a:avLst/>
+            </a:prstGeom>
+            <a:solidFill>
+              <a:srgbClr val="FF0000"/>
+            </a:solidFill>
+          </p:spPr>
+          <p:style>
+            <a:lnRef idx="2">
+              <a:schemeClr val="accent1">
+                <a:shade val="15000"/>
+              </a:schemeClr>
+            </a:lnRef>
+            <a:fillRef idx="1">
+              <a:schemeClr val="accent1"/>
+            </a:fillRef>
+            <a:effectRef idx="0">
+              <a:schemeClr val="accent1"/>
+            </a:effectRef>
+            <a:fontRef idx="minor">
+              <a:schemeClr val="lt1"/>
+            </a:fontRef>
+          </p:style>
+          <p:txBody>
+            <a:bodyPr rtlCol="0" anchor="ctr"/>
+            <a:lstStyle/>
+            <a:p>
+              <a:pPr algn="ctr"/>
+              <a:endParaRPr lang="en-US">
+                <a:solidFill>
+                  <a:schemeClr val="bg1"/>
+                </a:solidFill>
+              </a:endParaRPr>
+            </a:p>
+          </p:txBody>
+        </p:sp>
+        <p:pic>
+          <p:nvPicPr>
+            <p:cNvPr id="6" name="Picture 2" descr="Developers.Institute (@devtlv) / X">
+              <a:extLst>
+                <a:ext uri="{FF2B5EF4-FFF2-40B4-BE49-F238E27FC236}">
+                  <a16:creationId xmlns:a16="http://schemas.microsoft.com/office/drawing/2014/main" id="{1B33AE2A-FE30-7498-EB68-E131C4961D05}"/>
+                </a:ext>
+              </a:extLst>
+            </p:cNvPr>
+            <p:cNvPicPr>
+              <a:picLocks noChangeAspect="1" noChangeArrowheads="1"/>
+            </p:cNvPicPr>
+            <p:nvPr/>
+          </p:nvPicPr>
+          <p:blipFill>
+            <a:blip r:embed="rId9">
+              <a:extLst>
+                <a:ext uri="{BEBA8EAE-BF5A-486C-A8C5-ECC9F3942E4B}">
+                  <a14:imgProps xmlns:a14="http://schemas.microsoft.com/office/drawing/2010/main">
+                    <a14:imgLayer r:embed="rId10">
+                      <a14:imgEffect>
+                        <a14:backgroundRemoval t="10000" b="90000" l="10000" r="90000"/>
+                      </a14:imgEffect>
+                    </a14:imgLayer>
+                  </a14:imgProps>
+                </a:ext>
+                <a:ext uri="{28A0092B-C50C-407E-A947-70E740481C1C}">
+                  <a14:useLocalDpi xmlns:a14="http://schemas.microsoft.com/office/drawing/2010/main" val="0"/>
+                </a:ext>
+              </a:extLst>
+            </a:blip>
+            <a:srcRect/>
+            <a:stretch>
+              <a:fillRect/>
+            </a:stretch>
+          </p:blipFill>
+          <p:spPr bwMode="auto">
+            <a:xfrm>
+              <a:off x="11233487" y="500233"/>
+              <a:ext cx="481624" cy="481624"/>
+            </a:xfrm>
+            <a:prstGeom prst="rect">
+              <a:avLst/>
+            </a:prstGeom>
+            <a:noFill/>
+            <a:extLst>
+              <a:ext uri="{909E8E84-426E-40DD-AFC4-6F175D3DCCD1}">
+                <a14:hiddenFill xmlns:a14="http://schemas.microsoft.com/office/drawing/2010/main">
+                  <a:solidFill>
+                    <a:srgbClr val="FFFFFF"/>
+                  </a:solidFill>
+                </a14:hiddenFill>
+              </a:ext>
+            </a:extLst>
+          </p:spPr>
+        </p:pic>
+      </p:grpSp>
     </p:spTree>
     <p:extLst>
       <p:ext uri="{BB962C8B-B14F-4D97-AF65-F5344CB8AC3E}">
@@ -9247,6 +10129,136 @@
           </a:p>
         </p:txBody>
       </p:sp>
+      <p:grpSp>
+        <p:nvGrpSpPr>
+          <p:cNvPr id="2" name="Group 1">
+            <a:extLst>
+              <a:ext uri="{FF2B5EF4-FFF2-40B4-BE49-F238E27FC236}">
+                <a16:creationId xmlns:a16="http://schemas.microsoft.com/office/drawing/2014/main" id="{1E77BE40-076A-9A54-301C-93C52A2EEE7F}"/>
+              </a:ext>
+            </a:extLst>
+          </p:cNvPr>
+          <p:cNvGrpSpPr/>
+          <p:nvPr/>
+        </p:nvGrpSpPr>
+        <p:grpSpPr>
+          <a:xfrm>
+            <a:off x="11203169" y="458315"/>
+            <a:ext cx="542260" cy="523542"/>
+            <a:chOff x="11203169" y="458315"/>
+            <a:chExt cx="542260" cy="523542"/>
+          </a:xfrm>
+        </p:grpSpPr>
+        <p:sp>
+          <p:nvSpPr>
+            <p:cNvPr id="3" name="Oval 2">
+              <a:extLst>
+                <a:ext uri="{FF2B5EF4-FFF2-40B4-BE49-F238E27FC236}">
+                  <a16:creationId xmlns:a16="http://schemas.microsoft.com/office/drawing/2014/main" id="{06790A91-639E-C2CF-6B34-0D251C7A18BD}"/>
+                </a:ext>
+              </a:extLst>
+            </p:cNvPr>
+            <p:cNvSpPr/>
+            <p:nvPr/>
+          </p:nvSpPr>
+          <p:spPr>
+            <a:xfrm>
+              <a:off x="11203169" y="458315"/>
+              <a:ext cx="542260" cy="506042"/>
+            </a:xfrm>
+            <a:prstGeom prst="ellipse">
+              <a:avLst/>
+            </a:prstGeom>
+            <a:solidFill>
+              <a:srgbClr val="FF0000"/>
+            </a:solidFill>
+          </p:spPr>
+          <p:style>
+            <a:lnRef idx="2">
+              <a:schemeClr val="accent1">
+                <a:shade val="15000"/>
+              </a:schemeClr>
+            </a:lnRef>
+            <a:fillRef idx="1">
+              <a:schemeClr val="accent1"/>
+            </a:fillRef>
+            <a:effectRef idx="0">
+              <a:schemeClr val="accent1"/>
+            </a:effectRef>
+            <a:fontRef idx="minor">
+              <a:schemeClr val="lt1"/>
+            </a:fontRef>
+          </p:style>
+          <p:txBody>
+            <a:bodyPr rtlCol="0" anchor="ctr"/>
+            <a:lstStyle/>
+            <a:p>
+              <a:pPr algn="ctr"/>
+              <a:endParaRPr lang="en-US">
+                <a:solidFill>
+                  <a:schemeClr val="bg1"/>
+                </a:solidFill>
+              </a:endParaRPr>
+            </a:p>
+          </p:txBody>
+        </p:sp>
+        <p:pic>
+          <p:nvPicPr>
+            <p:cNvPr id="8" name="Picture 2" descr="Developers.Institute (@devtlv) / X">
+              <a:extLst>
+                <a:ext uri="{FF2B5EF4-FFF2-40B4-BE49-F238E27FC236}">
+                  <a16:creationId xmlns:a16="http://schemas.microsoft.com/office/drawing/2014/main" id="{BF7D79F2-8FDE-9B4F-7945-24320F9DDD28}"/>
+                </a:ext>
+              </a:extLst>
+            </p:cNvPr>
+            <p:cNvPicPr>
+              <a:picLocks noChangeAspect="1" noChangeArrowheads="1"/>
+            </p:cNvPicPr>
+            <p:nvPr/>
+          </p:nvPicPr>
+          <p:blipFill>
+            <a:blip r:embed="rId5">
+              <a:extLst>
+                <a:ext uri="{BEBA8EAE-BF5A-486C-A8C5-ECC9F3942E4B}">
+                  <a14:imgProps xmlns:a14="http://schemas.microsoft.com/office/drawing/2010/main">
+                    <a14:imgLayer r:embed="rId6">
+                      <a14:imgEffect>
+                        <a14:backgroundRemoval t="10000" b="90000" l="10000" r="90000"/>
+                      </a14:imgEffect>
+                    </a14:imgLayer>
+                  </a14:imgProps>
+                </a:ext>
+                <a:ext uri="{28A0092B-C50C-407E-A947-70E740481C1C}">
+                  <a14:useLocalDpi xmlns:a14="http://schemas.microsoft.com/office/drawing/2010/main" val="0"/>
+                </a:ext>
+              </a:extLst>
+            </a:blip>
+            <a:srcRect/>
+            <a:stretch>
+              <a:fillRect/>
+            </a:stretch>
+          </p:blipFill>
+          <p:spPr bwMode="auto">
+            <a:xfrm>
+              <a:off x="11233487" y="500233"/>
+              <a:ext cx="481624" cy="481624"/>
+            </a:xfrm>
+            <a:prstGeom prst="rect">
+              <a:avLst/>
+            </a:prstGeom>
+            <a:noFill/>
+            <a:extLst>
+              <a:ext uri="{909E8E84-426E-40DD-AFC4-6F175D3DCCD1}">
+                <a14:hiddenFill xmlns:a14="http://schemas.microsoft.com/office/drawing/2010/main">
+                  <a:solidFill>
+                    <a:srgbClr val="FFFFFF"/>
+                  </a:solidFill>
+                </a14:hiddenFill>
+              </a:ext>
+            </a:extLst>
+          </p:spPr>
+        </p:pic>
+      </p:grpSp>
     </p:spTree>
     <p:extLst>
       <p:ext uri="{BB962C8B-B14F-4D97-AF65-F5344CB8AC3E}">
@@ -9742,6 +10754,136 @@
           </a:p>
         </p:txBody>
       </p:sp>
+      <p:grpSp>
+        <p:nvGrpSpPr>
+          <p:cNvPr id="2" name="Group 1">
+            <a:extLst>
+              <a:ext uri="{FF2B5EF4-FFF2-40B4-BE49-F238E27FC236}">
+                <a16:creationId xmlns:a16="http://schemas.microsoft.com/office/drawing/2014/main" id="{0B212E08-F27D-5EAC-4113-1D8ED0FF47EE}"/>
+              </a:ext>
+            </a:extLst>
+          </p:cNvPr>
+          <p:cNvGrpSpPr/>
+          <p:nvPr/>
+        </p:nvGrpSpPr>
+        <p:grpSpPr>
+          <a:xfrm>
+            <a:off x="11203169" y="458315"/>
+            <a:ext cx="542260" cy="523542"/>
+            <a:chOff x="11203169" y="458315"/>
+            <a:chExt cx="542260" cy="523542"/>
+          </a:xfrm>
+        </p:grpSpPr>
+        <p:sp>
+          <p:nvSpPr>
+            <p:cNvPr id="6" name="Oval 5">
+              <a:extLst>
+                <a:ext uri="{FF2B5EF4-FFF2-40B4-BE49-F238E27FC236}">
+                  <a16:creationId xmlns:a16="http://schemas.microsoft.com/office/drawing/2014/main" id="{853FB677-DF3A-7DF0-8D33-0E4C250B74D8}"/>
+                </a:ext>
+              </a:extLst>
+            </p:cNvPr>
+            <p:cNvSpPr/>
+            <p:nvPr/>
+          </p:nvSpPr>
+          <p:spPr>
+            <a:xfrm>
+              <a:off x="11203169" y="458315"/>
+              <a:ext cx="542260" cy="506042"/>
+            </a:xfrm>
+            <a:prstGeom prst="ellipse">
+              <a:avLst/>
+            </a:prstGeom>
+            <a:solidFill>
+              <a:srgbClr val="FF0000"/>
+            </a:solidFill>
+          </p:spPr>
+          <p:style>
+            <a:lnRef idx="2">
+              <a:schemeClr val="accent1">
+                <a:shade val="15000"/>
+              </a:schemeClr>
+            </a:lnRef>
+            <a:fillRef idx="1">
+              <a:schemeClr val="accent1"/>
+            </a:fillRef>
+            <a:effectRef idx="0">
+              <a:schemeClr val="accent1"/>
+            </a:effectRef>
+            <a:fontRef idx="minor">
+              <a:schemeClr val="lt1"/>
+            </a:fontRef>
+          </p:style>
+          <p:txBody>
+            <a:bodyPr rtlCol="0" anchor="ctr"/>
+            <a:lstStyle/>
+            <a:p>
+              <a:pPr algn="ctr"/>
+              <a:endParaRPr lang="en-US">
+                <a:solidFill>
+                  <a:schemeClr val="bg1"/>
+                </a:solidFill>
+              </a:endParaRPr>
+            </a:p>
+          </p:txBody>
+        </p:sp>
+        <p:pic>
+          <p:nvPicPr>
+            <p:cNvPr id="7" name="Picture 2" descr="Developers.Institute (@devtlv) / X">
+              <a:extLst>
+                <a:ext uri="{FF2B5EF4-FFF2-40B4-BE49-F238E27FC236}">
+                  <a16:creationId xmlns:a16="http://schemas.microsoft.com/office/drawing/2014/main" id="{5315C575-B155-BE29-7401-975D9B06BEF2}"/>
+                </a:ext>
+              </a:extLst>
+            </p:cNvPr>
+            <p:cNvPicPr>
+              <a:picLocks noChangeAspect="1" noChangeArrowheads="1"/>
+            </p:cNvPicPr>
+            <p:nvPr/>
+          </p:nvPicPr>
+          <p:blipFill>
+            <a:blip r:embed="rId6">
+              <a:extLst>
+                <a:ext uri="{BEBA8EAE-BF5A-486C-A8C5-ECC9F3942E4B}">
+                  <a14:imgProps xmlns:a14="http://schemas.microsoft.com/office/drawing/2010/main">
+                    <a14:imgLayer r:embed="rId7">
+                      <a14:imgEffect>
+                        <a14:backgroundRemoval t="10000" b="90000" l="10000" r="90000"/>
+                      </a14:imgEffect>
+                    </a14:imgLayer>
+                  </a14:imgProps>
+                </a:ext>
+                <a:ext uri="{28A0092B-C50C-407E-A947-70E740481C1C}">
+                  <a14:useLocalDpi xmlns:a14="http://schemas.microsoft.com/office/drawing/2010/main" val="0"/>
+                </a:ext>
+              </a:extLst>
+            </a:blip>
+            <a:srcRect/>
+            <a:stretch>
+              <a:fillRect/>
+            </a:stretch>
+          </p:blipFill>
+          <p:spPr bwMode="auto">
+            <a:xfrm>
+              <a:off x="11233487" y="500233"/>
+              <a:ext cx="481624" cy="481624"/>
+            </a:xfrm>
+            <a:prstGeom prst="rect">
+              <a:avLst/>
+            </a:prstGeom>
+            <a:noFill/>
+            <a:extLst>
+              <a:ext uri="{909E8E84-426E-40DD-AFC4-6F175D3DCCD1}">
+                <a14:hiddenFill xmlns:a14="http://schemas.microsoft.com/office/drawing/2010/main">
+                  <a:solidFill>
+                    <a:srgbClr val="FFFFFF"/>
+                  </a:solidFill>
+                </a14:hiddenFill>
+              </a:ext>
+            </a:extLst>
+          </p:spPr>
+        </p:pic>
+      </p:grpSp>
     </p:spTree>
     <p:extLst>
       <p:ext uri="{BB962C8B-B14F-4D97-AF65-F5344CB8AC3E}">

--- a/6_presentation/Presentation/Presentation.pptx
+++ b/6_presentation/Presentation/Presentation.pptx
@@ -7,14 +7,15 @@
   <p:sldIdLst>
     <p:sldId id="258" r:id="rId2"/>
     <p:sldId id="257" r:id="rId3"/>
-    <p:sldId id="259" r:id="rId4"/>
-    <p:sldId id="262" r:id="rId5"/>
-    <p:sldId id="263" r:id="rId6"/>
-    <p:sldId id="264" r:id="rId7"/>
-    <p:sldId id="260" r:id="rId8"/>
-    <p:sldId id="265" r:id="rId9"/>
-    <p:sldId id="266" r:id="rId10"/>
-    <p:sldId id="261" r:id="rId11"/>
+    <p:sldId id="268" r:id="rId4"/>
+    <p:sldId id="259" r:id="rId5"/>
+    <p:sldId id="262" r:id="rId6"/>
+    <p:sldId id="263" r:id="rId7"/>
+    <p:sldId id="264" r:id="rId8"/>
+    <p:sldId id="260" r:id="rId9"/>
+    <p:sldId id="265" r:id="rId10"/>
+    <p:sldId id="266" r:id="rId11"/>
+    <p:sldId id="261" r:id="rId12"/>
   </p:sldIdLst>
   <p:sldSz cx="12192000" cy="6858000"/>
   <p:notesSz cx="6858000" cy="9144000"/>
@@ -124,8 +125,7 @@
 <file path=ppt/revisionInfo.xml><?xml version="1.0" encoding="utf-8"?>
 <p1510:revInfo xmlns:a="http://schemas.openxmlformats.org/drawingml/2006/main" xmlns:r="http://schemas.openxmlformats.org/officeDocument/2006/relationships" xmlns:p1510="http://schemas.microsoft.com/office/powerpoint/2015/10/main">
   <p1510:revLst>
-    <p1510:client id="{2B4210BF-D794-41CF-9461-49640E163BE9}" v="392" dt="2025-05-08T15:31:10.722"/>
-    <p1510:client id="{B0318225-101C-47EE-A6E5-F68351A46129}" v="21" dt="2025-05-09T14:50:35.161"/>
+    <p1510:client id="{B0318225-101C-47EE-A6E5-F68351A46129}" v="41" dt="2025-05-10T23:10:41.431"/>
   </p1510:revLst>
 </p1510:revInfo>
 </file>
@@ -134,13 +134,13 @@
 <pc:chgInfo xmlns:a="http://schemas.openxmlformats.org/drawingml/2006/main" xmlns:r="http://schemas.openxmlformats.org/officeDocument/2006/relationships" xmlns:ac="http://schemas.microsoft.com/office/drawing/2013/main/command" xmlns:pc="http://schemas.microsoft.com/office/powerpoint/2013/main/command">
   <pc:docChgLst>
     <pc:chgData name="Shirel Amozieg" userId="ac9ed54efc69b90a" providerId="LiveId" clId="{B0318225-101C-47EE-A6E5-F68351A46129}"/>
-    <pc:docChg chg="modSld">
-      <pc:chgData name="Shirel Amozieg" userId="ac9ed54efc69b90a" providerId="LiveId" clId="{B0318225-101C-47EE-A6E5-F68351A46129}" dt="2025-05-09T14:50:35.161" v="26"/>
+    <pc:docChg chg="undo redo custSel addSld delSld modSld sldOrd">
+      <pc:chgData name="Shirel Amozieg" userId="ac9ed54efc69b90a" providerId="LiveId" clId="{B0318225-101C-47EE-A6E5-F68351A46129}" dt="2025-05-11T00:18:39.187" v="378" actId="20577"/>
       <pc:docMkLst>
         <pc:docMk/>
       </pc:docMkLst>
       <pc:sldChg chg="addSp modSp mod">
-        <pc:chgData name="Shirel Amozieg" userId="ac9ed54efc69b90a" providerId="LiveId" clId="{B0318225-101C-47EE-A6E5-F68351A46129}" dt="2025-05-09T14:50:16.092" v="20" actId="164"/>
+        <pc:chgData name="Shirel Amozieg" userId="ac9ed54efc69b90a" providerId="LiveId" clId="{B0318225-101C-47EE-A6E5-F68351A46129}" dt="2025-05-10T22:35:26.663" v="99" actId="20577"/>
         <pc:sldMkLst>
           <pc:docMk/>
           <pc:sldMk cId="1241968479" sldId="259"/>
@@ -151,6 +151,14 @@
             <pc:docMk/>
             <pc:sldMk cId="1241968479" sldId="259"/>
             <ac:spMk id="2" creationId="{5AF9D0DC-C835-D211-5F5D-91EBB8C96631}"/>
+          </ac:spMkLst>
+        </pc:spChg>
+        <pc:spChg chg="mod">
+          <ac:chgData name="Shirel Amozieg" userId="ac9ed54efc69b90a" providerId="LiveId" clId="{B0318225-101C-47EE-A6E5-F68351A46129}" dt="2025-05-10T22:35:26.663" v="99" actId="20577"/>
+          <ac:spMkLst>
+            <pc:docMk/>
+            <pc:sldMk cId="1241968479" sldId="259"/>
+            <ac:spMk id="20" creationId="{6871F015-B3ED-3EF5-3481-981AEC2209C5}"/>
           </ac:spMkLst>
         </pc:spChg>
         <pc:grpChg chg="add mod">
@@ -201,12 +209,20 @@
           </ac:picMkLst>
         </pc:picChg>
       </pc:sldChg>
-      <pc:sldChg chg="addSp modSp">
-        <pc:chgData name="Shirel Amozieg" userId="ac9ed54efc69b90a" providerId="LiveId" clId="{B0318225-101C-47EE-A6E5-F68351A46129}" dt="2025-05-09T14:50:21.312" v="21"/>
+      <pc:sldChg chg="addSp modSp mod">
+        <pc:chgData name="Shirel Amozieg" userId="ac9ed54efc69b90a" providerId="LiveId" clId="{B0318225-101C-47EE-A6E5-F68351A46129}" dt="2025-05-11T00:18:39.187" v="378" actId="20577"/>
         <pc:sldMkLst>
           <pc:docMk/>
           <pc:sldMk cId="3921954760" sldId="262"/>
         </pc:sldMkLst>
+        <pc:spChg chg="mod">
+          <ac:chgData name="Shirel Amozieg" userId="ac9ed54efc69b90a" providerId="LiveId" clId="{B0318225-101C-47EE-A6E5-F68351A46129}" dt="2025-05-11T00:18:39.187" v="378" actId="20577"/>
+          <ac:spMkLst>
+            <pc:docMk/>
+            <pc:sldMk cId="3921954760" sldId="262"/>
+            <ac:spMk id="7" creationId="{AC465699-A36D-97A9-F684-C0D3AE07261B}"/>
+          </ac:spMkLst>
+        </pc:spChg>
         <pc:spChg chg="mod">
           <ac:chgData name="Shirel Amozieg" userId="ac9ed54efc69b90a" providerId="LiveId" clId="{B0318225-101C-47EE-A6E5-F68351A46129}" dt="2025-05-09T14:50:21.312" v="21"/>
           <ac:spMkLst>
@@ -325,18 +341,90 @@
           </ac:picMkLst>
         </pc:picChg>
       </pc:sldChg>
-      <pc:sldChg chg="addSp modSp">
-        <pc:chgData name="Shirel Amozieg" userId="ac9ed54efc69b90a" providerId="LiveId" clId="{B0318225-101C-47EE-A6E5-F68351A46129}" dt="2025-05-09T14:50:35.161" v="26"/>
+      <pc:sldChg chg="addSp delSp modSp mod">
+        <pc:chgData name="Shirel Amozieg" userId="ac9ed54efc69b90a" providerId="LiveId" clId="{B0318225-101C-47EE-A6E5-F68351A46129}" dt="2025-05-10T23:12:29.111" v="377" actId="1076"/>
         <pc:sldMkLst>
           <pc:docMk/>
           <pc:sldMk cId="1033504488" sldId="266"/>
         </pc:sldMkLst>
+        <pc:spChg chg="mod">
+          <ac:chgData name="Shirel Amozieg" userId="ac9ed54efc69b90a" providerId="LiveId" clId="{B0318225-101C-47EE-A6E5-F68351A46129}" dt="2025-05-10T23:05:18.732" v="331" actId="207"/>
+          <ac:spMkLst>
+            <pc:docMk/>
+            <pc:sldMk cId="1033504488" sldId="266"/>
+            <ac:spMk id="3" creationId="{AE9D5A5B-C2AE-B9DB-BA0D-86EBF07681EC}"/>
+          </ac:spMkLst>
+        </pc:spChg>
         <pc:spChg chg="mod">
           <ac:chgData name="Shirel Amozieg" userId="ac9ed54efc69b90a" providerId="LiveId" clId="{B0318225-101C-47EE-A6E5-F68351A46129}" dt="2025-05-09T14:50:35.161" v="26"/>
           <ac:spMkLst>
             <pc:docMk/>
             <pc:sldMk cId="1033504488" sldId="266"/>
             <ac:spMk id="6" creationId="{853FB677-DF3A-7DF0-8D33-0E4C250B74D8}"/>
+          </ac:spMkLst>
+        </pc:spChg>
+        <pc:spChg chg="add mod">
+          <ac:chgData name="Shirel Amozieg" userId="ac9ed54efc69b90a" providerId="LiveId" clId="{B0318225-101C-47EE-A6E5-F68351A46129}" dt="2025-05-10T23:02:44.123" v="316" actId="14100"/>
+          <ac:spMkLst>
+            <pc:docMk/>
+            <pc:sldMk cId="1033504488" sldId="266"/>
+            <ac:spMk id="8" creationId="{64BF1616-E91D-1181-A839-F7C40BEDBA2A}"/>
+          </ac:spMkLst>
+        </pc:spChg>
+        <pc:spChg chg="add mod">
+          <ac:chgData name="Shirel Amozieg" userId="ac9ed54efc69b90a" providerId="LiveId" clId="{B0318225-101C-47EE-A6E5-F68351A46129}" dt="2025-05-10T23:11:46.722" v="371" actId="14100"/>
+          <ac:spMkLst>
+            <pc:docMk/>
+            <pc:sldMk cId="1033504488" sldId="266"/>
+            <ac:spMk id="9" creationId="{17A32775-8B91-DCC1-BDA4-DC497B7E7E8A}"/>
+          </ac:spMkLst>
+        </pc:spChg>
+        <pc:spChg chg="add del mod">
+          <ac:chgData name="Shirel Amozieg" userId="ac9ed54efc69b90a" providerId="LiveId" clId="{B0318225-101C-47EE-A6E5-F68351A46129}" dt="2025-05-10T22:56:33.423" v="311" actId="478"/>
+          <ac:spMkLst>
+            <pc:docMk/>
+            <pc:sldMk cId="1033504488" sldId="266"/>
+            <ac:spMk id="11" creationId="{5CD1CF8E-6F19-E07E-D6F3-8839B90A491C}"/>
+          </ac:spMkLst>
+        </pc:spChg>
+        <pc:spChg chg="add mod">
+          <ac:chgData name="Shirel Amozieg" userId="ac9ed54efc69b90a" providerId="LiveId" clId="{B0318225-101C-47EE-A6E5-F68351A46129}" dt="2025-05-10T22:55:27.304" v="303" actId="1076"/>
+          <ac:spMkLst>
+            <pc:docMk/>
+            <pc:sldMk cId="1033504488" sldId="266"/>
+            <ac:spMk id="12" creationId="{FC073378-FF92-1320-FEAA-959C5C25D836}"/>
+          </ac:spMkLst>
+        </pc:spChg>
+        <pc:spChg chg="add mod">
+          <ac:chgData name="Shirel Amozieg" userId="ac9ed54efc69b90a" providerId="LiveId" clId="{B0318225-101C-47EE-A6E5-F68351A46129}" dt="2025-05-10T23:12:18.836" v="375" actId="1076"/>
+          <ac:spMkLst>
+            <pc:docMk/>
+            <pc:sldMk cId="1033504488" sldId="266"/>
+            <ac:spMk id="15" creationId="{38B71702-8E2D-AA7C-3C9D-8AE966F529D2}"/>
+          </ac:spMkLst>
+        </pc:spChg>
+        <pc:spChg chg="add del mod">
+          <ac:chgData name="Shirel Amozieg" userId="ac9ed54efc69b90a" providerId="LiveId" clId="{B0318225-101C-47EE-A6E5-F68351A46129}" dt="2025-05-10T23:09:46.461" v="363" actId="478"/>
+          <ac:spMkLst>
+            <pc:docMk/>
+            <pc:sldMk cId="1033504488" sldId="266"/>
+            <ac:spMk id="20" creationId="{C185E33B-A8B2-58CF-F9FA-E3A4A3265146}"/>
+          </ac:spMkLst>
+        </pc:spChg>
+        <pc:spChg chg="mod">
+          <ac:chgData name="Shirel Amozieg" userId="ac9ed54efc69b90a" providerId="LiveId" clId="{B0318225-101C-47EE-A6E5-F68351A46129}" dt="2025-05-10T23:03:44.523" v="324" actId="1076"/>
+          <ac:spMkLst>
+            <pc:docMk/>
+            <pc:sldMk cId="1033504488" sldId="266"/>
+            <ac:spMk id="21" creationId="{182B0015-172E-E41C-42F4-00A0B4120B95}"/>
+          </ac:spMkLst>
+        </pc:spChg>
+        <pc:spChg chg="add mod">
+          <ac:chgData name="Shirel Amozieg" userId="ac9ed54efc69b90a" providerId="LiveId" clId="{B0318225-101C-47EE-A6E5-F68351A46129}" dt="2025-05-10T23:11:55.323" v="372" actId="1076"/>
+          <ac:spMkLst>
+            <pc:docMk/>
+            <pc:sldMk cId="1033504488" sldId="266"/>
+            <ac:spMk id="22" creationId="{04E1087E-B7BD-6725-9A91-BF6732D5EDC4}"/>
           </ac:spMkLst>
         </pc:spChg>
         <pc:grpChg chg="add mod">
@@ -355,6 +443,100 @@
             <ac:picMk id="7" creationId="{5315C575-B155-BE29-7401-975D9B06BEF2}"/>
           </ac:picMkLst>
         </pc:picChg>
+        <pc:picChg chg="add mod">
+          <ac:chgData name="Shirel Amozieg" userId="ac9ed54efc69b90a" providerId="LiveId" clId="{B0318225-101C-47EE-A6E5-F68351A46129}" dt="2025-05-10T23:12:29.111" v="377" actId="1076"/>
+          <ac:picMkLst>
+            <pc:docMk/>
+            <pc:sldMk cId="1033504488" sldId="266"/>
+            <ac:picMk id="10" creationId="{5C234D46-3920-75F3-F003-6F3F90EEAB32}"/>
+          </ac:picMkLst>
+        </pc:picChg>
+        <pc:picChg chg="add mod">
+          <ac:chgData name="Shirel Amozieg" userId="ac9ed54efc69b90a" providerId="LiveId" clId="{B0318225-101C-47EE-A6E5-F68351A46129}" dt="2025-05-10T23:05:52.827" v="337" actId="1076"/>
+          <ac:picMkLst>
+            <pc:docMk/>
+            <pc:sldMk cId="1033504488" sldId="266"/>
+            <ac:picMk id="18" creationId="{12B37662-011E-FB94-9EF8-11536AA5FBD4}"/>
+          </ac:picMkLst>
+        </pc:picChg>
+        <pc:picChg chg="add mod">
+          <ac:chgData name="Shirel Amozieg" userId="ac9ed54efc69b90a" providerId="LiveId" clId="{B0318225-101C-47EE-A6E5-F68351A46129}" dt="2025-05-10T23:12:22.814" v="376" actId="1076"/>
+          <ac:picMkLst>
+            <pc:docMk/>
+            <pc:sldMk cId="1033504488" sldId="266"/>
+            <ac:picMk id="19" creationId="{53EA72D2-9CF2-FB7C-B8DA-F6BAA3D168DC}"/>
+          </ac:picMkLst>
+        </pc:picChg>
+        <pc:picChg chg="add mod">
+          <ac:chgData name="Shirel Amozieg" userId="ac9ed54efc69b90a" providerId="LiveId" clId="{B0318225-101C-47EE-A6E5-F68351A46129}" dt="2025-05-10T23:12:03.761" v="373" actId="1076"/>
+          <ac:picMkLst>
+            <pc:docMk/>
+            <pc:sldMk cId="1033504488" sldId="266"/>
+            <ac:picMk id="23" creationId="{C31D3FDB-F60C-B6DB-6466-CA002ACAD625}"/>
+          </ac:picMkLst>
+        </pc:picChg>
+      </pc:sldChg>
+      <pc:sldChg chg="delSp modSp add del mod ord">
+        <pc:chgData name="Shirel Amozieg" userId="ac9ed54efc69b90a" providerId="LiveId" clId="{B0318225-101C-47EE-A6E5-F68351A46129}" dt="2025-05-10T22:33:56.036" v="86" actId="2696"/>
+        <pc:sldMkLst>
+          <pc:docMk/>
+          <pc:sldMk cId="3738090449" sldId="267"/>
+        </pc:sldMkLst>
+        <pc:spChg chg="mod">
+          <ac:chgData name="Shirel Amozieg" userId="ac9ed54efc69b90a" providerId="LiveId" clId="{B0318225-101C-47EE-A6E5-F68351A46129}" dt="2025-05-10T22:29:31.132" v="80" actId="1076"/>
+          <ac:spMkLst>
+            <pc:docMk/>
+            <pc:sldMk cId="3738090449" sldId="267"/>
+            <ac:spMk id="16" creationId="{BF4BA508-3467-D2CC-C827-A6BB44A2A2A9}"/>
+          </ac:spMkLst>
+        </pc:spChg>
+        <pc:picChg chg="del">
+          <ac:chgData name="Shirel Amozieg" userId="ac9ed54efc69b90a" providerId="LiveId" clId="{B0318225-101C-47EE-A6E5-F68351A46129}" dt="2025-05-10T22:28:28.273" v="30" actId="478"/>
+          <ac:picMkLst>
+            <pc:docMk/>
+            <pc:sldMk cId="3738090449" sldId="267"/>
+            <ac:picMk id="1031" creationId="{F32C30B8-ABBE-68DC-A805-71249CDB2587}"/>
+          </ac:picMkLst>
+        </pc:picChg>
+      </pc:sldChg>
+      <pc:sldChg chg="addSp delSp modSp add mod ord">
+        <pc:chgData name="Shirel Amozieg" userId="ac9ed54efc69b90a" providerId="LiveId" clId="{B0318225-101C-47EE-A6E5-F68351A46129}" dt="2025-05-10T22:51:07.295" v="284" actId="1076"/>
+        <pc:sldMkLst>
+          <pc:docMk/>
+          <pc:sldMk cId="2248227854" sldId="268"/>
+        </pc:sldMkLst>
+        <pc:spChg chg="mod">
+          <ac:chgData name="Shirel Amozieg" userId="ac9ed54efc69b90a" providerId="LiveId" clId="{B0318225-101C-47EE-A6E5-F68351A46129}" dt="2025-05-10T22:48:04.573" v="268" actId="1076"/>
+          <ac:spMkLst>
+            <pc:docMk/>
+            <pc:sldMk cId="2248227854" sldId="268"/>
+            <ac:spMk id="6" creationId="{FC71B1D0-CB67-F063-FE53-8E19C0FBD536}"/>
+          </ac:spMkLst>
+        </pc:spChg>
+        <pc:spChg chg="mod">
+          <ac:chgData name="Shirel Amozieg" userId="ac9ed54efc69b90a" providerId="LiveId" clId="{B0318225-101C-47EE-A6E5-F68351A46129}" dt="2025-05-10T22:51:07.295" v="284" actId="1076"/>
+          <ac:spMkLst>
+            <pc:docMk/>
+            <pc:sldMk cId="2248227854" sldId="268"/>
+            <ac:spMk id="9" creationId="{C5C63D6D-B1A4-E9BA-A581-2B940DADCAE1}"/>
+          </ac:spMkLst>
+        </pc:spChg>
+        <pc:spChg chg="add mod">
+          <ac:chgData name="Shirel Amozieg" userId="ac9ed54efc69b90a" providerId="LiveId" clId="{B0318225-101C-47EE-A6E5-F68351A46129}" dt="2025-05-10T22:33:48.379" v="85"/>
+          <ac:spMkLst>
+            <pc:docMk/>
+            <pc:sldMk cId="2248227854" sldId="268"/>
+            <ac:spMk id="10" creationId="{21DF054C-8AB8-EF74-11BF-3ACBDA164C12}"/>
+          </ac:spMkLst>
+        </pc:spChg>
+        <pc:spChg chg="del">
+          <ac:chgData name="Shirel Amozieg" userId="ac9ed54efc69b90a" providerId="LiveId" clId="{B0318225-101C-47EE-A6E5-F68351A46129}" dt="2025-05-10T22:33:47.382" v="84" actId="478"/>
+          <ac:spMkLst>
+            <pc:docMk/>
+            <pc:sldMk cId="2248227854" sldId="268"/>
+            <ac:spMk id="16" creationId="{6533C593-A68B-F59B-7A8B-8611F8D63723}"/>
+          </ac:spMkLst>
+        </pc:spChg>
       </pc:sldChg>
     </pc:docChg>
   </pc:docChgLst>
@@ -371,38 +553,6 @@
           <pc:docMk/>
           <pc:sldMk cId="3428399669" sldId="257"/>
         </pc:sldMkLst>
-        <pc:spChg chg="del mod">
-          <ac:chgData name="Shirel Amozieg" userId="ac9ed54efc69b90a" providerId="LiveId" clId="{2B4210BF-D794-41CF-9461-49640E163BE9}" dt="2025-05-08T12:35:23.803" v="10" actId="478"/>
-          <ac:spMkLst>
-            <pc:docMk/>
-            <pc:sldMk cId="3428399669" sldId="257"/>
-            <ac:spMk id="4" creationId="{FE1BD9BF-F682-92DE-17BD-D76172DC3862}"/>
-          </ac:spMkLst>
-        </pc:spChg>
-        <pc:spChg chg="del">
-          <ac:chgData name="Shirel Amozieg" userId="ac9ed54efc69b90a" providerId="LiveId" clId="{2B4210BF-D794-41CF-9461-49640E163BE9}" dt="2025-05-08T11:27:50.462" v="0" actId="478"/>
-          <ac:spMkLst>
-            <pc:docMk/>
-            <pc:sldMk cId="3428399669" sldId="257"/>
-            <ac:spMk id="5" creationId="{D0CCD3F8-69C5-CBFF-171C-D3BBCB145831}"/>
-          </ac:spMkLst>
-        </pc:spChg>
-        <pc:picChg chg="del">
-          <ac:chgData name="Shirel Amozieg" userId="ac9ed54efc69b90a" providerId="LiveId" clId="{2B4210BF-D794-41CF-9461-49640E163BE9}" dt="2025-05-08T11:27:59.827" v="2" actId="478"/>
-          <ac:picMkLst>
-            <pc:docMk/>
-            <pc:sldMk cId="3428399669" sldId="257"/>
-            <ac:picMk id="13" creationId="{207874D6-3789-2ABF-9DBE-655CA4276546}"/>
-          </ac:picMkLst>
-        </pc:picChg>
-        <pc:picChg chg="del">
-          <ac:chgData name="Shirel Amozieg" userId="ac9ed54efc69b90a" providerId="LiveId" clId="{2B4210BF-D794-41CF-9461-49640E163BE9}" dt="2025-05-08T11:27:57.078" v="1" actId="478"/>
-          <ac:picMkLst>
-            <pc:docMk/>
-            <pc:sldMk cId="3428399669" sldId="257"/>
-            <ac:picMk id="14" creationId="{4A011231-AE20-F2B7-A19E-A249A7EF9006}"/>
-          </ac:picMkLst>
-        </pc:picChg>
         <pc:picChg chg="add del mod">
           <ac:chgData name="Shirel Amozieg" userId="ac9ed54efc69b90a" providerId="LiveId" clId="{2B4210BF-D794-41CF-9461-49640E163BE9}" dt="2025-05-08T12:35:31.449" v="12" actId="14100"/>
           <ac:picMkLst>
@@ -434,52 +584,12 @@
             <ac:spMk id="5" creationId="{F4E3485F-3348-A875-9326-F2A0582FCCF8}"/>
           </ac:spMkLst>
         </pc:spChg>
-        <pc:spChg chg="del">
-          <ac:chgData name="Shirel Amozieg" userId="ac9ed54efc69b90a" providerId="LiveId" clId="{2B4210BF-D794-41CF-9461-49640E163BE9}" dt="2025-05-08T12:38:02.988" v="13" actId="478"/>
-          <ac:spMkLst>
-            <pc:docMk/>
-            <pc:sldMk cId="1241968479" sldId="259"/>
-            <ac:spMk id="6" creationId="{E1CB228F-D7B5-E521-0FAD-5D07446E0E15}"/>
-          </ac:spMkLst>
-        </pc:spChg>
-        <pc:spChg chg="del">
-          <ac:chgData name="Shirel Amozieg" userId="ac9ed54efc69b90a" providerId="LiveId" clId="{2B4210BF-D794-41CF-9461-49640E163BE9}" dt="2025-05-08T12:38:02.988" v="13" actId="478"/>
-          <ac:spMkLst>
-            <pc:docMk/>
-            <pc:sldMk cId="1241968479" sldId="259"/>
-            <ac:spMk id="7" creationId="{EFF30A15-2159-94CA-79E9-82E245E88451}"/>
-          </ac:spMkLst>
-        </pc:spChg>
-        <pc:spChg chg="del">
-          <ac:chgData name="Shirel Amozieg" userId="ac9ed54efc69b90a" providerId="LiveId" clId="{2B4210BF-D794-41CF-9461-49640E163BE9}" dt="2025-05-08T12:38:02.988" v="13" actId="478"/>
-          <ac:spMkLst>
-            <pc:docMk/>
-            <pc:sldMk cId="1241968479" sldId="259"/>
-            <ac:spMk id="8" creationId="{BD84A885-5626-C6B4-67BB-F6E9D38B40AF}"/>
-          </ac:spMkLst>
-        </pc:spChg>
-        <pc:spChg chg="del">
-          <ac:chgData name="Shirel Amozieg" userId="ac9ed54efc69b90a" providerId="LiveId" clId="{2B4210BF-D794-41CF-9461-49640E163BE9}" dt="2025-05-08T12:38:02.988" v="13" actId="478"/>
-          <ac:spMkLst>
-            <pc:docMk/>
-            <pc:sldMk cId="1241968479" sldId="259"/>
-            <ac:spMk id="9" creationId="{0409C00F-8745-3D22-E32C-EE62E9083F02}"/>
-          </ac:spMkLst>
-        </pc:spChg>
         <pc:spChg chg="mod">
           <ac:chgData name="Shirel Amozieg" userId="ac9ed54efc69b90a" providerId="LiveId" clId="{2B4210BF-D794-41CF-9461-49640E163BE9}" dt="2025-05-08T13:47:12.792" v="1087" actId="14100"/>
           <ac:spMkLst>
             <pc:docMk/>
             <pc:sldMk cId="1241968479" sldId="259"/>
             <ac:spMk id="10" creationId="{F25E44FB-3AB5-9234-1BF7-F38BFDEF57B8}"/>
-          </ac:spMkLst>
-        </pc:spChg>
-        <pc:spChg chg="del">
-          <ac:chgData name="Shirel Amozieg" userId="ac9ed54efc69b90a" providerId="LiveId" clId="{2B4210BF-D794-41CF-9461-49640E163BE9}" dt="2025-05-08T12:38:02.988" v="13" actId="478"/>
-          <ac:spMkLst>
-            <pc:docMk/>
-            <pc:sldMk cId="1241968479" sldId="259"/>
-            <ac:spMk id="11" creationId="{689F0E24-1B6B-0F1D-093B-BC1942565CBE}"/>
           </ac:spMkLst>
         </pc:spChg>
         <pc:spChg chg="mod">
@@ -490,28 +600,12 @@
             <ac:spMk id="12" creationId="{D017D200-0BC7-CF57-BD4E-4BFDF20BAC85}"/>
           </ac:spMkLst>
         </pc:spChg>
-        <pc:spChg chg="del">
-          <ac:chgData name="Shirel Amozieg" userId="ac9ed54efc69b90a" providerId="LiveId" clId="{2B4210BF-D794-41CF-9461-49640E163BE9}" dt="2025-05-08T12:38:02.988" v="13" actId="478"/>
-          <ac:spMkLst>
-            <pc:docMk/>
-            <pc:sldMk cId="1241968479" sldId="259"/>
-            <ac:spMk id="15" creationId="{1190ED99-3FB3-E746-7145-B119BDC44D66}"/>
-          </ac:spMkLst>
-        </pc:spChg>
         <pc:spChg chg="add mod">
           <ac:chgData name="Shirel Amozieg" userId="ac9ed54efc69b90a" providerId="LiveId" clId="{2B4210BF-D794-41CF-9461-49640E163BE9}" dt="2025-05-08T15:31:57.743" v="1974" actId="207"/>
           <ac:spMkLst>
             <pc:docMk/>
             <pc:sldMk cId="1241968479" sldId="259"/>
             <ac:spMk id="16" creationId="{11F2C891-9A18-3AB9-3755-3633861E59A6}"/>
-          </ac:spMkLst>
-        </pc:spChg>
-        <pc:spChg chg="add del mod">
-          <ac:chgData name="Shirel Amozieg" userId="ac9ed54efc69b90a" providerId="LiveId" clId="{2B4210BF-D794-41CF-9461-49640E163BE9}" dt="2025-05-08T12:59:17.863" v="168" actId="478"/>
-          <ac:spMkLst>
-            <pc:docMk/>
-            <pc:sldMk cId="1241968479" sldId="259"/>
-            <ac:spMk id="19" creationId="{45CD4B8A-B07D-02B9-6569-B453C2CEECEE}"/>
           </ac:spMkLst>
         </pc:spChg>
         <pc:spChg chg="add mod">
@@ -522,14 +616,6 @@
             <ac:spMk id="20" creationId="{6871F015-B3ED-3EF5-3481-981AEC2209C5}"/>
           </ac:spMkLst>
         </pc:spChg>
-        <pc:picChg chg="add del mod">
-          <ac:chgData name="Shirel Amozieg" userId="ac9ed54efc69b90a" providerId="LiveId" clId="{2B4210BF-D794-41CF-9461-49640E163BE9}" dt="2025-05-08T12:42:49.385" v="54" actId="478"/>
-          <ac:picMkLst>
-            <pc:docMk/>
-            <pc:sldMk cId="1241968479" sldId="259"/>
-            <ac:picMk id="3" creationId="{01EB7E51-FC97-17D3-D708-D056DE02D703}"/>
-          </ac:picMkLst>
-        </pc:picChg>
         <pc:picChg chg="mod">
           <ac:chgData name="Shirel Amozieg" userId="ac9ed54efc69b90a" providerId="LiveId" clId="{2B4210BF-D794-41CF-9461-49640E163BE9}" dt="2025-05-08T12:58:57.924" v="154" actId="1076"/>
           <ac:picMkLst>
@@ -546,14 +632,6 @@
             <ac:picMk id="14" creationId="{631168AB-5194-535F-3A98-1B53AFCF8ED6}"/>
           </ac:picMkLst>
         </pc:picChg>
-        <pc:picChg chg="add del mod">
-          <ac:chgData name="Shirel Amozieg" userId="ac9ed54efc69b90a" providerId="LiveId" clId="{2B4210BF-D794-41CF-9461-49640E163BE9}" dt="2025-05-08T12:56:33.476" v="122" actId="478"/>
-          <ac:picMkLst>
-            <pc:docMk/>
-            <pc:sldMk cId="1241968479" sldId="259"/>
-            <ac:picMk id="18" creationId="{4FC9EA41-2B46-8C70-0FC2-94CCEA0EB931}"/>
-          </ac:picMkLst>
-        </pc:picChg>
       </pc:sldChg>
       <pc:sldChg chg="addSp delSp modSp mod">
         <pc:chgData name="Shirel Amozieg" userId="ac9ed54efc69b90a" providerId="LiveId" clId="{2B4210BF-D794-41CF-9461-49640E163BE9}" dt="2025-05-08T15:32:27.748" v="1978" actId="207"/>
@@ -561,60 +639,12 @@
           <pc:docMk/>
           <pc:sldMk cId="3327737939" sldId="260"/>
         </pc:sldMkLst>
-        <pc:spChg chg="add del">
-          <ac:chgData name="Shirel Amozieg" userId="ac9ed54efc69b90a" providerId="LiveId" clId="{2B4210BF-D794-41CF-9461-49640E163BE9}" dt="2025-05-08T14:12:24.882" v="1257" actId="478"/>
-          <ac:spMkLst>
-            <pc:docMk/>
-            <pc:sldMk cId="3327737939" sldId="260"/>
-            <ac:spMk id="6" creationId="{B2A006E7-211E-FDCC-50F9-157CE9A9EEEE}"/>
-          </ac:spMkLst>
-        </pc:spChg>
-        <pc:spChg chg="del">
-          <ac:chgData name="Shirel Amozieg" userId="ac9ed54efc69b90a" providerId="LiveId" clId="{2B4210BF-D794-41CF-9461-49640E163BE9}" dt="2025-05-08T14:12:15.291" v="1254" actId="478"/>
-          <ac:spMkLst>
-            <pc:docMk/>
-            <pc:sldMk cId="3327737939" sldId="260"/>
-            <ac:spMk id="7" creationId="{5743A061-C7A0-B3D5-7690-AEC27319AA88}"/>
-          </ac:spMkLst>
-        </pc:spChg>
         <pc:spChg chg="mod">
           <ac:chgData name="Shirel Amozieg" userId="ac9ed54efc69b90a" providerId="LiveId" clId="{2B4210BF-D794-41CF-9461-49640E163BE9}" dt="2025-05-08T14:21:26.812" v="1309" actId="1076"/>
           <ac:spMkLst>
             <pc:docMk/>
             <pc:sldMk cId="3327737939" sldId="260"/>
             <ac:spMk id="8" creationId="{68784B98-0C0E-6776-4FE6-346D2A6336CD}"/>
-          </ac:spMkLst>
-        </pc:spChg>
-        <pc:spChg chg="del">
-          <ac:chgData name="Shirel Amozieg" userId="ac9ed54efc69b90a" providerId="LiveId" clId="{2B4210BF-D794-41CF-9461-49640E163BE9}" dt="2025-05-08T14:12:15.291" v="1254" actId="478"/>
-          <ac:spMkLst>
-            <pc:docMk/>
-            <pc:sldMk cId="3327737939" sldId="260"/>
-            <ac:spMk id="9" creationId="{6AC3922B-E3AA-1C8B-C341-DC67D80BDB1A}"/>
-          </ac:spMkLst>
-        </pc:spChg>
-        <pc:spChg chg="del">
-          <ac:chgData name="Shirel Amozieg" userId="ac9ed54efc69b90a" providerId="LiveId" clId="{2B4210BF-D794-41CF-9461-49640E163BE9}" dt="2025-05-08T14:12:15.291" v="1254" actId="478"/>
-          <ac:spMkLst>
-            <pc:docMk/>
-            <pc:sldMk cId="3327737939" sldId="260"/>
-            <ac:spMk id="10" creationId="{B7AFCFFE-5399-EAF1-C465-1E864F513ACC}"/>
-          </ac:spMkLst>
-        </pc:spChg>
-        <pc:spChg chg="del">
-          <ac:chgData name="Shirel Amozieg" userId="ac9ed54efc69b90a" providerId="LiveId" clId="{2B4210BF-D794-41CF-9461-49640E163BE9}" dt="2025-05-08T14:12:15.291" v="1254" actId="478"/>
-          <ac:spMkLst>
-            <pc:docMk/>
-            <pc:sldMk cId="3327737939" sldId="260"/>
-            <ac:spMk id="11" creationId="{8B086E1E-67BE-6FCA-A914-5B1C8D0BDED4}"/>
-          </ac:spMkLst>
-        </pc:spChg>
-        <pc:spChg chg="del">
-          <ac:chgData name="Shirel Amozieg" userId="ac9ed54efc69b90a" providerId="LiveId" clId="{2B4210BF-D794-41CF-9461-49640E163BE9}" dt="2025-05-08T14:12:15.291" v="1254" actId="478"/>
-          <ac:spMkLst>
-            <pc:docMk/>
-            <pc:sldMk cId="3327737939" sldId="260"/>
-            <ac:spMk id="12" creationId="{8F48B6D6-E065-CEAC-19CA-DE64E1871643}"/>
           </ac:spMkLst>
         </pc:spChg>
         <pc:spChg chg="add del mod">
@@ -649,30 +679,6 @@
             <ac:spMk id="22" creationId="{61BEAD36-4630-EF87-54AB-CDF85518FAFF}"/>
           </ac:spMkLst>
         </pc:spChg>
-        <pc:picChg chg="add del">
-          <ac:chgData name="Shirel Amozieg" userId="ac9ed54efc69b90a" providerId="LiveId" clId="{2B4210BF-D794-41CF-9461-49640E163BE9}" dt="2025-05-08T14:12:36.449" v="1259" actId="22"/>
-          <ac:picMkLst>
-            <pc:docMk/>
-            <pc:sldMk cId="3327737939" sldId="260"/>
-            <ac:picMk id="3" creationId="{32645FD6-CA4F-07DA-13CF-42EFC4BEAAAB}"/>
-          </ac:picMkLst>
-        </pc:picChg>
-        <pc:picChg chg="add del mod">
-          <ac:chgData name="Shirel Amozieg" userId="ac9ed54efc69b90a" providerId="LiveId" clId="{2B4210BF-D794-41CF-9461-49640E163BE9}" dt="2025-05-08T14:15:39.722" v="1281" actId="478"/>
-          <ac:picMkLst>
-            <pc:docMk/>
-            <pc:sldMk cId="3327737939" sldId="260"/>
-            <ac:picMk id="18" creationId="{9193DBD6-2990-B488-83DC-7605CBBC5B42}"/>
-          </ac:picMkLst>
-        </pc:picChg>
-        <pc:picChg chg="add del mod">
-          <ac:chgData name="Shirel Amozieg" userId="ac9ed54efc69b90a" providerId="LiveId" clId="{2B4210BF-D794-41CF-9461-49640E163BE9}" dt="2025-05-08T14:20:43.745" v="1302" actId="478"/>
-          <ac:picMkLst>
-            <pc:docMk/>
-            <pc:sldMk cId="3327737939" sldId="260"/>
-            <ac:picMk id="20" creationId="{0B624416-2B62-7532-1EAA-E6481EC936F7}"/>
-          </ac:picMkLst>
-        </pc:picChg>
         <pc:picChg chg="add mod">
           <ac:chgData name="Shirel Amozieg" userId="ac9ed54efc69b90a" providerId="LiveId" clId="{2B4210BF-D794-41CF-9461-49640E163BE9}" dt="2025-05-08T14:40:55.224" v="1514" actId="1076"/>
           <ac:picMkLst>
@@ -688,110 +694,6 @@
           <pc:docMk/>
           <pc:sldMk cId="2191637639" sldId="261"/>
         </pc:sldMkLst>
-        <pc:spChg chg="del">
-          <ac:chgData name="Shirel Amozieg" userId="ac9ed54efc69b90a" providerId="LiveId" clId="{2B4210BF-D794-41CF-9461-49640E163BE9}" dt="2025-05-08T15:30:30.067" v="1966" actId="478"/>
-          <ac:spMkLst>
-            <pc:docMk/>
-            <pc:sldMk cId="2191637639" sldId="261"/>
-            <ac:spMk id="4" creationId="{EF78D1FD-7BB7-5DB9-F745-B76F76FCB044}"/>
-          </ac:spMkLst>
-        </pc:spChg>
-        <pc:spChg chg="del mod">
-          <ac:chgData name="Shirel Amozieg" userId="ac9ed54efc69b90a" providerId="LiveId" clId="{2B4210BF-D794-41CF-9461-49640E163BE9}" dt="2025-05-08T15:31:04.514" v="1971" actId="478"/>
-          <ac:spMkLst>
-            <pc:docMk/>
-            <pc:sldMk cId="2191637639" sldId="261"/>
-            <ac:spMk id="5" creationId="{469E7FFB-9BAF-4ACF-9926-025B60F70FE3}"/>
-          </ac:spMkLst>
-        </pc:spChg>
-        <pc:spChg chg="del">
-          <ac:chgData name="Shirel Amozieg" userId="ac9ed54efc69b90a" providerId="LiveId" clId="{2B4210BF-D794-41CF-9461-49640E163BE9}" dt="2025-05-08T15:27:50.369" v="1961" actId="478"/>
-          <ac:spMkLst>
-            <pc:docMk/>
-            <pc:sldMk cId="2191637639" sldId="261"/>
-            <ac:spMk id="6" creationId="{269E1FFA-9006-3F26-4E9B-910A48A5F005}"/>
-          </ac:spMkLst>
-        </pc:spChg>
-        <pc:spChg chg="del">
-          <ac:chgData name="Shirel Amozieg" userId="ac9ed54efc69b90a" providerId="LiveId" clId="{2B4210BF-D794-41CF-9461-49640E163BE9}" dt="2025-05-08T15:27:50.369" v="1961" actId="478"/>
-          <ac:spMkLst>
-            <pc:docMk/>
-            <pc:sldMk cId="2191637639" sldId="261"/>
-            <ac:spMk id="7" creationId="{5011A356-2844-381A-AF9E-42EAA05332C2}"/>
-          </ac:spMkLst>
-        </pc:spChg>
-        <pc:spChg chg="del">
-          <ac:chgData name="Shirel Amozieg" userId="ac9ed54efc69b90a" providerId="LiveId" clId="{2B4210BF-D794-41CF-9461-49640E163BE9}" dt="2025-05-08T15:27:50.369" v="1961" actId="478"/>
-          <ac:spMkLst>
-            <pc:docMk/>
-            <pc:sldMk cId="2191637639" sldId="261"/>
-            <ac:spMk id="8" creationId="{B98C33F2-89A8-7DDC-3294-10B28C0FBA96}"/>
-          </ac:spMkLst>
-        </pc:spChg>
-        <pc:spChg chg="del">
-          <ac:chgData name="Shirel Amozieg" userId="ac9ed54efc69b90a" providerId="LiveId" clId="{2B4210BF-D794-41CF-9461-49640E163BE9}" dt="2025-05-08T15:27:50.369" v="1961" actId="478"/>
-          <ac:spMkLst>
-            <pc:docMk/>
-            <pc:sldMk cId="2191637639" sldId="261"/>
-            <ac:spMk id="9" creationId="{4FC46878-214F-17FA-954B-AA2BBED6B27B}"/>
-          </ac:spMkLst>
-        </pc:spChg>
-        <pc:spChg chg="del mod">
-          <ac:chgData name="Shirel Amozieg" userId="ac9ed54efc69b90a" providerId="LiveId" clId="{2B4210BF-D794-41CF-9461-49640E163BE9}" dt="2025-05-08T15:30:24.730" v="1965" actId="478"/>
-          <ac:spMkLst>
-            <pc:docMk/>
-            <pc:sldMk cId="2191637639" sldId="261"/>
-            <ac:spMk id="10" creationId="{879967DA-9B04-A02B-A510-9AAD834CE51B}"/>
-          </ac:spMkLst>
-        </pc:spChg>
-        <pc:spChg chg="del">
-          <ac:chgData name="Shirel Amozieg" userId="ac9ed54efc69b90a" providerId="LiveId" clId="{2B4210BF-D794-41CF-9461-49640E163BE9}" dt="2025-05-08T15:27:50.369" v="1961" actId="478"/>
-          <ac:spMkLst>
-            <pc:docMk/>
-            <pc:sldMk cId="2191637639" sldId="261"/>
-            <ac:spMk id="11" creationId="{E6AFD96F-4260-1328-2145-BA5843E98D67}"/>
-          </ac:spMkLst>
-        </pc:spChg>
-        <pc:spChg chg="del">
-          <ac:chgData name="Shirel Amozieg" userId="ac9ed54efc69b90a" providerId="LiveId" clId="{2B4210BF-D794-41CF-9461-49640E163BE9}" dt="2025-05-08T15:27:50.369" v="1961" actId="478"/>
-          <ac:spMkLst>
-            <pc:docMk/>
-            <pc:sldMk cId="2191637639" sldId="261"/>
-            <ac:spMk id="12" creationId="{771CD212-BD7F-8B0D-27DB-CA7CC62B0561}"/>
-          </ac:spMkLst>
-        </pc:spChg>
-        <pc:spChg chg="del">
-          <ac:chgData name="Shirel Amozieg" userId="ac9ed54efc69b90a" providerId="LiveId" clId="{2B4210BF-D794-41CF-9461-49640E163BE9}" dt="2025-05-08T15:27:50.369" v="1961" actId="478"/>
-          <ac:spMkLst>
-            <pc:docMk/>
-            <pc:sldMk cId="2191637639" sldId="261"/>
-            <ac:spMk id="15" creationId="{4A17932D-7F28-E283-A326-F93CC4EF0561}"/>
-          </ac:spMkLst>
-        </pc:spChg>
-        <pc:picChg chg="del mod">
-          <ac:chgData name="Shirel Amozieg" userId="ac9ed54efc69b90a" providerId="LiveId" clId="{2B4210BF-D794-41CF-9461-49640E163BE9}" dt="2025-05-08T15:31:04.514" v="1971" actId="478"/>
-          <ac:picMkLst>
-            <pc:docMk/>
-            <pc:sldMk cId="2191637639" sldId="261"/>
-            <ac:picMk id="13" creationId="{385A8E78-85F5-32FA-35E7-7E7DE7D69723}"/>
-          </ac:picMkLst>
-        </pc:picChg>
-        <pc:picChg chg="del mod">
-          <ac:chgData name="Shirel Amozieg" userId="ac9ed54efc69b90a" providerId="LiveId" clId="{2B4210BF-D794-41CF-9461-49640E163BE9}" dt="2025-05-08T15:31:04.514" v="1971" actId="478"/>
-          <ac:picMkLst>
-            <pc:docMk/>
-            <pc:sldMk cId="2191637639" sldId="261"/>
-            <ac:picMk id="14" creationId="{394DF29C-7BF6-F0F3-D17E-D307C297D180}"/>
-          </ac:picMkLst>
-        </pc:picChg>
-        <pc:picChg chg="add mod">
-          <ac:chgData name="Shirel Amozieg" userId="ac9ed54efc69b90a" providerId="LiveId" clId="{2B4210BF-D794-41CF-9461-49640E163BE9}" dt="2025-05-08T15:30:22.380" v="1964" actId="1076"/>
-          <ac:picMkLst>
-            <pc:docMk/>
-            <pc:sldMk cId="2191637639" sldId="261"/>
-            <ac:picMk id="6146" creationId="{22E9F28B-92E4-7E79-3BDF-88F0C63FD0F0}"/>
-          </ac:picMkLst>
-        </pc:picChg>
         <pc:picChg chg="add mod">
           <ac:chgData name="Shirel Amozieg" userId="ac9ed54efc69b90a" providerId="LiveId" clId="{2B4210BF-D794-41CF-9461-49640E163BE9}" dt="2025-05-08T15:31:10.721" v="1973" actId="14100"/>
           <ac:picMkLst>
@@ -839,36 +741,12 @@
             <ac:spMk id="7" creationId="{AC465699-A36D-97A9-F684-C0D3AE07261B}"/>
           </ac:spMkLst>
         </pc:spChg>
-        <pc:spChg chg="del">
-          <ac:chgData name="Shirel Amozieg" userId="ac9ed54efc69b90a" providerId="LiveId" clId="{2B4210BF-D794-41CF-9461-49640E163BE9}" dt="2025-05-08T13:13:20.929" v="436" actId="478"/>
-          <ac:spMkLst>
-            <pc:docMk/>
-            <pc:sldMk cId="3921954760" sldId="262"/>
-            <ac:spMk id="10" creationId="{E14ECA75-9E7F-CD9F-DDF8-717BEA68F009}"/>
-          </ac:spMkLst>
-        </pc:spChg>
-        <pc:spChg chg="add del mod">
-          <ac:chgData name="Shirel Amozieg" userId="ac9ed54efc69b90a" providerId="LiveId" clId="{2B4210BF-D794-41CF-9461-49640E163BE9}" dt="2025-05-08T13:53:29.677" v="1139" actId="478"/>
-          <ac:spMkLst>
-            <pc:docMk/>
-            <pc:sldMk cId="3921954760" sldId="262"/>
-            <ac:spMk id="11" creationId="{20E779EC-FDFC-8163-AF5C-458453BE941C}"/>
-          </ac:spMkLst>
-        </pc:spChg>
         <pc:spChg chg="mod">
           <ac:chgData name="Shirel Amozieg" userId="ac9ed54efc69b90a" providerId="LiveId" clId="{2B4210BF-D794-41CF-9461-49640E163BE9}" dt="2025-05-08T15:00:22.935" v="1607" actId="14100"/>
           <ac:spMkLst>
             <pc:docMk/>
             <pc:sldMk cId="3921954760" sldId="262"/>
             <ac:spMk id="12" creationId="{23407925-3D8A-783F-4A83-A49AB50EB269}"/>
-          </ac:spMkLst>
-        </pc:spChg>
-        <pc:spChg chg="add mod">
-          <ac:chgData name="Shirel Amozieg" userId="ac9ed54efc69b90a" providerId="LiveId" clId="{2B4210BF-D794-41CF-9461-49640E163BE9}" dt="2025-05-08T14:58:42.457" v="1588" actId="14100"/>
-          <ac:spMkLst>
-            <pc:docMk/>
-            <pc:sldMk cId="3921954760" sldId="262"/>
-            <ac:spMk id="15" creationId="{91658B69-39DF-8C49-F660-0B0C5CEDB75B}"/>
           </ac:spMkLst>
         </pc:spChg>
         <pc:spChg chg="mod">
@@ -879,44 +757,12 @@
             <ac:spMk id="16" creationId="{1B6E5E6C-EAEC-F90B-7BF9-75C2D0ACDC77}"/>
           </ac:spMkLst>
         </pc:spChg>
-        <pc:spChg chg="add mod">
-          <ac:chgData name="Shirel Amozieg" userId="ac9ed54efc69b90a" providerId="LiveId" clId="{2B4210BF-D794-41CF-9461-49640E163BE9}" dt="2025-05-08T14:58:56.217" v="1591" actId="1076"/>
-          <ac:spMkLst>
-            <pc:docMk/>
-            <pc:sldMk cId="3921954760" sldId="262"/>
-            <ac:spMk id="17" creationId="{4E3C7CB7-D6E6-72F2-C749-30849928E992}"/>
-          </ac:spMkLst>
-        </pc:spChg>
-        <pc:spChg chg="add del mod">
-          <ac:chgData name="Shirel Amozieg" userId="ac9ed54efc69b90a" providerId="LiveId" clId="{2B4210BF-D794-41CF-9461-49640E163BE9}" dt="2025-05-08T14:59:24.054" v="1599" actId="1076"/>
-          <ac:spMkLst>
-            <pc:docMk/>
-            <pc:sldMk cId="3921954760" sldId="262"/>
-            <ac:spMk id="18" creationId="{89999876-E6BC-3931-FB3B-C51BDB76CA42}"/>
-          </ac:spMkLst>
-        </pc:spChg>
-        <pc:spChg chg="add">
-          <ac:chgData name="Shirel Amozieg" userId="ac9ed54efc69b90a" providerId="LiveId" clId="{2B4210BF-D794-41CF-9461-49640E163BE9}" dt="2025-05-08T14:59:08.128" v="1593"/>
-          <ac:spMkLst>
-            <pc:docMk/>
-            <pc:sldMk cId="3921954760" sldId="262"/>
-            <ac:spMk id="19" creationId="{EA2125DF-0D35-D65B-9875-23503A48FB02}"/>
-          </ac:spMkLst>
-        </pc:spChg>
         <pc:spChg chg="add del mod">
           <ac:chgData name="Shirel Amozieg" userId="ac9ed54efc69b90a" providerId="LiveId" clId="{2B4210BF-D794-41CF-9461-49640E163BE9}" dt="2025-05-08T14:58:42.457" v="1588" actId="14100"/>
           <ac:spMkLst>
             <pc:docMk/>
             <pc:sldMk cId="3921954760" sldId="262"/>
             <ac:spMk id="20" creationId="{F7DDAFEA-F9EC-B5D1-85A3-C74714C4E0AF}"/>
-          </ac:spMkLst>
-        </pc:spChg>
-        <pc:spChg chg="add mod">
-          <ac:chgData name="Shirel Amozieg" userId="ac9ed54efc69b90a" providerId="LiveId" clId="{2B4210BF-D794-41CF-9461-49640E163BE9}" dt="2025-05-08T14:59:38.186" v="1604" actId="1076"/>
-          <ac:spMkLst>
-            <pc:docMk/>
-            <pc:sldMk cId="3921954760" sldId="262"/>
-            <ac:spMk id="21" creationId="{9128B2CA-CBC2-525E-DDA8-B9DF983816C9}"/>
           </ac:spMkLst>
         </pc:spChg>
         <pc:picChg chg="add mod">
@@ -927,76 +773,12 @@
             <ac:picMk id="6" creationId="{B938569B-5475-FB0D-0578-3C8EAEE80D2D}"/>
           </ac:picMkLst>
         </pc:picChg>
-        <pc:picChg chg="add del mod">
-          <ac:chgData name="Shirel Amozieg" userId="ac9ed54efc69b90a" providerId="LiveId" clId="{2B4210BF-D794-41CF-9461-49640E163BE9}" dt="2025-05-08T13:53:39.351" v="1144" actId="478"/>
-          <ac:picMkLst>
-            <pc:docMk/>
-            <pc:sldMk cId="3921954760" sldId="262"/>
-            <ac:picMk id="9" creationId="{81033D18-5981-16BF-DE09-6CF7A76E0C0B}"/>
-          </ac:picMkLst>
-        </pc:picChg>
-        <pc:picChg chg="add mod">
-          <ac:chgData name="Shirel Amozieg" userId="ac9ed54efc69b90a" providerId="LiveId" clId="{2B4210BF-D794-41CF-9461-49640E163BE9}" dt="2025-05-08T13:52:44.324" v="1124" actId="1076"/>
-          <ac:picMkLst>
-            <pc:docMk/>
-            <pc:sldMk cId="3921954760" sldId="262"/>
-            <ac:picMk id="3074" creationId="{A2F53378-7E6A-BA51-1D18-3AE310711917}"/>
-          </ac:picMkLst>
-        </pc:picChg>
-        <pc:picChg chg="add mod">
-          <ac:chgData name="Shirel Amozieg" userId="ac9ed54efc69b90a" providerId="LiveId" clId="{2B4210BF-D794-41CF-9461-49640E163BE9}" dt="2025-05-08T13:52:50.250" v="1127" actId="1076"/>
-          <ac:picMkLst>
-            <pc:docMk/>
-            <pc:sldMk cId="3921954760" sldId="262"/>
-            <ac:picMk id="3076" creationId="{E715D380-8C4E-0E18-6D32-C311BC593C4A}"/>
-          </ac:picMkLst>
-        </pc:picChg>
-        <pc:picChg chg="add mod">
-          <ac:chgData name="Shirel Amozieg" userId="ac9ed54efc69b90a" providerId="LiveId" clId="{2B4210BF-D794-41CF-9461-49640E163BE9}" dt="2025-05-08T13:52:59.089" v="1130" actId="1076"/>
-          <ac:picMkLst>
-            <pc:docMk/>
-            <pc:sldMk cId="3921954760" sldId="262"/>
-            <ac:picMk id="3078" creationId="{EF7F2251-180E-9A49-C59A-519D51CD2566}"/>
-          </ac:picMkLst>
-        </pc:picChg>
-        <pc:picChg chg="add">
-          <ac:chgData name="Shirel Amozieg" userId="ac9ed54efc69b90a" providerId="LiveId" clId="{2B4210BF-D794-41CF-9461-49640E163BE9}" dt="2025-05-08T13:53:03.769" v="1131"/>
-          <ac:picMkLst>
-            <pc:docMk/>
-            <pc:sldMk cId="3921954760" sldId="262"/>
-            <ac:picMk id="3080" creationId="{DF6F97D3-08FB-022F-41F9-672685F32FB9}"/>
-          </ac:picMkLst>
-        </pc:picChg>
-        <pc:picChg chg="add mod">
-          <ac:chgData name="Shirel Amozieg" userId="ac9ed54efc69b90a" providerId="LiveId" clId="{2B4210BF-D794-41CF-9461-49640E163BE9}" dt="2025-05-08T13:53:12.860" v="1134" actId="1076"/>
-          <ac:picMkLst>
-            <pc:docMk/>
-            <pc:sldMk cId="3921954760" sldId="262"/>
-            <ac:picMk id="3082" creationId="{28FE1127-4669-86FF-2188-0BF2E74B65C1}"/>
-          </ac:picMkLst>
-        </pc:picChg>
-        <pc:picChg chg="add del mod">
-          <ac:chgData name="Shirel Amozieg" userId="ac9ed54efc69b90a" providerId="LiveId" clId="{2B4210BF-D794-41CF-9461-49640E163BE9}" dt="2025-05-08T15:00:56.655" v="1615" actId="478"/>
-          <ac:picMkLst>
-            <pc:docMk/>
-            <pc:sldMk cId="3921954760" sldId="262"/>
-            <ac:picMk id="3084" creationId="{A6760282-6981-850F-72E4-9506A1923360}"/>
-          </ac:picMkLst>
-        </pc:picChg>
         <pc:picChg chg="add mod">
           <ac:chgData name="Shirel Amozieg" userId="ac9ed54efc69b90a" providerId="LiveId" clId="{2B4210BF-D794-41CF-9461-49640E163BE9}" dt="2025-05-08T15:01:53.895" v="1624" actId="1076"/>
           <ac:picMkLst>
             <pc:docMk/>
             <pc:sldMk cId="3921954760" sldId="262"/>
             <ac:picMk id="3086" creationId="{26152518-8C57-5B2D-4825-CAC0906B513A}"/>
-          </ac:picMkLst>
-        </pc:picChg>
-        <pc:picChg chg="add mod">
-          <ac:chgData name="Shirel Amozieg" userId="ac9ed54efc69b90a" providerId="LiveId" clId="{2B4210BF-D794-41CF-9461-49640E163BE9}" dt="2025-05-08T15:00:22.935" v="1607" actId="14100"/>
-          <ac:picMkLst>
-            <pc:docMk/>
-            <pc:sldMk cId="3921954760" sldId="262"/>
-            <ac:picMk id="3096" creationId="{D460DAD0-6AA3-7A88-AA41-34B96C40D0D0}"/>
           </ac:picMkLst>
         </pc:picChg>
         <pc:picChg chg="add del mod">
@@ -1014,62 +796,6 @@
           <pc:docMk/>
           <pc:sldMk cId="3794895201" sldId="263"/>
         </pc:sldMkLst>
-        <pc:spChg chg="del">
-          <ac:chgData name="Shirel Amozieg" userId="ac9ed54efc69b90a" providerId="LiveId" clId="{2B4210BF-D794-41CF-9461-49640E163BE9}" dt="2025-05-08T13:39:50.379" v="902" actId="478"/>
-          <ac:spMkLst>
-            <pc:docMk/>
-            <pc:sldMk cId="3794895201" sldId="263"/>
-            <ac:spMk id="2" creationId="{F7C4A2C0-E849-75FD-0030-68664EAF68BF}"/>
-          </ac:spMkLst>
-        </pc:spChg>
-        <pc:spChg chg="add">
-          <ac:chgData name="Shirel Amozieg" userId="ac9ed54efc69b90a" providerId="LiveId" clId="{2B4210BF-D794-41CF-9461-49640E163BE9}" dt="2025-05-08T13:33:53.071" v="845"/>
-          <ac:spMkLst>
-            <pc:docMk/>
-            <pc:sldMk cId="3794895201" sldId="263"/>
-            <ac:spMk id="3" creationId="{F663D2EB-CEE7-F170-BDD8-136B277BAA02}"/>
-          </ac:spMkLst>
-        </pc:spChg>
-        <pc:spChg chg="del mod">
-          <ac:chgData name="Shirel Amozieg" userId="ac9ed54efc69b90a" providerId="LiveId" clId="{2B4210BF-D794-41CF-9461-49640E163BE9}" dt="2025-05-08T13:38:16.094" v="898" actId="478"/>
-          <ac:spMkLst>
-            <pc:docMk/>
-            <pc:sldMk cId="3794895201" sldId="263"/>
-            <ac:spMk id="7" creationId="{C8A41837-7098-974D-1037-866C481FBA40}"/>
-          </ac:spMkLst>
-        </pc:spChg>
-        <pc:spChg chg="add">
-          <ac:chgData name="Shirel Amozieg" userId="ac9ed54efc69b90a" providerId="LiveId" clId="{2B4210BF-D794-41CF-9461-49640E163BE9}" dt="2025-05-08T13:34:01.984" v="846"/>
-          <ac:spMkLst>
-            <pc:docMk/>
-            <pc:sldMk cId="3794895201" sldId="263"/>
-            <ac:spMk id="8" creationId="{76C15FFD-AB2A-FB18-6487-22E4BC467DE6}"/>
-          </ac:spMkLst>
-        </pc:spChg>
-        <pc:spChg chg="add mod">
-          <ac:chgData name="Shirel Amozieg" userId="ac9ed54efc69b90a" providerId="LiveId" clId="{2B4210BF-D794-41CF-9461-49640E163BE9}" dt="2025-05-08T13:34:09.284" v="849"/>
-          <ac:spMkLst>
-            <pc:docMk/>
-            <pc:sldMk cId="3794895201" sldId="263"/>
-            <ac:spMk id="9" creationId="{06B410EC-9830-3150-F7D8-27C8F3BDAF3E}"/>
-          </ac:spMkLst>
-        </pc:spChg>
-        <pc:spChg chg="add">
-          <ac:chgData name="Shirel Amozieg" userId="ac9ed54efc69b90a" providerId="LiveId" clId="{2B4210BF-D794-41CF-9461-49640E163BE9}" dt="2025-05-08T13:34:14.784" v="852"/>
-          <ac:spMkLst>
-            <pc:docMk/>
-            <pc:sldMk cId="3794895201" sldId="263"/>
-            <ac:spMk id="10" creationId="{ECCB8DC7-7728-76D2-F8D2-22CCD2C89158}"/>
-          </ac:spMkLst>
-        </pc:spChg>
-        <pc:spChg chg="add">
-          <ac:chgData name="Shirel Amozieg" userId="ac9ed54efc69b90a" providerId="LiveId" clId="{2B4210BF-D794-41CF-9461-49640E163BE9}" dt="2025-05-08T13:34:25.144" v="853"/>
-          <ac:spMkLst>
-            <pc:docMk/>
-            <pc:sldMk cId="3794895201" sldId="263"/>
-            <ac:spMk id="11" creationId="{C05D7662-6617-C715-5BC3-FE28A68090A2}"/>
-          </ac:spMkLst>
-        </pc:spChg>
         <pc:spChg chg="mod">
           <ac:chgData name="Shirel Amozieg" userId="ac9ed54efc69b90a" providerId="LiveId" clId="{2B4210BF-D794-41CF-9461-49640E163BE9}" dt="2025-05-08T15:07:48.208" v="1719" actId="1076"/>
           <ac:spMkLst>
@@ -1094,22 +820,6 @@
             <ac:spMk id="20" creationId="{E375933A-BF73-EC26-CBA8-F2DE1ED5A2A0}"/>
           </ac:spMkLst>
         </pc:spChg>
-        <pc:picChg chg="del">
-          <ac:chgData name="Shirel Amozieg" userId="ac9ed54efc69b90a" providerId="LiveId" clId="{2B4210BF-D794-41CF-9461-49640E163BE9}" dt="2025-05-08T13:30:42.223" v="822" actId="478"/>
-          <ac:picMkLst>
-            <pc:docMk/>
-            <pc:sldMk cId="3794895201" sldId="263"/>
-            <ac:picMk id="6" creationId="{2204C886-19EB-1E5B-870D-B99DC8D2F4C1}"/>
-          </ac:picMkLst>
-        </pc:picChg>
-        <pc:picChg chg="add del mod modCrop">
-          <ac:chgData name="Shirel Amozieg" userId="ac9ed54efc69b90a" providerId="LiveId" clId="{2B4210BF-D794-41CF-9461-49640E163BE9}" dt="2025-05-08T15:07:41.234" v="1717" actId="478"/>
-          <ac:picMkLst>
-            <pc:docMk/>
-            <pc:sldMk cId="3794895201" sldId="263"/>
-            <ac:picMk id="17" creationId="{B48C1F3D-5DC3-967F-E5AE-D9EA31BD4DBC}"/>
-          </ac:picMkLst>
-        </pc:picChg>
         <pc:picChg chg="add mod">
           <ac:chgData name="Shirel Amozieg" userId="ac9ed54efc69b90a" providerId="LiveId" clId="{2B4210BF-D794-41CF-9461-49640E163BE9}" dt="2025-05-08T15:07:47.279" v="1718" actId="1076"/>
           <ac:picMkLst>
@@ -1165,44 +875,12 @@
             <ac:spMk id="16" creationId="{304CF960-62B9-01D1-D3EE-0FBF1E43EFF9}"/>
           </ac:spMkLst>
         </pc:spChg>
-        <pc:spChg chg="del mod">
-          <ac:chgData name="Shirel Amozieg" userId="ac9ed54efc69b90a" providerId="LiveId" clId="{2B4210BF-D794-41CF-9461-49640E163BE9}" dt="2025-05-08T13:46:06.858" v="1064" actId="478"/>
-          <ac:spMkLst>
-            <pc:docMk/>
-            <pc:sldMk cId="512715057" sldId="264"/>
-            <ac:spMk id="20" creationId="{F4856790-E8A3-0E55-2EE0-BE0BD5D4EE5B}"/>
-          </ac:spMkLst>
-        </pc:spChg>
-        <pc:picChg chg="add del mod">
-          <ac:chgData name="Shirel Amozieg" userId="ac9ed54efc69b90a" providerId="LiveId" clId="{2B4210BF-D794-41CF-9461-49640E163BE9}" dt="2025-05-08T13:46:28.379" v="1065" actId="478"/>
-          <ac:picMkLst>
-            <pc:docMk/>
-            <pc:sldMk cId="512715057" sldId="264"/>
-            <ac:picMk id="3" creationId="{ABDD8AD4-23EF-AEFD-511E-EC3349D943E1}"/>
-          </ac:picMkLst>
-        </pc:picChg>
-        <pc:picChg chg="add del mod">
-          <ac:chgData name="Shirel Amozieg" userId="ac9ed54efc69b90a" providerId="LiveId" clId="{2B4210BF-D794-41CF-9461-49640E163BE9}" dt="2025-05-08T14:09:25.744" v="1246" actId="478"/>
-          <ac:picMkLst>
-            <pc:docMk/>
-            <pc:sldMk cId="512715057" sldId="264"/>
-            <ac:picMk id="10" creationId="{5B068B95-A5D2-C21C-6D99-08D994D182BE}"/>
-          </ac:picMkLst>
-        </pc:picChg>
         <pc:picChg chg="add mod">
           <ac:chgData name="Shirel Amozieg" userId="ac9ed54efc69b90a" providerId="LiveId" clId="{2B4210BF-D794-41CF-9461-49640E163BE9}" dt="2025-05-08T14:11:04.463" v="1253" actId="1076"/>
           <ac:picMkLst>
             <pc:docMk/>
             <pc:sldMk cId="512715057" sldId="264"/>
             <ac:picMk id="15" creationId="{A46F546F-4487-CBA5-40D3-924F8FAF5B5D}"/>
-          </ac:picMkLst>
-        </pc:picChg>
-        <pc:picChg chg="del">
-          <ac:chgData name="Shirel Amozieg" userId="ac9ed54efc69b90a" providerId="LiveId" clId="{2B4210BF-D794-41CF-9461-49640E163BE9}" dt="2025-05-08T13:43:39.887" v="1026" actId="478"/>
-          <ac:picMkLst>
-            <pc:docMk/>
-            <pc:sldMk cId="512715057" sldId="264"/>
-            <ac:picMk id="17" creationId="{83E6A804-92F7-BFCF-A693-2FA3D655F722}"/>
           </ac:picMkLst>
         </pc:picChg>
       </pc:sldChg>
@@ -1212,14 +890,6 @@
           <pc:docMk/>
           <pc:sldMk cId="495893210" sldId="265"/>
         </pc:sldMkLst>
-        <pc:spChg chg="add del">
-          <ac:chgData name="Shirel Amozieg" userId="ac9ed54efc69b90a" providerId="LiveId" clId="{2B4210BF-D794-41CF-9461-49640E163BE9}" dt="2025-05-08T15:17:38.026" v="1823" actId="22"/>
-          <ac:spMkLst>
-            <pc:docMk/>
-            <pc:sldMk cId="495893210" sldId="265"/>
-            <ac:spMk id="3" creationId="{4FF26D51-B2F6-3959-679A-DE574F9F4665}"/>
-          </ac:spMkLst>
-        </pc:spChg>
         <pc:spChg chg="add mod">
           <ac:chgData name="Shirel Amozieg" userId="ac9ed54efc69b90a" providerId="LiveId" clId="{2B4210BF-D794-41CF-9461-49640E163BE9}" dt="2025-05-08T15:27:32.030" v="1960" actId="113"/>
           <ac:spMkLst>
@@ -1236,28 +906,12 @@
             <ac:spMk id="7" creationId="{570DF11F-CFED-C642-A906-C253E932DE8E}"/>
           </ac:spMkLst>
         </pc:spChg>
-        <pc:spChg chg="del">
-          <ac:chgData name="Shirel Amozieg" userId="ac9ed54efc69b90a" providerId="LiveId" clId="{2B4210BF-D794-41CF-9461-49640E163BE9}" dt="2025-05-08T15:09:21.433" v="1724" actId="478"/>
-          <ac:spMkLst>
-            <pc:docMk/>
-            <pc:sldMk cId="495893210" sldId="265"/>
-            <ac:spMk id="8" creationId="{B8516DC6-99C6-1570-FA58-C2F97366EDEF}"/>
-          </ac:spMkLst>
-        </pc:spChg>
         <pc:spChg chg="add mod">
           <ac:chgData name="Shirel Amozieg" userId="ac9ed54efc69b90a" providerId="LiveId" clId="{2B4210BF-D794-41CF-9461-49640E163BE9}" dt="2025-05-08T15:27:32.030" v="1960" actId="113"/>
           <ac:spMkLst>
             <pc:docMk/>
             <pc:sldMk cId="495893210" sldId="265"/>
             <ac:spMk id="9" creationId="{359C67EC-AC3E-09B4-7453-C21435A20E6D}"/>
-          </ac:spMkLst>
-        </pc:spChg>
-        <pc:spChg chg="del">
-          <ac:chgData name="Shirel Amozieg" userId="ac9ed54efc69b90a" providerId="LiveId" clId="{2B4210BF-D794-41CF-9461-49640E163BE9}" dt="2025-05-08T15:09:23.129" v="1725" actId="478"/>
-          <ac:spMkLst>
-            <pc:docMk/>
-            <pc:sldMk cId="495893210" sldId="265"/>
-            <ac:spMk id="15" creationId="{92736FBD-D82D-AFAA-B4D5-F32C29D35CCD}"/>
           </ac:spMkLst>
         </pc:spChg>
         <pc:spChg chg="mod">
@@ -1276,22 +930,6 @@
             <ac:spMk id="21" creationId="{8EDB1434-FF27-C944-47F0-B6D596588CE3}"/>
           </ac:spMkLst>
         </pc:spChg>
-        <pc:spChg chg="del mod">
-          <ac:chgData name="Shirel Amozieg" userId="ac9ed54efc69b90a" providerId="LiveId" clId="{2B4210BF-D794-41CF-9461-49640E163BE9}" dt="2025-05-08T15:09:17.121" v="1722" actId="478"/>
-          <ac:spMkLst>
-            <pc:docMk/>
-            <pc:sldMk cId="495893210" sldId="265"/>
-            <ac:spMk id="22" creationId="{26AD0AB5-FA8A-5493-C2DE-4C581EFAE3DE}"/>
-          </ac:spMkLst>
-        </pc:spChg>
-        <pc:picChg chg="del">
-          <ac:chgData name="Shirel Amozieg" userId="ac9ed54efc69b90a" providerId="LiveId" clId="{2B4210BF-D794-41CF-9461-49640E163BE9}" dt="2025-05-08T15:09:19.424" v="1723" actId="478"/>
-          <ac:picMkLst>
-            <pc:docMk/>
-            <pc:sldMk cId="495893210" sldId="265"/>
-            <ac:picMk id="5122" creationId="{913F4DB3-29E9-6449-176F-07FEBC9BA786}"/>
-          </ac:picMkLst>
-        </pc:picChg>
       </pc:sldChg>
       <pc:sldChg chg="addSp modSp add mod">
         <pc:chgData name="Shirel Amozieg" userId="ac9ed54efc69b90a" providerId="LiveId" clId="{2B4210BF-D794-41CF-9461-49640E163BE9}" dt="2025-05-08T15:32:37.556" v="1980" actId="207"/>
@@ -1299,14 +937,6 @@
           <pc:docMk/>
           <pc:sldMk cId="1033504488" sldId="266"/>
         </pc:sldMkLst>
-        <pc:spChg chg="add mod">
-          <ac:chgData name="Shirel Amozieg" userId="ac9ed54efc69b90a" providerId="LiveId" clId="{2B4210BF-D794-41CF-9461-49640E163BE9}" dt="2025-05-08T15:13:14.740" v="1759" actId="767"/>
-          <ac:spMkLst>
-            <pc:docMk/>
-            <pc:sldMk cId="1033504488" sldId="266"/>
-            <ac:spMk id="2" creationId="{9082D568-40DB-DB45-6741-6E911E763A79}"/>
-          </ac:spMkLst>
-        </pc:spChg>
         <pc:spChg chg="add mod">
           <ac:chgData name="Shirel Amozieg" userId="ac9ed54efc69b90a" providerId="LiveId" clId="{2B4210BF-D794-41CF-9461-49640E163BE9}" dt="2025-05-08T15:17:00.485" v="1818" actId="20577"/>
           <ac:spMkLst>
@@ -1491,7 +1121,7 @@
           <a:p>
             <a:fld id="{7F0FA242-BB50-4286-A38A-EEE9571E2583}" type="datetimeFigureOut">
               <a:rPr lang="en-US" smtClean="0"/>
-              <a:t>5/9/2025</a:t>
+              <a:t>5/11/2025</a:t>
             </a:fld>
             <a:endParaRPr lang="en-US"/>
           </a:p>
@@ -1689,7 +1319,7 @@
           <a:p>
             <a:fld id="{7F0FA242-BB50-4286-A38A-EEE9571E2583}" type="datetimeFigureOut">
               <a:rPr lang="en-US" smtClean="0"/>
-              <a:t>5/9/2025</a:t>
+              <a:t>5/11/2025</a:t>
             </a:fld>
             <a:endParaRPr lang="en-US"/>
           </a:p>
@@ -1897,7 +1527,7 @@
           <a:p>
             <a:fld id="{7F0FA242-BB50-4286-A38A-EEE9571E2583}" type="datetimeFigureOut">
               <a:rPr lang="en-US" smtClean="0"/>
-              <a:t>5/9/2025</a:t>
+              <a:t>5/11/2025</a:t>
             </a:fld>
             <a:endParaRPr lang="en-US"/>
           </a:p>
@@ -2095,7 +1725,7 @@
           <a:p>
             <a:fld id="{7F0FA242-BB50-4286-A38A-EEE9571E2583}" type="datetimeFigureOut">
               <a:rPr lang="en-US" smtClean="0"/>
-              <a:t>5/9/2025</a:t>
+              <a:t>5/11/2025</a:t>
             </a:fld>
             <a:endParaRPr lang="en-US"/>
           </a:p>
@@ -2370,7 +2000,7 @@
           <a:p>
             <a:fld id="{7F0FA242-BB50-4286-A38A-EEE9571E2583}" type="datetimeFigureOut">
               <a:rPr lang="en-US" smtClean="0"/>
-              <a:t>5/9/2025</a:t>
+              <a:t>5/11/2025</a:t>
             </a:fld>
             <a:endParaRPr lang="en-US"/>
           </a:p>
@@ -2635,7 +2265,7 @@
           <a:p>
             <a:fld id="{7F0FA242-BB50-4286-A38A-EEE9571E2583}" type="datetimeFigureOut">
               <a:rPr lang="en-US" smtClean="0"/>
-              <a:t>5/9/2025</a:t>
+              <a:t>5/11/2025</a:t>
             </a:fld>
             <a:endParaRPr lang="en-US"/>
           </a:p>
@@ -3047,7 +2677,7 @@
           <a:p>
             <a:fld id="{7F0FA242-BB50-4286-A38A-EEE9571E2583}" type="datetimeFigureOut">
               <a:rPr lang="en-US" smtClean="0"/>
-              <a:t>5/9/2025</a:t>
+              <a:t>5/11/2025</a:t>
             </a:fld>
             <a:endParaRPr lang="en-US"/>
           </a:p>
@@ -3188,7 +2818,7 @@
           <a:p>
             <a:fld id="{7F0FA242-BB50-4286-A38A-EEE9571E2583}" type="datetimeFigureOut">
               <a:rPr lang="en-US" smtClean="0"/>
-              <a:t>5/9/2025</a:t>
+              <a:t>5/11/2025</a:t>
             </a:fld>
             <a:endParaRPr lang="en-US"/>
           </a:p>
@@ -3301,7 +2931,7 @@
           <a:p>
             <a:fld id="{7F0FA242-BB50-4286-A38A-EEE9571E2583}" type="datetimeFigureOut">
               <a:rPr lang="en-US" smtClean="0"/>
-              <a:t>5/9/2025</a:t>
+              <a:t>5/11/2025</a:t>
             </a:fld>
             <a:endParaRPr lang="en-US"/>
           </a:p>
@@ -3612,7 +3242,7 @@
           <a:p>
             <a:fld id="{7F0FA242-BB50-4286-A38A-EEE9571E2583}" type="datetimeFigureOut">
               <a:rPr lang="en-US" smtClean="0"/>
-              <a:t>5/9/2025</a:t>
+              <a:t>5/11/2025</a:t>
             </a:fld>
             <a:endParaRPr lang="en-US"/>
           </a:p>
@@ -3900,7 +3530,7 @@
           <a:p>
             <a:fld id="{7F0FA242-BB50-4286-A38A-EEE9571E2583}" type="datetimeFigureOut">
               <a:rPr lang="en-US" smtClean="0"/>
-              <a:t>5/9/2025</a:t>
+              <a:t>5/11/2025</a:t>
             </a:fld>
             <a:endParaRPr lang="en-US"/>
           </a:p>
@@ -4141,7 +3771,7 @@
           <a:p>
             <a:fld id="{7F0FA242-BB50-4286-A38A-EEE9571E2583}" type="datetimeFigureOut">
               <a:rPr lang="en-US" smtClean="0"/>
-              <a:t>5/9/2025</a:t>
+              <a:t>5/11/2025</a:t>
             </a:fld>
             <a:endParaRPr lang="en-US"/>
           </a:p>
@@ -4651,6 +4281,1109 @@
         <p:cNvPr id="1" name="">
           <a:extLst>
             <a:ext uri="{FF2B5EF4-FFF2-40B4-BE49-F238E27FC236}">
+              <a16:creationId xmlns:a16="http://schemas.microsoft.com/office/drawing/2014/main" id="{83140481-2C4C-E0EE-D0EF-42C466AFD1CC}"/>
+            </a:ext>
+          </a:extLst>
+        </p:cNvPr>
+        <p:cNvGrpSpPr/>
+        <p:nvPr/>
+      </p:nvGrpSpPr>
+      <p:grpSpPr>
+        <a:xfrm>
+          <a:off x="0" y="0"/>
+          <a:ext cx="0" cy="0"/>
+          <a:chOff x="0" y="0"/>
+          <a:chExt cx="0" cy="0"/>
+        </a:xfrm>
+      </p:grpSpPr>
+      <p:sp>
+        <p:nvSpPr>
+          <p:cNvPr id="4" name="Rectangle: Rounded Corners 3">
+            <a:extLst>
+              <a:ext uri="{FF2B5EF4-FFF2-40B4-BE49-F238E27FC236}">
+                <a16:creationId xmlns:a16="http://schemas.microsoft.com/office/drawing/2014/main" id="{593D89C7-7C57-F65D-C4B5-A528E7399B44}"/>
+              </a:ext>
+            </a:extLst>
+          </p:cNvPr>
+          <p:cNvSpPr/>
+          <p:nvPr/>
+        </p:nvSpPr>
+        <p:spPr>
+          <a:xfrm>
+            <a:off x="177209" y="217967"/>
+            <a:ext cx="11837581" cy="6422065"/>
+          </a:xfrm>
+          <a:prstGeom prst="roundRect">
+            <a:avLst>
+              <a:gd name="adj" fmla="val 3653"/>
+            </a:avLst>
+          </a:prstGeom>
+          <a:blipFill dpi="0" rotWithShape="1">
+            <a:blip r:embed="rId2">
+              <a:alphaModFix amt="19000"/>
+            </a:blip>
+            <a:srcRect/>
+            <a:stretch>
+              <a:fillRect/>
+            </a:stretch>
+          </a:blipFill>
+          <a:ln>
+            <a:gradFill>
+              <a:gsLst>
+                <a:gs pos="0">
+                  <a:schemeClr val="bg1">
+                    <a:alpha val="80000"/>
+                  </a:schemeClr>
+                </a:gs>
+                <a:gs pos="100000">
+                  <a:schemeClr val="bg1">
+                    <a:alpha val="20000"/>
+                  </a:schemeClr>
+                </a:gs>
+              </a:gsLst>
+              <a:lin ang="5400000" scaled="1"/>
+            </a:gradFill>
+          </a:ln>
+        </p:spPr>
+        <p:style>
+          <a:lnRef idx="2">
+            <a:schemeClr val="accent1">
+              <a:shade val="15000"/>
+            </a:schemeClr>
+          </a:lnRef>
+          <a:fillRef idx="1">
+            <a:schemeClr val="accent1"/>
+          </a:fillRef>
+          <a:effectRef idx="0">
+            <a:schemeClr val="accent1"/>
+          </a:effectRef>
+          <a:fontRef idx="minor">
+            <a:schemeClr val="lt1"/>
+          </a:fontRef>
+        </p:style>
+        <p:txBody>
+          <a:bodyPr rtlCol="0" anchor="ctr"/>
+          <a:lstStyle/>
+          <a:p>
+            <a:pPr algn="ctr"/>
+            <a:endParaRPr lang="en-US">
+              <a:solidFill>
+                <a:schemeClr val="tx1">
+                  <a:lumMod val="50000"/>
+                  <a:lumOff val="50000"/>
+                </a:schemeClr>
+              </a:solidFill>
+            </a:endParaRPr>
+          </a:p>
+        </p:txBody>
+      </p:sp>
+      <p:sp>
+        <p:nvSpPr>
+          <p:cNvPr id="5" name="Rectangle: Rounded Corners 4">
+            <a:extLst>
+              <a:ext uri="{FF2B5EF4-FFF2-40B4-BE49-F238E27FC236}">
+                <a16:creationId xmlns:a16="http://schemas.microsoft.com/office/drawing/2014/main" id="{5C9F274D-777C-B5F2-56FC-1C5D4CDACC19}"/>
+              </a:ext>
+            </a:extLst>
+          </p:cNvPr>
+          <p:cNvSpPr/>
+          <p:nvPr/>
+        </p:nvSpPr>
+        <p:spPr>
+          <a:xfrm>
+            <a:off x="350874" y="304140"/>
+            <a:ext cx="11490250" cy="818706"/>
+          </a:xfrm>
+          <a:prstGeom prst="roundRect">
+            <a:avLst>
+              <a:gd name="adj" fmla="val 30926"/>
+            </a:avLst>
+          </a:prstGeom>
+          <a:gradFill>
+            <a:gsLst>
+              <a:gs pos="81000">
+                <a:schemeClr val="tx1"/>
+              </a:gs>
+              <a:gs pos="16000">
+                <a:schemeClr val="tx1"/>
+              </a:gs>
+            </a:gsLst>
+            <a:lin ang="5400000" scaled="1"/>
+          </a:gradFill>
+          <a:ln>
+            <a:gradFill>
+              <a:gsLst>
+                <a:gs pos="0">
+                  <a:schemeClr val="bg1">
+                    <a:alpha val="80000"/>
+                  </a:schemeClr>
+                </a:gs>
+                <a:gs pos="100000">
+                  <a:schemeClr val="bg1">
+                    <a:alpha val="20000"/>
+                  </a:schemeClr>
+                </a:gs>
+              </a:gsLst>
+              <a:lin ang="5400000" scaled="1"/>
+            </a:gradFill>
+          </a:ln>
+        </p:spPr>
+        <p:style>
+          <a:lnRef idx="2">
+            <a:schemeClr val="accent1">
+              <a:shade val="15000"/>
+            </a:schemeClr>
+          </a:lnRef>
+          <a:fillRef idx="1">
+            <a:schemeClr val="accent1"/>
+          </a:fillRef>
+          <a:effectRef idx="0">
+            <a:schemeClr val="accent1"/>
+          </a:effectRef>
+          <a:fontRef idx="minor">
+            <a:schemeClr val="lt1"/>
+          </a:fontRef>
+        </p:style>
+        <p:txBody>
+          <a:bodyPr rtlCol="0" anchor="ctr"/>
+          <a:lstStyle/>
+          <a:p>
+            <a:pPr algn="ctr"/>
+            <a:endParaRPr lang="en-US"/>
+          </a:p>
+        </p:txBody>
+      </p:sp>
+      <p:pic>
+        <p:nvPicPr>
+          <p:cNvPr id="13" name="Picture 2" descr="About Netflix - Ressources de la société">
+            <a:extLst>
+              <a:ext uri="{FF2B5EF4-FFF2-40B4-BE49-F238E27FC236}">
+                <a16:creationId xmlns:a16="http://schemas.microsoft.com/office/drawing/2014/main" id="{CC1B0813-6440-ECF1-B540-1E7631CEB8E5}"/>
+              </a:ext>
+            </a:extLst>
+          </p:cNvPr>
+          <p:cNvPicPr>
+            <a:picLocks noChangeAspect="1" noChangeArrowheads="1"/>
+          </p:cNvPicPr>
+          <p:nvPr/>
+        </p:nvPicPr>
+        <p:blipFill>
+          <a:blip r:embed="rId3">
+            <a:extLst>
+              <a:ext uri="{28A0092B-C50C-407E-A947-70E740481C1C}">
+                <a14:useLocalDpi xmlns:a14="http://schemas.microsoft.com/office/drawing/2010/main" val="0"/>
+              </a:ext>
+            </a:extLst>
+          </a:blip>
+          <a:srcRect/>
+          <a:stretch>
+            <a:fillRect/>
+          </a:stretch>
+        </p:blipFill>
+        <p:spPr bwMode="auto">
+          <a:xfrm>
+            <a:off x="451882" y="414675"/>
+            <a:ext cx="597635" cy="597635"/>
+          </a:xfrm>
+          <a:prstGeom prst="rect">
+            <a:avLst/>
+          </a:prstGeom>
+          <a:noFill/>
+          <a:extLst>
+            <a:ext uri="{909E8E84-426E-40DD-AFC4-6F175D3DCCD1}">
+              <a14:hiddenFill xmlns:a14="http://schemas.microsoft.com/office/drawing/2010/main">
+                <a:solidFill>
+                  <a:srgbClr val="FFFFFF"/>
+                </a:solidFill>
+              </a14:hiddenFill>
+            </a:ext>
+          </a:extLst>
+        </p:spPr>
+      </p:pic>
+      <p:pic>
+        <p:nvPicPr>
+          <p:cNvPr id="14" name="Picture 13">
+            <a:extLst>
+              <a:ext uri="{FF2B5EF4-FFF2-40B4-BE49-F238E27FC236}">
+                <a16:creationId xmlns:a16="http://schemas.microsoft.com/office/drawing/2014/main" id="{65E6D5CA-F4CC-B6AE-8107-89AAECC75CE0}"/>
+              </a:ext>
+            </a:extLst>
+          </p:cNvPr>
+          <p:cNvPicPr>
+            <a:picLocks noChangeAspect="1"/>
+          </p:cNvPicPr>
+          <p:nvPr/>
+        </p:nvPicPr>
+        <p:blipFill>
+          <a:blip r:embed="rId4"/>
+          <a:stretch>
+            <a:fillRect/>
+          </a:stretch>
+        </p:blipFill>
+        <p:spPr>
+          <a:xfrm>
+            <a:off x="924364" y="543692"/>
+            <a:ext cx="597635" cy="339599"/>
+          </a:xfrm>
+          <a:prstGeom prst="rect">
+            <a:avLst/>
+          </a:prstGeom>
+        </p:spPr>
+      </p:pic>
+      <p:sp>
+        <p:nvSpPr>
+          <p:cNvPr id="16" name="TextBox 15">
+            <a:extLst>
+              <a:ext uri="{FF2B5EF4-FFF2-40B4-BE49-F238E27FC236}">
+                <a16:creationId xmlns:a16="http://schemas.microsoft.com/office/drawing/2014/main" id="{B32F53D6-69B6-5A96-C0E2-B830ADAEB03F}"/>
+              </a:ext>
+            </a:extLst>
+          </p:cNvPr>
+          <p:cNvSpPr txBox="1"/>
+          <p:nvPr/>
+        </p:nvSpPr>
+        <p:spPr>
+          <a:xfrm>
+            <a:off x="5179960" y="427535"/>
+            <a:ext cx="1832078" cy="584775"/>
+          </a:xfrm>
+          <a:prstGeom prst="rect">
+            <a:avLst/>
+          </a:prstGeom>
+          <a:noFill/>
+        </p:spPr>
+        <p:txBody>
+          <a:bodyPr wrap="square" rtlCol="0">
+            <a:spAutoFit/>
+          </a:bodyPr>
+          <a:lstStyle/>
+          <a:p>
+            <a:r>
+              <a:rPr lang="fr-FR" sz="3200" dirty="0">
+                <a:solidFill>
+                  <a:srgbClr val="FF0000"/>
+                </a:solidFill>
+                <a:latin typeface="+mj-lt"/>
+                <a:cs typeface="Calibri" panose="020F0502020204030204" pitchFamily="34" charset="0"/>
+              </a:rPr>
+              <a:t>Sources</a:t>
+            </a:r>
+            <a:endParaRPr lang="en-US" sz="3200" dirty="0">
+              <a:solidFill>
+                <a:srgbClr val="FF0000"/>
+              </a:solidFill>
+              <a:latin typeface="+mj-lt"/>
+              <a:cs typeface="Calibri" panose="020F0502020204030204" pitchFamily="34" charset="0"/>
+            </a:endParaRPr>
+          </a:p>
+        </p:txBody>
+      </p:sp>
+      <p:sp>
+        <p:nvSpPr>
+          <p:cNvPr id="21" name="Rectangle: Rounded Corners 20">
+            <a:extLst>
+              <a:ext uri="{FF2B5EF4-FFF2-40B4-BE49-F238E27FC236}">
+                <a16:creationId xmlns:a16="http://schemas.microsoft.com/office/drawing/2014/main" id="{182B0015-172E-E41C-42F4-00A0B4120B95}"/>
+              </a:ext>
+            </a:extLst>
+          </p:cNvPr>
+          <p:cNvSpPr/>
+          <p:nvPr/>
+        </p:nvSpPr>
+        <p:spPr>
+          <a:xfrm>
+            <a:off x="590994" y="1383978"/>
+            <a:ext cx="11010010" cy="1137370"/>
+          </a:xfrm>
+          <a:prstGeom prst="roundRect">
+            <a:avLst>
+              <a:gd name="adj" fmla="val 16741"/>
+            </a:avLst>
+          </a:prstGeom>
+          <a:gradFill>
+            <a:gsLst>
+              <a:gs pos="81000">
+                <a:schemeClr val="tx1">
+                  <a:alpha val="80000"/>
+                </a:schemeClr>
+              </a:gs>
+              <a:gs pos="16000">
+                <a:schemeClr val="tx1">
+                  <a:alpha val="40000"/>
+                </a:schemeClr>
+              </a:gs>
+            </a:gsLst>
+            <a:lin ang="5400000" scaled="1"/>
+          </a:gradFill>
+          <a:ln>
+            <a:gradFill>
+              <a:gsLst>
+                <a:gs pos="0">
+                  <a:schemeClr val="bg1">
+                    <a:alpha val="80000"/>
+                  </a:schemeClr>
+                </a:gs>
+                <a:gs pos="100000">
+                  <a:schemeClr val="bg1">
+                    <a:alpha val="20000"/>
+                  </a:schemeClr>
+                </a:gs>
+              </a:gsLst>
+              <a:lin ang="5400000" scaled="1"/>
+            </a:gradFill>
+          </a:ln>
+        </p:spPr>
+        <p:style>
+          <a:lnRef idx="2">
+            <a:schemeClr val="accent1">
+              <a:shade val="15000"/>
+            </a:schemeClr>
+          </a:lnRef>
+          <a:fillRef idx="1">
+            <a:schemeClr val="accent1"/>
+          </a:fillRef>
+          <a:effectRef idx="0">
+            <a:schemeClr val="accent1"/>
+          </a:effectRef>
+          <a:fontRef idx="minor">
+            <a:schemeClr val="lt1"/>
+          </a:fontRef>
+        </p:style>
+        <p:txBody>
+          <a:bodyPr rtlCol="0" anchor="ctr"/>
+          <a:lstStyle/>
+          <a:p>
+            <a:pPr algn="ctr"/>
+            <a:endParaRPr lang="en-US"/>
+          </a:p>
+        </p:txBody>
+      </p:sp>
+      <p:sp>
+        <p:nvSpPr>
+          <p:cNvPr id="3" name="TextBox 2">
+            <a:extLst>
+              <a:ext uri="{FF2B5EF4-FFF2-40B4-BE49-F238E27FC236}">
+                <a16:creationId xmlns:a16="http://schemas.microsoft.com/office/drawing/2014/main" id="{AE9D5A5B-C2AE-B9DB-BA0D-86EBF07681EC}"/>
+              </a:ext>
+            </a:extLst>
+          </p:cNvPr>
+          <p:cNvSpPr txBox="1"/>
+          <p:nvPr/>
+        </p:nvSpPr>
+        <p:spPr>
+          <a:xfrm>
+            <a:off x="1174559" y="1541484"/>
+            <a:ext cx="10267069" cy="584775"/>
+          </a:xfrm>
+          <a:prstGeom prst="rect">
+            <a:avLst/>
+          </a:prstGeom>
+          <a:noFill/>
+        </p:spPr>
+        <p:txBody>
+          <a:bodyPr wrap="square" rtlCol="0">
+            <a:spAutoFit/>
+          </a:bodyPr>
+          <a:lstStyle/>
+          <a:p>
+            <a:pPr marL="285750" indent="-285750">
+              <a:buFont typeface="Arial" panose="020B0604020202020204" pitchFamily="34" charset="0"/>
+              <a:buChar char="•"/>
+            </a:pPr>
+            <a:r>
+              <a:rPr lang="en-US" sz="2000" dirty="0">
+                <a:solidFill>
+                  <a:srgbClr val="C00000"/>
+                </a:solidFill>
+                <a:hlinkClick r:id="rId5">
+                  <a:extLst>
+                    <a:ext uri="{A12FA001-AC4F-418D-AE19-62706E023703}">
+                      <ahyp:hlinkClr xmlns:ahyp="http://schemas.microsoft.com/office/drawing/2018/hyperlinkcolor" val="tx"/>
+                    </a:ext>
+                  </a:extLst>
+                </a:hlinkClick>
+              </a:rPr>
+              <a:t>YouTube</a:t>
+            </a:r>
+            <a:r>
+              <a:rPr lang="en-US" sz="2000" dirty="0">
+                <a:solidFill>
+                  <a:srgbClr val="C00000"/>
+                </a:solidFill>
+                <a:hlinkClick r:id="rId5">
+                  <a:extLst>
+                    <a:ext uri="{A12FA001-AC4F-418D-AE19-62706E023703}">
+                      <ahyp:hlinkClr xmlns:ahyp="http://schemas.microsoft.com/office/drawing/2018/hyperlinkcolor" val="tx"/>
+                    </a:ext>
+                  </a:extLst>
+                </a:hlinkClick>
+              </a:rPr>
+              <a:t> </a:t>
+            </a:r>
+          </a:p>
+          <a:p>
+            <a:endParaRPr lang="en-US" sz="1200" i="1" dirty="0">
+              <a:solidFill>
+                <a:schemeClr val="bg1"/>
+              </a:solidFill>
+            </a:endParaRPr>
+          </a:p>
+        </p:txBody>
+      </p:sp>
+      <p:grpSp>
+        <p:nvGrpSpPr>
+          <p:cNvPr id="2" name="Group 1">
+            <a:extLst>
+              <a:ext uri="{FF2B5EF4-FFF2-40B4-BE49-F238E27FC236}">
+                <a16:creationId xmlns:a16="http://schemas.microsoft.com/office/drawing/2014/main" id="{0B212E08-F27D-5EAC-4113-1D8ED0FF47EE}"/>
+              </a:ext>
+            </a:extLst>
+          </p:cNvPr>
+          <p:cNvGrpSpPr/>
+          <p:nvPr/>
+        </p:nvGrpSpPr>
+        <p:grpSpPr>
+          <a:xfrm>
+            <a:off x="11203169" y="458315"/>
+            <a:ext cx="542260" cy="523542"/>
+            <a:chOff x="11203169" y="458315"/>
+            <a:chExt cx="542260" cy="523542"/>
+          </a:xfrm>
+        </p:grpSpPr>
+        <p:sp>
+          <p:nvSpPr>
+            <p:cNvPr id="6" name="Oval 5">
+              <a:extLst>
+                <a:ext uri="{FF2B5EF4-FFF2-40B4-BE49-F238E27FC236}">
+                  <a16:creationId xmlns:a16="http://schemas.microsoft.com/office/drawing/2014/main" id="{853FB677-DF3A-7DF0-8D33-0E4C250B74D8}"/>
+                </a:ext>
+              </a:extLst>
+            </p:cNvPr>
+            <p:cNvSpPr/>
+            <p:nvPr/>
+          </p:nvSpPr>
+          <p:spPr>
+            <a:xfrm>
+              <a:off x="11203169" y="458315"/>
+              <a:ext cx="542260" cy="506042"/>
+            </a:xfrm>
+            <a:prstGeom prst="ellipse">
+              <a:avLst/>
+            </a:prstGeom>
+            <a:solidFill>
+              <a:srgbClr val="FF0000"/>
+            </a:solidFill>
+          </p:spPr>
+          <p:style>
+            <a:lnRef idx="2">
+              <a:schemeClr val="accent1">
+                <a:shade val="15000"/>
+              </a:schemeClr>
+            </a:lnRef>
+            <a:fillRef idx="1">
+              <a:schemeClr val="accent1"/>
+            </a:fillRef>
+            <a:effectRef idx="0">
+              <a:schemeClr val="accent1"/>
+            </a:effectRef>
+            <a:fontRef idx="minor">
+              <a:schemeClr val="lt1"/>
+            </a:fontRef>
+          </p:style>
+          <p:txBody>
+            <a:bodyPr rtlCol="0" anchor="ctr"/>
+            <a:lstStyle/>
+            <a:p>
+              <a:pPr algn="ctr"/>
+              <a:endParaRPr lang="en-US">
+                <a:solidFill>
+                  <a:schemeClr val="bg1"/>
+                </a:solidFill>
+              </a:endParaRPr>
+            </a:p>
+          </p:txBody>
+        </p:sp>
+        <p:pic>
+          <p:nvPicPr>
+            <p:cNvPr id="7" name="Picture 2" descr="Developers.Institute (@devtlv) / X">
+              <a:extLst>
+                <a:ext uri="{FF2B5EF4-FFF2-40B4-BE49-F238E27FC236}">
+                  <a16:creationId xmlns:a16="http://schemas.microsoft.com/office/drawing/2014/main" id="{5315C575-B155-BE29-7401-975D9B06BEF2}"/>
+                </a:ext>
+              </a:extLst>
+            </p:cNvPr>
+            <p:cNvPicPr>
+              <a:picLocks noChangeAspect="1" noChangeArrowheads="1"/>
+            </p:cNvPicPr>
+            <p:nvPr/>
+          </p:nvPicPr>
+          <p:blipFill>
+            <a:blip r:embed="rId6">
+              <a:extLst>
+                <a:ext uri="{BEBA8EAE-BF5A-486C-A8C5-ECC9F3942E4B}">
+                  <a14:imgProps xmlns:a14="http://schemas.microsoft.com/office/drawing/2010/main">
+                    <a14:imgLayer r:embed="rId7">
+                      <a14:imgEffect>
+                        <a14:backgroundRemoval t="10000" b="90000" l="10000" r="90000"/>
+                      </a14:imgEffect>
+                    </a14:imgLayer>
+                  </a14:imgProps>
+                </a:ext>
+                <a:ext uri="{28A0092B-C50C-407E-A947-70E740481C1C}">
+                  <a14:useLocalDpi xmlns:a14="http://schemas.microsoft.com/office/drawing/2010/main" val="0"/>
+                </a:ext>
+              </a:extLst>
+            </a:blip>
+            <a:srcRect/>
+            <a:stretch>
+              <a:fillRect/>
+            </a:stretch>
+          </p:blipFill>
+          <p:spPr bwMode="auto">
+            <a:xfrm>
+              <a:off x="11233487" y="500233"/>
+              <a:ext cx="481624" cy="481624"/>
+            </a:xfrm>
+            <a:prstGeom prst="rect">
+              <a:avLst/>
+            </a:prstGeom>
+            <a:noFill/>
+            <a:extLst>
+              <a:ext uri="{909E8E84-426E-40DD-AFC4-6F175D3DCCD1}">
+                <a14:hiddenFill xmlns:a14="http://schemas.microsoft.com/office/drawing/2010/main">
+                  <a:solidFill>
+                    <a:srgbClr val="FFFFFF"/>
+                  </a:solidFill>
+                </a14:hiddenFill>
+              </a:ext>
+            </a:extLst>
+          </p:spPr>
+        </p:pic>
+      </p:grpSp>
+      <p:sp>
+        <p:nvSpPr>
+          <p:cNvPr id="8" name="Rectangle: Rounded Corners 7">
+            <a:extLst>
+              <a:ext uri="{FF2B5EF4-FFF2-40B4-BE49-F238E27FC236}">
+                <a16:creationId xmlns:a16="http://schemas.microsoft.com/office/drawing/2014/main" id="{64BF1616-E91D-1181-A839-F7C40BEDBA2A}"/>
+              </a:ext>
+            </a:extLst>
+          </p:cNvPr>
+          <p:cNvSpPr/>
+          <p:nvPr/>
+        </p:nvSpPr>
+        <p:spPr>
+          <a:xfrm>
+            <a:off x="586564" y="2779662"/>
+            <a:ext cx="11010010" cy="1556991"/>
+          </a:xfrm>
+          <a:prstGeom prst="roundRect">
+            <a:avLst>
+              <a:gd name="adj" fmla="val 16741"/>
+            </a:avLst>
+          </a:prstGeom>
+          <a:gradFill>
+            <a:gsLst>
+              <a:gs pos="81000">
+                <a:schemeClr val="tx1">
+                  <a:alpha val="80000"/>
+                </a:schemeClr>
+              </a:gs>
+              <a:gs pos="16000">
+                <a:schemeClr val="tx1">
+                  <a:alpha val="40000"/>
+                </a:schemeClr>
+              </a:gs>
+            </a:gsLst>
+            <a:lin ang="5400000" scaled="1"/>
+          </a:gradFill>
+          <a:ln>
+            <a:gradFill>
+              <a:gsLst>
+                <a:gs pos="0">
+                  <a:schemeClr val="bg1">
+                    <a:alpha val="80000"/>
+                  </a:schemeClr>
+                </a:gs>
+                <a:gs pos="100000">
+                  <a:schemeClr val="bg1">
+                    <a:alpha val="20000"/>
+                  </a:schemeClr>
+                </a:gs>
+              </a:gsLst>
+              <a:lin ang="5400000" scaled="1"/>
+            </a:gradFill>
+          </a:ln>
+        </p:spPr>
+        <p:style>
+          <a:lnRef idx="2">
+            <a:schemeClr val="accent1">
+              <a:shade val="15000"/>
+            </a:schemeClr>
+          </a:lnRef>
+          <a:fillRef idx="1">
+            <a:schemeClr val="accent1"/>
+          </a:fillRef>
+          <a:effectRef idx="0">
+            <a:schemeClr val="accent1"/>
+          </a:effectRef>
+          <a:fontRef idx="minor">
+            <a:schemeClr val="lt1"/>
+          </a:fontRef>
+        </p:style>
+        <p:txBody>
+          <a:bodyPr rtlCol="0" anchor="ctr"/>
+          <a:lstStyle/>
+          <a:p>
+            <a:pPr algn="ctr"/>
+            <a:endParaRPr lang="en-US"/>
+          </a:p>
+        </p:txBody>
+      </p:sp>
+      <p:sp>
+        <p:nvSpPr>
+          <p:cNvPr id="9" name="Rectangle: Rounded Corners 8">
+            <a:extLst>
+              <a:ext uri="{FF2B5EF4-FFF2-40B4-BE49-F238E27FC236}">
+                <a16:creationId xmlns:a16="http://schemas.microsoft.com/office/drawing/2014/main" id="{17A32775-8B91-DCC1-BDA4-DC497B7E7E8A}"/>
+              </a:ext>
+            </a:extLst>
+          </p:cNvPr>
+          <p:cNvSpPr/>
+          <p:nvPr/>
+        </p:nvSpPr>
+        <p:spPr>
+          <a:xfrm>
+            <a:off x="595426" y="5100917"/>
+            <a:ext cx="11010010" cy="1129762"/>
+          </a:xfrm>
+          <a:prstGeom prst="roundRect">
+            <a:avLst>
+              <a:gd name="adj" fmla="val 16741"/>
+            </a:avLst>
+          </a:prstGeom>
+          <a:gradFill>
+            <a:gsLst>
+              <a:gs pos="81000">
+                <a:schemeClr val="tx1">
+                  <a:alpha val="80000"/>
+                </a:schemeClr>
+              </a:gs>
+              <a:gs pos="16000">
+                <a:schemeClr val="tx1">
+                  <a:alpha val="40000"/>
+                </a:schemeClr>
+              </a:gs>
+            </a:gsLst>
+            <a:lin ang="5400000" scaled="1"/>
+          </a:gradFill>
+          <a:ln>
+            <a:gradFill>
+              <a:gsLst>
+                <a:gs pos="0">
+                  <a:schemeClr val="bg1">
+                    <a:alpha val="80000"/>
+                  </a:schemeClr>
+                </a:gs>
+                <a:gs pos="100000">
+                  <a:schemeClr val="bg1">
+                    <a:alpha val="20000"/>
+                  </a:schemeClr>
+                </a:gs>
+              </a:gsLst>
+              <a:lin ang="5400000" scaled="1"/>
+            </a:gradFill>
+          </a:ln>
+        </p:spPr>
+        <p:style>
+          <a:lnRef idx="2">
+            <a:schemeClr val="accent1">
+              <a:shade val="15000"/>
+            </a:schemeClr>
+          </a:lnRef>
+          <a:fillRef idx="1">
+            <a:schemeClr val="accent1"/>
+          </a:fillRef>
+          <a:effectRef idx="0">
+            <a:schemeClr val="accent1"/>
+          </a:effectRef>
+          <a:fontRef idx="minor">
+            <a:schemeClr val="lt1"/>
+          </a:fontRef>
+        </p:style>
+        <p:txBody>
+          <a:bodyPr rtlCol="0" anchor="ctr"/>
+          <a:lstStyle/>
+          <a:p>
+            <a:pPr algn="ctr"/>
+            <a:endParaRPr lang="en-US"/>
+          </a:p>
+        </p:txBody>
+      </p:sp>
+      <p:pic>
+        <p:nvPicPr>
+          <p:cNvPr id="10" name="image2.png">
+            <a:extLst>
+              <a:ext uri="{FF2B5EF4-FFF2-40B4-BE49-F238E27FC236}">
+                <a16:creationId xmlns:a16="http://schemas.microsoft.com/office/drawing/2014/main" id="{5C234D46-3920-75F3-F003-6F3F90EEAB32}"/>
+              </a:ext>
+            </a:extLst>
+          </p:cNvPr>
+          <p:cNvPicPr/>
+          <p:nvPr/>
+        </p:nvPicPr>
+        <p:blipFill>
+          <a:blip r:embed="rId8"/>
+          <a:srcRect/>
+          <a:stretch>
+            <a:fillRect/>
+          </a:stretch>
+        </p:blipFill>
+        <p:spPr>
+          <a:xfrm>
+            <a:off x="892789" y="3166288"/>
+            <a:ext cx="190500" cy="190500"/>
+          </a:xfrm>
+          <a:prstGeom prst="rect">
+            <a:avLst/>
+          </a:prstGeom>
+          <a:ln/>
+        </p:spPr>
+      </p:pic>
+      <p:sp>
+        <p:nvSpPr>
+          <p:cNvPr id="15" name="TextBox 14">
+            <a:extLst>
+              <a:ext uri="{FF2B5EF4-FFF2-40B4-BE49-F238E27FC236}">
+                <a16:creationId xmlns:a16="http://schemas.microsoft.com/office/drawing/2014/main" id="{38B71702-8E2D-AA7C-3C9D-8AE966F529D2}"/>
+              </a:ext>
+            </a:extLst>
+          </p:cNvPr>
+          <p:cNvSpPr txBox="1"/>
+          <p:nvPr/>
+        </p:nvSpPr>
+        <p:spPr>
+          <a:xfrm>
+            <a:off x="1145218" y="3029022"/>
+            <a:ext cx="10267069" cy="1508105"/>
+          </a:xfrm>
+          <a:prstGeom prst="rect">
+            <a:avLst/>
+          </a:prstGeom>
+          <a:noFill/>
+        </p:spPr>
+        <p:txBody>
+          <a:bodyPr wrap="square" rtlCol="0">
+            <a:spAutoFit/>
+          </a:bodyPr>
+          <a:lstStyle/>
+          <a:p>
+            <a:pPr marL="285750" indent="-285750">
+              <a:buFont typeface="Arial" panose="020B0604020202020204" pitchFamily="34" charset="0"/>
+              <a:buChar char="•"/>
+            </a:pPr>
+            <a:r>
+              <a:rPr lang="en-US" sz="2000" dirty="0">
+                <a:solidFill>
+                  <a:srgbClr val="C00000"/>
+                </a:solidFill>
+                <a:hlinkClick r:id="rId9" tooltip="GitHub">
+                  <a:extLst>
+                    <a:ext uri="{A12FA001-AC4F-418D-AE19-62706E023703}">
+                      <ahyp:hlinkClr xmlns:ahyp="http://schemas.microsoft.com/office/drawing/2018/hyperlinkcolor" val="tx"/>
+                    </a:ext>
+                  </a:extLst>
+                </a:hlinkClick>
+              </a:rPr>
+              <a:t>GitHub</a:t>
+            </a:r>
+            <a:endParaRPr lang="en-US" sz="2000" dirty="0">
+              <a:solidFill>
+                <a:srgbClr val="467886"/>
+              </a:solidFill>
+              <a:hlinkClick r:id="rId10" tooltip="GitHub">
+                <a:extLst>
+                  <a:ext uri="{A12FA001-AC4F-418D-AE19-62706E023703}">
+                    <ahyp:hlinkClr xmlns:ahyp="http://schemas.microsoft.com/office/drawing/2018/hyperlinkcolor" val="tx"/>
+                  </a:ext>
+                </a:extLst>
+              </a:hlinkClick>
+            </a:endParaRPr>
+          </a:p>
+          <a:p>
+            <a:pPr marL="285750" indent="-285750">
+              <a:buFont typeface="Arial" panose="020B0604020202020204" pitchFamily="34" charset="0"/>
+              <a:buChar char="•"/>
+            </a:pPr>
+            <a:r>
+              <a:rPr lang="en-US" sz="2000" dirty="0">
+                <a:solidFill>
+                  <a:srgbClr val="C00000"/>
+                </a:solidFill>
+                <a:hlinkClick r:id="rId10" tooltip="GitHub">
+                  <a:extLst>
+                    <a:ext uri="{A12FA001-AC4F-418D-AE19-62706E023703}">
+                      <ahyp:hlinkClr xmlns:ahyp="http://schemas.microsoft.com/office/drawing/2018/hyperlinkcolor" val="tx"/>
+                    </a:ext>
+                  </a:extLst>
+                </a:hlinkClick>
+              </a:rPr>
+              <a:t>GitHub Project</a:t>
+            </a:r>
+            <a:endParaRPr lang="en-US" sz="2000" dirty="0">
+              <a:solidFill>
+                <a:srgbClr val="C00000"/>
+              </a:solidFill>
+            </a:endParaRPr>
+          </a:p>
+          <a:p>
+            <a:pPr marL="285750" indent="-285750">
+              <a:buFont typeface="Arial" panose="020B0604020202020204" pitchFamily="34" charset="0"/>
+              <a:buChar char="•"/>
+            </a:pPr>
+            <a:r>
+              <a:rPr lang="en-US" sz="2000" dirty="0">
+                <a:solidFill>
+                  <a:srgbClr val="C00000"/>
+                </a:solidFill>
+                <a:hlinkClick r:id="rId11">
+                  <a:extLst>
+                    <a:ext uri="{A12FA001-AC4F-418D-AE19-62706E023703}">
+                      <ahyp:hlinkClr xmlns:ahyp="http://schemas.microsoft.com/office/drawing/2018/hyperlinkcolor" val="tx"/>
+                    </a:ext>
+                  </a:extLst>
+                </a:hlinkClick>
+              </a:rPr>
+              <a:t>Portfolio</a:t>
+            </a:r>
+            <a:endParaRPr lang="en-US" sz="2000" dirty="0">
+              <a:solidFill>
+                <a:srgbClr val="C00000"/>
+              </a:solidFill>
+            </a:endParaRPr>
+          </a:p>
+          <a:p>
+            <a:pPr marL="285750" indent="-285750">
+              <a:buFont typeface="Arial" panose="020B0604020202020204" pitchFamily="34" charset="0"/>
+              <a:buChar char="•"/>
+            </a:pPr>
+            <a:endParaRPr lang="en-US" sz="2000" dirty="0">
+              <a:solidFill>
+                <a:schemeClr val="bg1"/>
+              </a:solidFill>
+            </a:endParaRPr>
+          </a:p>
+          <a:p>
+            <a:endParaRPr lang="en-US" sz="1200" i="1" dirty="0">
+              <a:solidFill>
+                <a:schemeClr val="bg1"/>
+              </a:solidFill>
+            </a:endParaRPr>
+          </a:p>
+        </p:txBody>
+      </p:sp>
+      <p:pic>
+        <p:nvPicPr>
+          <p:cNvPr id="18" name="Picture 17">
+            <a:extLst>
+              <a:ext uri="{FF2B5EF4-FFF2-40B4-BE49-F238E27FC236}">
+                <a16:creationId xmlns:a16="http://schemas.microsoft.com/office/drawing/2014/main" id="{12B37662-011E-FB94-9EF8-11536AA5FBD4}"/>
+              </a:ext>
+            </a:extLst>
+          </p:cNvPr>
+          <p:cNvPicPr>
+            <a:picLocks noChangeAspect="1"/>
+          </p:cNvPicPr>
+          <p:nvPr/>
+        </p:nvPicPr>
+        <p:blipFill>
+          <a:blip r:embed="rId12"/>
+          <a:stretch>
+            <a:fillRect/>
+          </a:stretch>
+        </p:blipFill>
+        <p:spPr>
+          <a:xfrm>
+            <a:off x="919933" y="1646490"/>
+            <a:ext cx="190500" cy="217859"/>
+          </a:xfrm>
+          <a:prstGeom prst="rect">
+            <a:avLst/>
+          </a:prstGeom>
+        </p:spPr>
+      </p:pic>
+      <p:pic>
+        <p:nvPicPr>
+          <p:cNvPr id="19" name="image6.png">
+            <a:extLst>
+              <a:ext uri="{FF2B5EF4-FFF2-40B4-BE49-F238E27FC236}">
+                <a16:creationId xmlns:a16="http://schemas.microsoft.com/office/drawing/2014/main" id="{53EA72D2-9CF2-FB7C-B8DA-F6BAA3D168DC}"/>
+              </a:ext>
+            </a:extLst>
+          </p:cNvPr>
+          <p:cNvPicPr/>
+          <p:nvPr/>
+        </p:nvPicPr>
+        <p:blipFill>
+          <a:blip r:embed="rId13"/>
+          <a:srcRect/>
+          <a:stretch>
+            <a:fillRect/>
+          </a:stretch>
+        </p:blipFill>
+        <p:spPr>
+          <a:xfrm>
+            <a:off x="830863" y="3662250"/>
+            <a:ext cx="314355" cy="323565"/>
+          </a:xfrm>
+          <a:prstGeom prst="rect">
+            <a:avLst/>
+          </a:prstGeom>
+          <a:ln/>
+        </p:spPr>
+      </p:pic>
+      <p:sp>
+        <p:nvSpPr>
+          <p:cNvPr id="22" name="TextBox 21">
+            <a:extLst>
+              <a:ext uri="{FF2B5EF4-FFF2-40B4-BE49-F238E27FC236}">
+                <a16:creationId xmlns:a16="http://schemas.microsoft.com/office/drawing/2014/main" id="{04E1087E-B7BD-6725-9A91-BF6732D5EDC4}"/>
+              </a:ext>
+            </a:extLst>
+          </p:cNvPr>
+          <p:cNvSpPr txBox="1"/>
+          <p:nvPr/>
+        </p:nvSpPr>
+        <p:spPr>
+          <a:xfrm>
+            <a:off x="1065487" y="5386373"/>
+            <a:ext cx="10267069" cy="892552"/>
+          </a:xfrm>
+          <a:prstGeom prst="rect">
+            <a:avLst/>
+          </a:prstGeom>
+          <a:noFill/>
+        </p:spPr>
+        <p:txBody>
+          <a:bodyPr wrap="square" rtlCol="0">
+            <a:spAutoFit/>
+          </a:bodyPr>
+          <a:lstStyle/>
+          <a:p>
+            <a:pPr marL="285750" indent="-285750">
+              <a:buFont typeface="Arial" panose="020B0604020202020204" pitchFamily="34" charset="0"/>
+              <a:buChar char="•"/>
+            </a:pPr>
+            <a:r>
+              <a:rPr lang="en-US" sz="2000" dirty="0" err="1">
+                <a:solidFill>
+                  <a:srgbClr val="C00000"/>
+                </a:solidFill>
+                <a:hlinkClick r:id="rId14">
+                  <a:extLst>
+                    <a:ext uri="{A12FA001-AC4F-418D-AE19-62706E023703}">
+                      <ahyp:hlinkClr xmlns:ahyp="http://schemas.microsoft.com/office/drawing/2018/hyperlinkcolor" val="tx"/>
+                    </a:ext>
+                  </a:extLst>
+                </a:hlinkClick>
+              </a:rPr>
+              <a:t>Linkedin</a:t>
+            </a:r>
+            <a:endParaRPr lang="en-US" sz="2000" dirty="0">
+              <a:solidFill>
+                <a:srgbClr val="C00000"/>
+              </a:solidFill>
+            </a:endParaRPr>
+          </a:p>
+          <a:p>
+            <a:pPr marL="285750" indent="-285750">
+              <a:buFont typeface="Arial" panose="020B0604020202020204" pitchFamily="34" charset="0"/>
+              <a:buChar char="•"/>
+            </a:pPr>
+            <a:endParaRPr lang="en-US" sz="2000" dirty="0">
+              <a:solidFill>
+                <a:srgbClr val="C00000"/>
+              </a:solidFill>
+              <a:hlinkClick r:id="rId5">
+                <a:extLst>
+                  <a:ext uri="{A12FA001-AC4F-418D-AE19-62706E023703}">
+                    <ahyp:hlinkClr xmlns:ahyp="http://schemas.microsoft.com/office/drawing/2018/hyperlinkcolor" val="tx"/>
+                  </a:ext>
+                </a:extLst>
+              </a:hlinkClick>
+            </a:endParaRPr>
+          </a:p>
+          <a:p>
+            <a:endParaRPr lang="en-US" sz="1200" i="1" dirty="0">
+              <a:solidFill>
+                <a:srgbClr val="C00000"/>
+              </a:solidFill>
+            </a:endParaRPr>
+          </a:p>
+        </p:txBody>
+      </p:sp>
+      <p:pic>
+        <p:nvPicPr>
+          <p:cNvPr id="23" name="image4.png">
+            <a:extLst>
+              <a:ext uri="{FF2B5EF4-FFF2-40B4-BE49-F238E27FC236}">
+                <a16:creationId xmlns:a16="http://schemas.microsoft.com/office/drawing/2014/main" id="{C31D3FDB-F60C-B6DB-6466-CA002ACAD625}"/>
+              </a:ext>
+            </a:extLst>
+          </p:cNvPr>
+          <p:cNvPicPr/>
+          <p:nvPr/>
+        </p:nvPicPr>
+        <p:blipFill>
+          <a:blip r:embed="rId15"/>
+          <a:srcRect/>
+          <a:stretch>
+            <a:fillRect/>
+          </a:stretch>
+        </p:blipFill>
+        <p:spPr>
+          <a:xfrm>
+            <a:off x="888027" y="5474022"/>
+            <a:ext cx="200025" cy="190500"/>
+          </a:xfrm>
+          <a:prstGeom prst="rect">
+            <a:avLst/>
+          </a:prstGeom>
+          <a:ln/>
+        </p:spPr>
+      </p:pic>
+    </p:spTree>
+    <p:extLst>
+      <p:ext uri="{BB962C8B-B14F-4D97-AF65-F5344CB8AC3E}">
+        <p14:creationId xmlns:p14="http://schemas.microsoft.com/office/powerpoint/2010/main" val="1033504488"/>
+      </p:ext>
+    </p:extLst>
+  </p:cSld>
+  <p:clrMapOvr>
+    <a:masterClrMapping/>
+  </p:clrMapOvr>
+</p:sld>
+</file>
+
+<file path=ppt/slides/slide11.xml><?xml version="1.0" encoding="utf-8"?>
+<p:sld xmlns:a="http://schemas.openxmlformats.org/drawingml/2006/main" xmlns:r="http://schemas.openxmlformats.org/officeDocument/2006/relationships" xmlns:p="http://schemas.openxmlformats.org/presentationml/2006/main">
+  <p:cSld>
+    <p:bg>
+      <p:bgPr>
+        <a:solidFill>
+          <a:schemeClr val="tx1">
+            <a:lumMod val="75000"/>
+            <a:lumOff val="25000"/>
+          </a:schemeClr>
+        </a:solidFill>
+        <a:effectLst/>
+      </p:bgPr>
+    </p:bg>
+    <p:spTree>
+      <p:nvGrpSpPr>
+        <p:cNvPr id="1" name="">
+          <a:extLst>
+            <a:ext uri="{FF2B5EF4-FFF2-40B4-BE49-F238E27FC236}">
               <a16:creationId xmlns:a16="http://schemas.microsoft.com/office/drawing/2014/main" id="{E1A36752-F087-CE84-B270-39C27968531E}"/>
             </a:ext>
           </a:extLst>
@@ -4962,6 +5695,811 @@
         <p:cNvPr id="1" name="">
           <a:extLst>
             <a:ext uri="{FF2B5EF4-FFF2-40B4-BE49-F238E27FC236}">
+              <a16:creationId xmlns:a16="http://schemas.microsoft.com/office/drawing/2014/main" id="{54CB44D9-D9ED-990B-0841-2022787EA598}"/>
+            </a:ext>
+          </a:extLst>
+        </p:cNvPr>
+        <p:cNvGrpSpPr/>
+        <p:nvPr/>
+      </p:nvGrpSpPr>
+      <p:grpSpPr>
+        <a:xfrm>
+          <a:off x="0" y="0"/>
+          <a:ext cx="0" cy="0"/>
+          <a:chOff x="0" y="0"/>
+          <a:chExt cx="0" cy="0"/>
+        </a:xfrm>
+      </p:grpSpPr>
+      <p:sp>
+        <p:nvSpPr>
+          <p:cNvPr id="4" name="Rectangle: Rounded Corners 3">
+            <a:extLst>
+              <a:ext uri="{FF2B5EF4-FFF2-40B4-BE49-F238E27FC236}">
+                <a16:creationId xmlns:a16="http://schemas.microsoft.com/office/drawing/2014/main" id="{6A019430-C54F-5FEA-58A8-9B63B405AE39}"/>
+              </a:ext>
+            </a:extLst>
+          </p:cNvPr>
+          <p:cNvSpPr/>
+          <p:nvPr/>
+        </p:nvSpPr>
+        <p:spPr>
+          <a:xfrm>
+            <a:off x="177209" y="217967"/>
+            <a:ext cx="11837581" cy="6422065"/>
+          </a:xfrm>
+          <a:prstGeom prst="roundRect">
+            <a:avLst>
+              <a:gd name="adj" fmla="val 3653"/>
+            </a:avLst>
+          </a:prstGeom>
+          <a:blipFill dpi="0" rotWithShape="1">
+            <a:blip r:embed="rId2">
+              <a:alphaModFix amt="19000"/>
+            </a:blip>
+            <a:srcRect/>
+            <a:stretch>
+              <a:fillRect/>
+            </a:stretch>
+          </a:blipFill>
+          <a:ln>
+            <a:gradFill>
+              <a:gsLst>
+                <a:gs pos="0">
+                  <a:schemeClr val="bg1">
+                    <a:alpha val="80000"/>
+                  </a:schemeClr>
+                </a:gs>
+                <a:gs pos="100000">
+                  <a:schemeClr val="bg1">
+                    <a:alpha val="20000"/>
+                  </a:schemeClr>
+                </a:gs>
+              </a:gsLst>
+              <a:lin ang="5400000" scaled="1"/>
+            </a:gradFill>
+          </a:ln>
+        </p:spPr>
+        <p:style>
+          <a:lnRef idx="2">
+            <a:schemeClr val="accent1">
+              <a:shade val="15000"/>
+            </a:schemeClr>
+          </a:lnRef>
+          <a:fillRef idx="1">
+            <a:schemeClr val="accent1"/>
+          </a:fillRef>
+          <a:effectRef idx="0">
+            <a:schemeClr val="accent1"/>
+          </a:effectRef>
+          <a:fontRef idx="minor">
+            <a:schemeClr val="lt1"/>
+          </a:fontRef>
+        </p:style>
+        <p:txBody>
+          <a:bodyPr rtlCol="0" anchor="ctr"/>
+          <a:lstStyle/>
+          <a:p>
+            <a:pPr algn="ctr"/>
+            <a:endParaRPr lang="en-US">
+              <a:solidFill>
+                <a:schemeClr val="tx1">
+                  <a:lumMod val="50000"/>
+                  <a:lumOff val="50000"/>
+                </a:schemeClr>
+              </a:solidFill>
+            </a:endParaRPr>
+          </a:p>
+        </p:txBody>
+      </p:sp>
+      <p:sp>
+        <p:nvSpPr>
+          <p:cNvPr id="5" name="Rectangle: Rounded Corners 4">
+            <a:extLst>
+              <a:ext uri="{FF2B5EF4-FFF2-40B4-BE49-F238E27FC236}">
+                <a16:creationId xmlns:a16="http://schemas.microsoft.com/office/drawing/2014/main" id="{C09767D1-4364-DDA0-81DD-85B106FD7B23}"/>
+              </a:ext>
+            </a:extLst>
+          </p:cNvPr>
+          <p:cNvSpPr/>
+          <p:nvPr/>
+        </p:nvSpPr>
+        <p:spPr>
+          <a:xfrm>
+            <a:off x="350874" y="304140"/>
+            <a:ext cx="11490250" cy="818706"/>
+          </a:xfrm>
+          <a:prstGeom prst="roundRect">
+            <a:avLst>
+              <a:gd name="adj" fmla="val 30926"/>
+            </a:avLst>
+          </a:prstGeom>
+          <a:gradFill>
+            <a:gsLst>
+              <a:gs pos="81000">
+                <a:schemeClr val="tx1"/>
+              </a:gs>
+              <a:gs pos="16000">
+                <a:schemeClr val="tx1"/>
+              </a:gs>
+            </a:gsLst>
+            <a:lin ang="5400000" scaled="1"/>
+          </a:gradFill>
+          <a:ln>
+            <a:gradFill>
+              <a:gsLst>
+                <a:gs pos="0">
+                  <a:schemeClr val="bg1">
+                    <a:alpha val="80000"/>
+                  </a:schemeClr>
+                </a:gs>
+                <a:gs pos="100000">
+                  <a:schemeClr val="bg1">
+                    <a:alpha val="20000"/>
+                  </a:schemeClr>
+                </a:gs>
+              </a:gsLst>
+              <a:lin ang="5400000" scaled="1"/>
+            </a:gradFill>
+          </a:ln>
+        </p:spPr>
+        <p:style>
+          <a:lnRef idx="2">
+            <a:schemeClr val="accent1">
+              <a:shade val="15000"/>
+            </a:schemeClr>
+          </a:lnRef>
+          <a:fillRef idx="1">
+            <a:schemeClr val="accent1"/>
+          </a:fillRef>
+          <a:effectRef idx="0">
+            <a:schemeClr val="accent1"/>
+          </a:effectRef>
+          <a:fontRef idx="minor">
+            <a:schemeClr val="lt1"/>
+          </a:fontRef>
+        </p:style>
+        <p:txBody>
+          <a:bodyPr rtlCol="0" anchor="ctr"/>
+          <a:lstStyle/>
+          <a:p>
+            <a:pPr algn="ctr"/>
+            <a:endParaRPr lang="en-US"/>
+          </a:p>
+        </p:txBody>
+      </p:sp>
+      <p:pic>
+        <p:nvPicPr>
+          <p:cNvPr id="13" name="Picture 2" descr="About Netflix - Ressources de la société">
+            <a:extLst>
+              <a:ext uri="{FF2B5EF4-FFF2-40B4-BE49-F238E27FC236}">
+                <a16:creationId xmlns:a16="http://schemas.microsoft.com/office/drawing/2014/main" id="{646BDFDF-E97F-5081-C1A6-8D459C244BCD}"/>
+              </a:ext>
+            </a:extLst>
+          </p:cNvPr>
+          <p:cNvPicPr>
+            <a:picLocks noChangeAspect="1" noChangeArrowheads="1"/>
+          </p:cNvPicPr>
+          <p:nvPr/>
+        </p:nvPicPr>
+        <p:blipFill>
+          <a:blip r:embed="rId3">
+            <a:extLst>
+              <a:ext uri="{28A0092B-C50C-407E-A947-70E740481C1C}">
+                <a14:useLocalDpi xmlns:a14="http://schemas.microsoft.com/office/drawing/2010/main" val="0"/>
+              </a:ext>
+            </a:extLst>
+          </a:blip>
+          <a:srcRect/>
+          <a:stretch>
+            <a:fillRect/>
+          </a:stretch>
+        </p:blipFill>
+        <p:spPr bwMode="auto">
+          <a:xfrm>
+            <a:off x="451882" y="414675"/>
+            <a:ext cx="597635" cy="597635"/>
+          </a:xfrm>
+          <a:prstGeom prst="rect">
+            <a:avLst/>
+          </a:prstGeom>
+          <a:noFill/>
+          <a:extLst>
+            <a:ext uri="{909E8E84-426E-40DD-AFC4-6F175D3DCCD1}">
+              <a14:hiddenFill xmlns:a14="http://schemas.microsoft.com/office/drawing/2010/main">
+                <a:solidFill>
+                  <a:srgbClr val="FFFFFF"/>
+                </a:solidFill>
+              </a14:hiddenFill>
+            </a:ext>
+          </a:extLst>
+        </p:spPr>
+      </p:pic>
+      <p:pic>
+        <p:nvPicPr>
+          <p:cNvPr id="14" name="Picture 13">
+            <a:extLst>
+              <a:ext uri="{FF2B5EF4-FFF2-40B4-BE49-F238E27FC236}">
+                <a16:creationId xmlns:a16="http://schemas.microsoft.com/office/drawing/2014/main" id="{D4E56583-B606-F64D-5B6B-AAC2615A9F27}"/>
+              </a:ext>
+            </a:extLst>
+          </p:cNvPr>
+          <p:cNvPicPr>
+            <a:picLocks noChangeAspect="1"/>
+          </p:cNvPicPr>
+          <p:nvPr/>
+        </p:nvPicPr>
+        <p:blipFill>
+          <a:blip r:embed="rId4"/>
+          <a:stretch>
+            <a:fillRect/>
+          </a:stretch>
+        </p:blipFill>
+        <p:spPr>
+          <a:xfrm>
+            <a:off x="924364" y="543692"/>
+            <a:ext cx="597635" cy="339599"/>
+          </a:xfrm>
+          <a:prstGeom prst="rect">
+            <a:avLst/>
+          </a:prstGeom>
+        </p:spPr>
+      </p:pic>
+      <p:sp>
+        <p:nvSpPr>
+          <p:cNvPr id="21" name="Rectangle: Rounded Corners 20">
+            <a:extLst>
+              <a:ext uri="{FF2B5EF4-FFF2-40B4-BE49-F238E27FC236}">
+                <a16:creationId xmlns:a16="http://schemas.microsoft.com/office/drawing/2014/main" id="{BDB3160C-E445-025C-93A4-3E38DCA8531C}"/>
+              </a:ext>
+            </a:extLst>
+          </p:cNvPr>
+          <p:cNvSpPr/>
+          <p:nvPr/>
+        </p:nvSpPr>
+        <p:spPr>
+          <a:xfrm>
+            <a:off x="595426" y="1467655"/>
+            <a:ext cx="11010010" cy="2487759"/>
+          </a:xfrm>
+          <a:prstGeom prst="roundRect">
+            <a:avLst>
+              <a:gd name="adj" fmla="val 16741"/>
+            </a:avLst>
+          </a:prstGeom>
+          <a:gradFill>
+            <a:gsLst>
+              <a:gs pos="81000">
+                <a:schemeClr val="tx1">
+                  <a:alpha val="80000"/>
+                </a:schemeClr>
+              </a:gs>
+              <a:gs pos="16000">
+                <a:schemeClr val="tx1">
+                  <a:alpha val="40000"/>
+                </a:schemeClr>
+              </a:gs>
+            </a:gsLst>
+            <a:lin ang="5400000" scaled="1"/>
+          </a:gradFill>
+          <a:ln>
+            <a:gradFill>
+              <a:gsLst>
+                <a:gs pos="0">
+                  <a:schemeClr val="bg1">
+                    <a:alpha val="80000"/>
+                  </a:schemeClr>
+                </a:gs>
+                <a:gs pos="100000">
+                  <a:schemeClr val="bg1">
+                    <a:alpha val="20000"/>
+                  </a:schemeClr>
+                </a:gs>
+              </a:gsLst>
+              <a:lin ang="5400000" scaled="1"/>
+            </a:gradFill>
+          </a:ln>
+        </p:spPr>
+        <p:style>
+          <a:lnRef idx="2">
+            <a:schemeClr val="accent1">
+              <a:shade val="15000"/>
+            </a:schemeClr>
+          </a:lnRef>
+          <a:fillRef idx="1">
+            <a:schemeClr val="accent1"/>
+          </a:fillRef>
+          <a:effectRef idx="0">
+            <a:schemeClr val="accent1"/>
+          </a:effectRef>
+          <a:fontRef idx="minor">
+            <a:schemeClr val="lt1"/>
+          </a:fontRef>
+        </p:style>
+        <p:txBody>
+          <a:bodyPr rtlCol="0" anchor="ctr"/>
+          <a:lstStyle/>
+          <a:p>
+            <a:pPr algn="ctr"/>
+            <a:endParaRPr lang="en-US"/>
+          </a:p>
+        </p:txBody>
+      </p:sp>
+      <p:sp>
+        <p:nvSpPr>
+          <p:cNvPr id="6" name="TextBox 5">
+            <a:extLst>
+              <a:ext uri="{FF2B5EF4-FFF2-40B4-BE49-F238E27FC236}">
+                <a16:creationId xmlns:a16="http://schemas.microsoft.com/office/drawing/2014/main" id="{FC71B1D0-CB67-F063-FE53-8E19C0FBD536}"/>
+              </a:ext>
+            </a:extLst>
+          </p:cNvPr>
+          <p:cNvSpPr txBox="1"/>
+          <p:nvPr/>
+        </p:nvSpPr>
+        <p:spPr>
+          <a:xfrm>
+            <a:off x="962464" y="1797783"/>
+            <a:ext cx="10267069" cy="1631216"/>
+          </a:xfrm>
+          <a:prstGeom prst="rect">
+            <a:avLst/>
+          </a:prstGeom>
+          <a:noFill/>
+        </p:spPr>
+        <p:txBody>
+          <a:bodyPr wrap="square" rtlCol="0">
+            <a:spAutoFit/>
+          </a:bodyPr>
+          <a:lstStyle/>
+          <a:p>
+            <a:r>
+              <a:rPr lang="en-US" sz="2000" b="1" dirty="0">
+                <a:solidFill>
+                  <a:srgbClr val="FF0000"/>
+                </a:solidFill>
+              </a:rPr>
+              <a:t>Project Description: </a:t>
+            </a:r>
+          </a:p>
+          <a:p>
+            <a:endParaRPr lang="en-US" sz="2000" dirty="0">
+              <a:solidFill>
+                <a:schemeClr val="bg1"/>
+              </a:solidFill>
+            </a:endParaRPr>
+          </a:p>
+          <a:p>
+            <a:pPr marL="342900" indent="-342900">
+              <a:buFont typeface="Arial" panose="020B0604020202020204" pitchFamily="34" charset="0"/>
+              <a:buChar char="•"/>
+            </a:pPr>
+            <a:r>
+              <a:rPr lang="en-US" sz="2000" dirty="0">
+                <a:solidFill>
+                  <a:schemeClr val="bg1"/>
+                </a:solidFill>
+              </a:rPr>
+              <a:t>Based on Netflix data from Kaggle</a:t>
+            </a:r>
+          </a:p>
+          <a:p>
+            <a:pPr marL="342900" indent="-342900">
+              <a:buFont typeface="Arial" panose="020B0604020202020204" pitchFamily="34" charset="0"/>
+              <a:buChar char="•"/>
+            </a:pPr>
+            <a:r>
+              <a:rPr lang="en-US" sz="2000" dirty="0">
+                <a:solidFill>
+                  <a:schemeClr val="bg1"/>
+                </a:solidFill>
+              </a:rPr>
+              <a:t>Built a full pipeline: cleaning → enrichment → visualization</a:t>
+            </a:r>
+          </a:p>
+          <a:p>
+            <a:pPr marL="342900" indent="-342900">
+              <a:buFont typeface="Arial" panose="020B0604020202020204" pitchFamily="34" charset="0"/>
+              <a:buChar char="•"/>
+            </a:pPr>
+            <a:r>
+              <a:rPr lang="en-US" sz="2000" dirty="0">
+                <a:solidFill>
+                  <a:schemeClr val="bg1"/>
+                </a:solidFill>
+              </a:rPr>
+              <a:t>Designed an interactive Power BI dashboard</a:t>
+            </a:r>
+          </a:p>
+        </p:txBody>
+      </p:sp>
+      <p:sp>
+        <p:nvSpPr>
+          <p:cNvPr id="7" name="Rectangle: Rounded Corners 6">
+            <a:extLst>
+              <a:ext uri="{FF2B5EF4-FFF2-40B4-BE49-F238E27FC236}">
+                <a16:creationId xmlns:a16="http://schemas.microsoft.com/office/drawing/2014/main" id="{C7C1A4D7-1D27-1CB4-DC5F-9B6A399435C1}"/>
+              </a:ext>
+            </a:extLst>
+          </p:cNvPr>
+          <p:cNvSpPr/>
+          <p:nvPr/>
+        </p:nvSpPr>
+        <p:spPr>
+          <a:xfrm>
+            <a:off x="595426" y="4306187"/>
+            <a:ext cx="11010010" cy="2124278"/>
+          </a:xfrm>
+          <a:prstGeom prst="roundRect">
+            <a:avLst>
+              <a:gd name="adj" fmla="val 16741"/>
+            </a:avLst>
+          </a:prstGeom>
+          <a:gradFill>
+            <a:gsLst>
+              <a:gs pos="81000">
+                <a:schemeClr val="tx1">
+                  <a:alpha val="80000"/>
+                </a:schemeClr>
+              </a:gs>
+              <a:gs pos="16000">
+                <a:schemeClr val="tx1">
+                  <a:alpha val="40000"/>
+                </a:schemeClr>
+              </a:gs>
+            </a:gsLst>
+            <a:lin ang="5400000" scaled="1"/>
+          </a:gradFill>
+          <a:ln>
+            <a:gradFill>
+              <a:gsLst>
+                <a:gs pos="0">
+                  <a:schemeClr val="bg1">
+                    <a:alpha val="80000"/>
+                  </a:schemeClr>
+                </a:gs>
+                <a:gs pos="100000">
+                  <a:schemeClr val="bg1">
+                    <a:alpha val="20000"/>
+                  </a:schemeClr>
+                </a:gs>
+              </a:gsLst>
+              <a:lin ang="5400000" scaled="1"/>
+            </a:gradFill>
+          </a:ln>
+        </p:spPr>
+        <p:style>
+          <a:lnRef idx="2">
+            <a:schemeClr val="accent1">
+              <a:shade val="15000"/>
+            </a:schemeClr>
+          </a:lnRef>
+          <a:fillRef idx="1">
+            <a:schemeClr val="accent1"/>
+          </a:fillRef>
+          <a:effectRef idx="0">
+            <a:schemeClr val="accent1"/>
+          </a:effectRef>
+          <a:fontRef idx="minor">
+            <a:schemeClr val="lt1"/>
+          </a:fontRef>
+        </p:style>
+        <p:txBody>
+          <a:bodyPr rtlCol="0" anchor="ctr"/>
+          <a:lstStyle/>
+          <a:p>
+            <a:pPr algn="ctr"/>
+            <a:endParaRPr lang="en-US"/>
+          </a:p>
+        </p:txBody>
+      </p:sp>
+      <p:sp>
+        <p:nvSpPr>
+          <p:cNvPr id="9" name="TextBox 8">
+            <a:extLst>
+              <a:ext uri="{FF2B5EF4-FFF2-40B4-BE49-F238E27FC236}">
+                <a16:creationId xmlns:a16="http://schemas.microsoft.com/office/drawing/2014/main" id="{C5C63D6D-B1A4-E9BA-A581-2B940DADCAE1}"/>
+              </a:ext>
+            </a:extLst>
+          </p:cNvPr>
+          <p:cNvSpPr txBox="1"/>
+          <p:nvPr/>
+        </p:nvSpPr>
+        <p:spPr>
+          <a:xfrm>
+            <a:off x="924364" y="4456416"/>
+            <a:ext cx="10267069" cy="1631216"/>
+          </a:xfrm>
+          <a:prstGeom prst="rect">
+            <a:avLst/>
+          </a:prstGeom>
+          <a:noFill/>
+        </p:spPr>
+        <p:txBody>
+          <a:bodyPr wrap="square" rtlCol="0">
+            <a:spAutoFit/>
+          </a:bodyPr>
+          <a:lstStyle/>
+          <a:p>
+            <a:r>
+              <a:rPr lang="en-US" sz="2000" b="1" dirty="0">
+                <a:solidFill>
+                  <a:srgbClr val="FF0000"/>
+                </a:solidFill>
+              </a:rPr>
+              <a:t>Problem / Need: </a:t>
+            </a:r>
+          </a:p>
+          <a:p>
+            <a:endParaRPr lang="en-US" sz="2000" b="1" dirty="0">
+              <a:solidFill>
+                <a:srgbClr val="FF0000"/>
+              </a:solidFill>
+            </a:endParaRPr>
+          </a:p>
+          <a:p>
+            <a:pPr marL="342900" indent="-342900">
+              <a:buFont typeface="Arial" panose="020B0604020202020204" pitchFamily="34" charset="0"/>
+              <a:buChar char="•"/>
+            </a:pPr>
+            <a:r>
+              <a:rPr lang="en-US" sz="2000" dirty="0">
+                <a:solidFill>
+                  <a:schemeClr val="bg1"/>
+                </a:solidFill>
+              </a:rPr>
+              <a:t>Netflix’s catalog is large and diverse (genres, countries, formats)</a:t>
+            </a:r>
+          </a:p>
+          <a:p>
+            <a:pPr marL="342900" indent="-342900">
+              <a:buFont typeface="Arial" panose="020B0604020202020204" pitchFamily="34" charset="0"/>
+              <a:buChar char="•"/>
+            </a:pPr>
+            <a:r>
+              <a:rPr lang="en-US" sz="2000" dirty="0">
+                <a:solidFill>
+                  <a:schemeClr val="bg1"/>
+                </a:solidFill>
+              </a:rPr>
+              <a:t>Navigating and analyzing this content at scale can be challenging without proper tools</a:t>
+            </a:r>
+          </a:p>
+          <a:p>
+            <a:pPr marL="342900" indent="-342900">
+              <a:buFont typeface="Arial" panose="020B0604020202020204" pitchFamily="34" charset="0"/>
+              <a:buChar char="•"/>
+            </a:pPr>
+            <a:r>
+              <a:rPr lang="en-US" sz="2000" dirty="0">
+                <a:solidFill>
+                  <a:schemeClr val="bg1"/>
+                </a:solidFill>
+              </a:rPr>
+              <a:t>Need for a clear, visual, and interactive overview</a:t>
+            </a:r>
+          </a:p>
+        </p:txBody>
+      </p:sp>
+      <p:grpSp>
+        <p:nvGrpSpPr>
+          <p:cNvPr id="2" name="Group 1">
+            <a:extLst>
+              <a:ext uri="{FF2B5EF4-FFF2-40B4-BE49-F238E27FC236}">
+                <a16:creationId xmlns:a16="http://schemas.microsoft.com/office/drawing/2014/main" id="{AD00C056-DE1F-08B3-ADED-3A4564BBC260}"/>
+              </a:ext>
+            </a:extLst>
+          </p:cNvPr>
+          <p:cNvGrpSpPr/>
+          <p:nvPr/>
+        </p:nvGrpSpPr>
+        <p:grpSpPr>
+          <a:xfrm>
+            <a:off x="11203169" y="458315"/>
+            <a:ext cx="542260" cy="523542"/>
+            <a:chOff x="11203169" y="458315"/>
+            <a:chExt cx="542260" cy="523542"/>
+          </a:xfrm>
+        </p:grpSpPr>
+        <p:sp>
+          <p:nvSpPr>
+            <p:cNvPr id="3" name="Oval 2">
+              <a:extLst>
+                <a:ext uri="{FF2B5EF4-FFF2-40B4-BE49-F238E27FC236}">
+                  <a16:creationId xmlns:a16="http://schemas.microsoft.com/office/drawing/2014/main" id="{3B8A961F-716D-0EEC-3E06-B8B9CDECE16F}"/>
+                </a:ext>
+              </a:extLst>
+            </p:cNvPr>
+            <p:cNvSpPr/>
+            <p:nvPr/>
+          </p:nvSpPr>
+          <p:spPr>
+            <a:xfrm>
+              <a:off x="11203169" y="458315"/>
+              <a:ext cx="542260" cy="506042"/>
+            </a:xfrm>
+            <a:prstGeom prst="ellipse">
+              <a:avLst/>
+            </a:prstGeom>
+            <a:solidFill>
+              <a:srgbClr val="FF0000"/>
+            </a:solidFill>
+          </p:spPr>
+          <p:style>
+            <a:lnRef idx="2">
+              <a:schemeClr val="accent1">
+                <a:shade val="15000"/>
+              </a:schemeClr>
+            </a:lnRef>
+            <a:fillRef idx="1">
+              <a:schemeClr val="accent1"/>
+            </a:fillRef>
+            <a:effectRef idx="0">
+              <a:schemeClr val="accent1"/>
+            </a:effectRef>
+            <a:fontRef idx="minor">
+              <a:schemeClr val="lt1"/>
+            </a:fontRef>
+          </p:style>
+          <p:txBody>
+            <a:bodyPr rtlCol="0" anchor="ctr"/>
+            <a:lstStyle/>
+            <a:p>
+              <a:pPr algn="ctr"/>
+              <a:endParaRPr lang="en-US">
+                <a:solidFill>
+                  <a:schemeClr val="bg1"/>
+                </a:solidFill>
+              </a:endParaRPr>
+            </a:p>
+          </p:txBody>
+        </p:sp>
+        <p:pic>
+          <p:nvPicPr>
+            <p:cNvPr id="8" name="Picture 2" descr="Developers.Institute (@devtlv) / X">
+              <a:extLst>
+                <a:ext uri="{FF2B5EF4-FFF2-40B4-BE49-F238E27FC236}">
+                  <a16:creationId xmlns:a16="http://schemas.microsoft.com/office/drawing/2014/main" id="{57E2049E-A988-2B27-C7AF-CDF9FB95394B}"/>
+                </a:ext>
+              </a:extLst>
+            </p:cNvPr>
+            <p:cNvPicPr>
+              <a:picLocks noChangeAspect="1" noChangeArrowheads="1"/>
+            </p:cNvPicPr>
+            <p:nvPr/>
+          </p:nvPicPr>
+          <p:blipFill>
+            <a:blip r:embed="rId5">
+              <a:extLst>
+                <a:ext uri="{BEBA8EAE-BF5A-486C-A8C5-ECC9F3942E4B}">
+                  <a14:imgProps xmlns:a14="http://schemas.microsoft.com/office/drawing/2010/main">
+                    <a14:imgLayer r:embed="rId6">
+                      <a14:imgEffect>
+                        <a14:backgroundRemoval t="10000" b="90000" l="10000" r="90000"/>
+                      </a14:imgEffect>
+                    </a14:imgLayer>
+                  </a14:imgProps>
+                </a:ext>
+                <a:ext uri="{28A0092B-C50C-407E-A947-70E740481C1C}">
+                  <a14:useLocalDpi xmlns:a14="http://schemas.microsoft.com/office/drawing/2010/main" val="0"/>
+                </a:ext>
+              </a:extLst>
+            </a:blip>
+            <a:srcRect/>
+            <a:stretch>
+              <a:fillRect/>
+            </a:stretch>
+          </p:blipFill>
+          <p:spPr bwMode="auto">
+            <a:xfrm>
+              <a:off x="11233487" y="500233"/>
+              <a:ext cx="481624" cy="481624"/>
+            </a:xfrm>
+            <a:prstGeom prst="rect">
+              <a:avLst/>
+            </a:prstGeom>
+            <a:noFill/>
+            <a:extLst>
+              <a:ext uri="{909E8E84-426E-40DD-AFC4-6F175D3DCCD1}">
+                <a14:hiddenFill xmlns:a14="http://schemas.microsoft.com/office/drawing/2010/main">
+                  <a:solidFill>
+                    <a:srgbClr val="FFFFFF"/>
+                  </a:solidFill>
+                </a14:hiddenFill>
+              </a:ext>
+            </a:extLst>
+          </p:spPr>
+        </p:pic>
+      </p:grpSp>
+      <p:sp>
+        <p:nvSpPr>
+          <p:cNvPr id="10" name="TextBox 9">
+            <a:extLst>
+              <a:ext uri="{FF2B5EF4-FFF2-40B4-BE49-F238E27FC236}">
+                <a16:creationId xmlns:a16="http://schemas.microsoft.com/office/drawing/2014/main" id="{21DF054C-8AB8-EF74-11BF-3ACBDA164C12}"/>
+              </a:ext>
+            </a:extLst>
+          </p:cNvPr>
+          <p:cNvSpPr txBox="1"/>
+          <p:nvPr/>
+        </p:nvSpPr>
+        <p:spPr>
+          <a:xfrm>
+            <a:off x="2635415" y="379582"/>
+            <a:ext cx="7730556" cy="584775"/>
+          </a:xfrm>
+          <a:prstGeom prst="rect">
+            <a:avLst/>
+          </a:prstGeom>
+          <a:noFill/>
+        </p:spPr>
+        <p:txBody>
+          <a:bodyPr wrap="square" rtlCol="0">
+            <a:spAutoFit/>
+          </a:bodyPr>
+          <a:lstStyle/>
+          <a:p>
+            <a:r>
+              <a:rPr lang="fr-FR" sz="3200" dirty="0" err="1">
+                <a:solidFill>
+                  <a:srgbClr val="FF0000"/>
+                </a:solidFill>
+                <a:latin typeface="+mj-lt"/>
+                <a:cs typeface="Calibri" panose="020F0502020204030204" pitchFamily="34" charset="0"/>
+              </a:rPr>
+              <a:t>Behind</a:t>
+            </a:r>
+            <a:r>
+              <a:rPr lang="fr-FR" sz="3200" dirty="0">
+                <a:solidFill>
+                  <a:srgbClr val="FF0000"/>
+                </a:solidFill>
+                <a:latin typeface="+mj-lt"/>
+                <a:cs typeface="Calibri" panose="020F0502020204030204" pitchFamily="34" charset="0"/>
+              </a:rPr>
+              <a:t> the Screens: A Netflix Data Story</a:t>
+            </a:r>
+            <a:endParaRPr lang="en-US" sz="3200" dirty="0">
+              <a:solidFill>
+                <a:srgbClr val="FF0000"/>
+              </a:solidFill>
+              <a:latin typeface="+mj-lt"/>
+              <a:cs typeface="Calibri" panose="020F0502020204030204" pitchFamily="34" charset="0"/>
+            </a:endParaRPr>
+          </a:p>
+        </p:txBody>
+      </p:sp>
+    </p:spTree>
+    <p:extLst>
+      <p:ext uri="{BB962C8B-B14F-4D97-AF65-F5344CB8AC3E}">
+        <p14:creationId xmlns:p14="http://schemas.microsoft.com/office/powerpoint/2010/main" val="2248227854"/>
+      </p:ext>
+    </p:extLst>
+  </p:cSld>
+  <p:clrMapOvr>
+    <a:masterClrMapping/>
+  </p:clrMapOvr>
+</p:sld>
+</file>
+
+<file path=ppt/slides/slide4.xml><?xml version="1.0" encoding="utf-8"?>
+<p:sld xmlns:a="http://schemas.openxmlformats.org/drawingml/2006/main" xmlns:r="http://schemas.openxmlformats.org/officeDocument/2006/relationships" xmlns:p="http://schemas.openxmlformats.org/presentationml/2006/main">
+  <p:cSld>
+    <p:bg>
+      <p:bgPr>
+        <a:solidFill>
+          <a:schemeClr val="tx1">
+            <a:lumMod val="75000"/>
+            <a:lumOff val="25000"/>
+          </a:schemeClr>
+        </a:solidFill>
+        <a:effectLst/>
+      </p:bgPr>
+    </p:bg>
+    <p:spTree>
+      <p:nvGrpSpPr>
+        <p:cNvPr id="1" name="">
+          <a:extLst>
+            <a:ext uri="{FF2B5EF4-FFF2-40B4-BE49-F238E27FC236}">
               <a16:creationId xmlns:a16="http://schemas.microsoft.com/office/drawing/2014/main" id="{536EC7AA-68AD-04A8-2128-998B1D13A629}"/>
             </a:ext>
           </a:extLst>
@@ -5457,7 +6995,7 @@
                   <a:schemeClr val="bg1"/>
                 </a:solidFill>
               </a:rPr>
-              <a:t> ~ 8000 </a:t>
+              <a:t> ~ 8700 </a:t>
             </a:r>
             <a:r>
               <a:rPr lang="fr-FR" sz="2000" dirty="0" err="1">
@@ -5750,7 +7288,7 @@
 </p:sld>
 </file>
 
-<file path=ppt/slides/slide4.xml><?xml version="1.0" encoding="utf-8"?>
+<file path=ppt/slides/slide5.xml><?xml version="1.0" encoding="utf-8"?>
 <p:sld xmlns:a="http://schemas.openxmlformats.org/drawingml/2006/main" xmlns:r="http://schemas.openxmlformats.org/officeDocument/2006/relationships" xmlns:p="http://schemas.openxmlformats.org/presentationml/2006/main">
   <p:cSld>
     <p:bg>
@@ -6601,7 +8139,7 @@
                   <a:schemeClr val="bg1"/>
                 </a:solidFill>
               </a:rPr>
-              <a:t>Insights:</a:t>
+              <a:t>Insight:</a:t>
             </a:r>
           </a:p>
           <a:p>
@@ -6953,7 +8491,7 @@
 </p:sld>
 </file>
 
-<file path=ppt/slides/slide5.xml><?xml version="1.0" encoding="utf-8"?>
+<file path=ppt/slides/slide6.xml><?xml version="1.0" encoding="utf-8"?>
 <p:sld xmlns:a="http://schemas.openxmlformats.org/drawingml/2006/main" xmlns:r="http://schemas.openxmlformats.org/officeDocument/2006/relationships" xmlns:p="http://schemas.openxmlformats.org/presentationml/2006/main">
   <p:cSld>
     <p:bg>
@@ -7781,7 +9319,7 @@
 </p:sld>
 </file>
 
-<file path=ppt/slides/slide6.xml><?xml version="1.0" encoding="utf-8"?>
+<file path=ppt/slides/slide7.xml><?xml version="1.0" encoding="utf-8"?>
 <p:sld xmlns:a="http://schemas.openxmlformats.org/drawingml/2006/main" xmlns:r="http://schemas.openxmlformats.org/officeDocument/2006/relationships" xmlns:p="http://schemas.openxmlformats.org/presentationml/2006/main">
   <p:cSld>
     <p:bg>
@@ -8622,7 +10160,7 @@
 </p:sld>
 </file>
 
-<file path=ppt/slides/slide7.xml><?xml version="1.0" encoding="utf-8"?>
+<file path=ppt/slides/slide8.xml><?xml version="1.0" encoding="utf-8"?>
 <p:sld xmlns:a="http://schemas.openxmlformats.org/drawingml/2006/main" xmlns:r="http://schemas.openxmlformats.org/officeDocument/2006/relationships" xmlns:p="http://schemas.openxmlformats.org/presentationml/2006/main">
   <p:cSld>
     <p:bg>
@@ -9463,7 +11001,7 @@
 </p:sld>
 </file>
 
-<file path=ppt/slides/slide8.xml><?xml version="1.0" encoding="utf-8"?>
+<file path=ppt/slides/slide9.xml><?xml version="1.0" encoding="utf-8"?>
 <p:sld xmlns:a="http://schemas.openxmlformats.org/drawingml/2006/main" xmlns:r="http://schemas.openxmlformats.org/officeDocument/2006/relationships" xmlns:p="http://schemas.openxmlformats.org/presentationml/2006/main">
   <p:cSld>
     <p:bg>
@@ -10263,631 +11801,6 @@
     <p:extLst>
       <p:ext uri="{BB962C8B-B14F-4D97-AF65-F5344CB8AC3E}">
         <p14:creationId xmlns:p14="http://schemas.microsoft.com/office/powerpoint/2010/main" val="495893210"/>
-      </p:ext>
-    </p:extLst>
-  </p:cSld>
-  <p:clrMapOvr>
-    <a:masterClrMapping/>
-  </p:clrMapOvr>
-</p:sld>
-</file>
-
-<file path=ppt/slides/slide9.xml><?xml version="1.0" encoding="utf-8"?>
-<p:sld xmlns:a="http://schemas.openxmlformats.org/drawingml/2006/main" xmlns:r="http://schemas.openxmlformats.org/officeDocument/2006/relationships" xmlns:p="http://schemas.openxmlformats.org/presentationml/2006/main">
-  <p:cSld>
-    <p:bg>
-      <p:bgPr>
-        <a:solidFill>
-          <a:schemeClr val="tx1">
-            <a:lumMod val="75000"/>
-            <a:lumOff val="25000"/>
-          </a:schemeClr>
-        </a:solidFill>
-        <a:effectLst/>
-      </p:bgPr>
-    </p:bg>
-    <p:spTree>
-      <p:nvGrpSpPr>
-        <p:cNvPr id="1" name="">
-          <a:extLst>
-            <a:ext uri="{FF2B5EF4-FFF2-40B4-BE49-F238E27FC236}">
-              <a16:creationId xmlns:a16="http://schemas.microsoft.com/office/drawing/2014/main" id="{83140481-2C4C-E0EE-D0EF-42C466AFD1CC}"/>
-            </a:ext>
-          </a:extLst>
-        </p:cNvPr>
-        <p:cNvGrpSpPr/>
-        <p:nvPr/>
-      </p:nvGrpSpPr>
-      <p:grpSpPr>
-        <a:xfrm>
-          <a:off x="0" y="0"/>
-          <a:ext cx="0" cy="0"/>
-          <a:chOff x="0" y="0"/>
-          <a:chExt cx="0" cy="0"/>
-        </a:xfrm>
-      </p:grpSpPr>
-      <p:sp>
-        <p:nvSpPr>
-          <p:cNvPr id="4" name="Rectangle: Rounded Corners 3">
-            <a:extLst>
-              <a:ext uri="{FF2B5EF4-FFF2-40B4-BE49-F238E27FC236}">
-                <a16:creationId xmlns:a16="http://schemas.microsoft.com/office/drawing/2014/main" id="{593D89C7-7C57-F65D-C4B5-A528E7399B44}"/>
-              </a:ext>
-            </a:extLst>
-          </p:cNvPr>
-          <p:cNvSpPr/>
-          <p:nvPr/>
-        </p:nvSpPr>
-        <p:spPr>
-          <a:xfrm>
-            <a:off x="177209" y="217967"/>
-            <a:ext cx="11837581" cy="6422065"/>
-          </a:xfrm>
-          <a:prstGeom prst="roundRect">
-            <a:avLst>
-              <a:gd name="adj" fmla="val 3653"/>
-            </a:avLst>
-          </a:prstGeom>
-          <a:blipFill dpi="0" rotWithShape="1">
-            <a:blip r:embed="rId2">
-              <a:alphaModFix amt="19000"/>
-            </a:blip>
-            <a:srcRect/>
-            <a:stretch>
-              <a:fillRect/>
-            </a:stretch>
-          </a:blipFill>
-          <a:ln>
-            <a:gradFill>
-              <a:gsLst>
-                <a:gs pos="0">
-                  <a:schemeClr val="bg1">
-                    <a:alpha val="80000"/>
-                  </a:schemeClr>
-                </a:gs>
-                <a:gs pos="100000">
-                  <a:schemeClr val="bg1">
-                    <a:alpha val="20000"/>
-                  </a:schemeClr>
-                </a:gs>
-              </a:gsLst>
-              <a:lin ang="5400000" scaled="1"/>
-            </a:gradFill>
-          </a:ln>
-        </p:spPr>
-        <p:style>
-          <a:lnRef idx="2">
-            <a:schemeClr val="accent1">
-              <a:shade val="15000"/>
-            </a:schemeClr>
-          </a:lnRef>
-          <a:fillRef idx="1">
-            <a:schemeClr val="accent1"/>
-          </a:fillRef>
-          <a:effectRef idx="0">
-            <a:schemeClr val="accent1"/>
-          </a:effectRef>
-          <a:fontRef idx="minor">
-            <a:schemeClr val="lt1"/>
-          </a:fontRef>
-        </p:style>
-        <p:txBody>
-          <a:bodyPr rtlCol="0" anchor="ctr"/>
-          <a:lstStyle/>
-          <a:p>
-            <a:pPr algn="ctr"/>
-            <a:endParaRPr lang="en-US">
-              <a:solidFill>
-                <a:schemeClr val="tx1">
-                  <a:lumMod val="50000"/>
-                  <a:lumOff val="50000"/>
-                </a:schemeClr>
-              </a:solidFill>
-            </a:endParaRPr>
-          </a:p>
-        </p:txBody>
-      </p:sp>
-      <p:sp>
-        <p:nvSpPr>
-          <p:cNvPr id="5" name="Rectangle: Rounded Corners 4">
-            <a:extLst>
-              <a:ext uri="{FF2B5EF4-FFF2-40B4-BE49-F238E27FC236}">
-                <a16:creationId xmlns:a16="http://schemas.microsoft.com/office/drawing/2014/main" id="{5C9F274D-777C-B5F2-56FC-1C5D4CDACC19}"/>
-              </a:ext>
-            </a:extLst>
-          </p:cNvPr>
-          <p:cNvSpPr/>
-          <p:nvPr/>
-        </p:nvSpPr>
-        <p:spPr>
-          <a:xfrm>
-            <a:off x="350874" y="304140"/>
-            <a:ext cx="11490250" cy="818706"/>
-          </a:xfrm>
-          <a:prstGeom prst="roundRect">
-            <a:avLst>
-              <a:gd name="adj" fmla="val 30926"/>
-            </a:avLst>
-          </a:prstGeom>
-          <a:gradFill>
-            <a:gsLst>
-              <a:gs pos="81000">
-                <a:schemeClr val="tx1"/>
-              </a:gs>
-              <a:gs pos="16000">
-                <a:schemeClr val="tx1"/>
-              </a:gs>
-            </a:gsLst>
-            <a:lin ang="5400000" scaled="1"/>
-          </a:gradFill>
-          <a:ln>
-            <a:gradFill>
-              <a:gsLst>
-                <a:gs pos="0">
-                  <a:schemeClr val="bg1">
-                    <a:alpha val="80000"/>
-                  </a:schemeClr>
-                </a:gs>
-                <a:gs pos="100000">
-                  <a:schemeClr val="bg1">
-                    <a:alpha val="20000"/>
-                  </a:schemeClr>
-                </a:gs>
-              </a:gsLst>
-              <a:lin ang="5400000" scaled="1"/>
-            </a:gradFill>
-          </a:ln>
-        </p:spPr>
-        <p:style>
-          <a:lnRef idx="2">
-            <a:schemeClr val="accent1">
-              <a:shade val="15000"/>
-            </a:schemeClr>
-          </a:lnRef>
-          <a:fillRef idx="1">
-            <a:schemeClr val="accent1"/>
-          </a:fillRef>
-          <a:effectRef idx="0">
-            <a:schemeClr val="accent1"/>
-          </a:effectRef>
-          <a:fontRef idx="minor">
-            <a:schemeClr val="lt1"/>
-          </a:fontRef>
-        </p:style>
-        <p:txBody>
-          <a:bodyPr rtlCol="0" anchor="ctr"/>
-          <a:lstStyle/>
-          <a:p>
-            <a:pPr algn="ctr"/>
-            <a:endParaRPr lang="en-US"/>
-          </a:p>
-        </p:txBody>
-      </p:sp>
-      <p:pic>
-        <p:nvPicPr>
-          <p:cNvPr id="13" name="Picture 2" descr="About Netflix - Ressources de la société">
-            <a:extLst>
-              <a:ext uri="{FF2B5EF4-FFF2-40B4-BE49-F238E27FC236}">
-                <a16:creationId xmlns:a16="http://schemas.microsoft.com/office/drawing/2014/main" id="{CC1B0813-6440-ECF1-B540-1E7631CEB8E5}"/>
-              </a:ext>
-            </a:extLst>
-          </p:cNvPr>
-          <p:cNvPicPr>
-            <a:picLocks noChangeAspect="1" noChangeArrowheads="1"/>
-          </p:cNvPicPr>
-          <p:nvPr/>
-        </p:nvPicPr>
-        <p:blipFill>
-          <a:blip r:embed="rId3">
-            <a:extLst>
-              <a:ext uri="{28A0092B-C50C-407E-A947-70E740481C1C}">
-                <a14:useLocalDpi xmlns:a14="http://schemas.microsoft.com/office/drawing/2010/main" val="0"/>
-              </a:ext>
-            </a:extLst>
-          </a:blip>
-          <a:srcRect/>
-          <a:stretch>
-            <a:fillRect/>
-          </a:stretch>
-        </p:blipFill>
-        <p:spPr bwMode="auto">
-          <a:xfrm>
-            <a:off x="451882" y="414675"/>
-            <a:ext cx="597635" cy="597635"/>
-          </a:xfrm>
-          <a:prstGeom prst="rect">
-            <a:avLst/>
-          </a:prstGeom>
-          <a:noFill/>
-          <a:extLst>
-            <a:ext uri="{909E8E84-426E-40DD-AFC4-6F175D3DCCD1}">
-              <a14:hiddenFill xmlns:a14="http://schemas.microsoft.com/office/drawing/2010/main">
-                <a:solidFill>
-                  <a:srgbClr val="FFFFFF"/>
-                </a:solidFill>
-              </a14:hiddenFill>
-            </a:ext>
-          </a:extLst>
-        </p:spPr>
-      </p:pic>
-      <p:pic>
-        <p:nvPicPr>
-          <p:cNvPr id="14" name="Picture 13">
-            <a:extLst>
-              <a:ext uri="{FF2B5EF4-FFF2-40B4-BE49-F238E27FC236}">
-                <a16:creationId xmlns:a16="http://schemas.microsoft.com/office/drawing/2014/main" id="{65E6D5CA-F4CC-B6AE-8107-89AAECC75CE0}"/>
-              </a:ext>
-            </a:extLst>
-          </p:cNvPr>
-          <p:cNvPicPr>
-            <a:picLocks noChangeAspect="1"/>
-          </p:cNvPicPr>
-          <p:nvPr/>
-        </p:nvPicPr>
-        <p:blipFill>
-          <a:blip r:embed="rId4"/>
-          <a:stretch>
-            <a:fillRect/>
-          </a:stretch>
-        </p:blipFill>
-        <p:spPr>
-          <a:xfrm>
-            <a:off x="924364" y="543692"/>
-            <a:ext cx="597635" cy="339599"/>
-          </a:xfrm>
-          <a:prstGeom prst="rect">
-            <a:avLst/>
-          </a:prstGeom>
-        </p:spPr>
-      </p:pic>
-      <p:sp>
-        <p:nvSpPr>
-          <p:cNvPr id="16" name="TextBox 15">
-            <a:extLst>
-              <a:ext uri="{FF2B5EF4-FFF2-40B4-BE49-F238E27FC236}">
-                <a16:creationId xmlns:a16="http://schemas.microsoft.com/office/drawing/2014/main" id="{B32F53D6-69B6-5A96-C0E2-B830ADAEB03F}"/>
-              </a:ext>
-            </a:extLst>
-          </p:cNvPr>
-          <p:cNvSpPr txBox="1"/>
-          <p:nvPr/>
-        </p:nvSpPr>
-        <p:spPr>
-          <a:xfrm>
-            <a:off x="5179960" y="427535"/>
-            <a:ext cx="1832078" cy="584775"/>
-          </a:xfrm>
-          <a:prstGeom prst="rect">
-            <a:avLst/>
-          </a:prstGeom>
-          <a:noFill/>
-        </p:spPr>
-        <p:txBody>
-          <a:bodyPr wrap="square" rtlCol="0">
-            <a:spAutoFit/>
-          </a:bodyPr>
-          <a:lstStyle/>
-          <a:p>
-            <a:r>
-              <a:rPr lang="fr-FR" sz="3200" dirty="0">
-                <a:solidFill>
-                  <a:srgbClr val="FF0000"/>
-                </a:solidFill>
-                <a:latin typeface="+mj-lt"/>
-                <a:cs typeface="Calibri" panose="020F0502020204030204" pitchFamily="34" charset="0"/>
-              </a:rPr>
-              <a:t>Sources</a:t>
-            </a:r>
-            <a:endParaRPr lang="en-US" sz="3200" dirty="0">
-              <a:solidFill>
-                <a:srgbClr val="FF0000"/>
-              </a:solidFill>
-              <a:latin typeface="+mj-lt"/>
-              <a:cs typeface="Calibri" panose="020F0502020204030204" pitchFamily="34" charset="0"/>
-            </a:endParaRPr>
-          </a:p>
-        </p:txBody>
-      </p:sp>
-      <p:sp>
-        <p:nvSpPr>
-          <p:cNvPr id="21" name="Rectangle: Rounded Corners 20">
-            <a:extLst>
-              <a:ext uri="{FF2B5EF4-FFF2-40B4-BE49-F238E27FC236}">
-                <a16:creationId xmlns:a16="http://schemas.microsoft.com/office/drawing/2014/main" id="{182B0015-172E-E41C-42F4-00A0B4120B95}"/>
-              </a:ext>
-            </a:extLst>
-          </p:cNvPr>
-          <p:cNvSpPr/>
-          <p:nvPr/>
-        </p:nvSpPr>
-        <p:spPr>
-          <a:xfrm>
-            <a:off x="595426" y="1573619"/>
-            <a:ext cx="11010010" cy="2743200"/>
-          </a:xfrm>
-          <a:prstGeom prst="roundRect">
-            <a:avLst>
-              <a:gd name="adj" fmla="val 16741"/>
-            </a:avLst>
-          </a:prstGeom>
-          <a:gradFill>
-            <a:gsLst>
-              <a:gs pos="81000">
-                <a:schemeClr val="tx1">
-                  <a:alpha val="80000"/>
-                </a:schemeClr>
-              </a:gs>
-              <a:gs pos="16000">
-                <a:schemeClr val="tx1">
-                  <a:alpha val="40000"/>
-                </a:schemeClr>
-              </a:gs>
-            </a:gsLst>
-            <a:lin ang="5400000" scaled="1"/>
-          </a:gradFill>
-          <a:ln>
-            <a:gradFill>
-              <a:gsLst>
-                <a:gs pos="0">
-                  <a:schemeClr val="bg1">
-                    <a:alpha val="80000"/>
-                  </a:schemeClr>
-                </a:gs>
-                <a:gs pos="100000">
-                  <a:schemeClr val="bg1">
-                    <a:alpha val="20000"/>
-                  </a:schemeClr>
-                </a:gs>
-              </a:gsLst>
-              <a:lin ang="5400000" scaled="1"/>
-            </a:gradFill>
-          </a:ln>
-        </p:spPr>
-        <p:style>
-          <a:lnRef idx="2">
-            <a:schemeClr val="accent1">
-              <a:shade val="15000"/>
-            </a:schemeClr>
-          </a:lnRef>
-          <a:fillRef idx="1">
-            <a:schemeClr val="accent1"/>
-          </a:fillRef>
-          <a:effectRef idx="0">
-            <a:schemeClr val="accent1"/>
-          </a:effectRef>
-          <a:fontRef idx="minor">
-            <a:schemeClr val="lt1"/>
-          </a:fontRef>
-        </p:style>
-        <p:txBody>
-          <a:bodyPr rtlCol="0" anchor="ctr"/>
-          <a:lstStyle/>
-          <a:p>
-            <a:pPr algn="ctr"/>
-            <a:endParaRPr lang="en-US"/>
-          </a:p>
-        </p:txBody>
-      </p:sp>
-      <p:sp>
-        <p:nvSpPr>
-          <p:cNvPr id="3" name="TextBox 2">
-            <a:extLst>
-              <a:ext uri="{FF2B5EF4-FFF2-40B4-BE49-F238E27FC236}">
-                <a16:creationId xmlns:a16="http://schemas.microsoft.com/office/drawing/2014/main" id="{AE9D5A5B-C2AE-B9DB-BA0D-86EBF07681EC}"/>
-              </a:ext>
-            </a:extLst>
-          </p:cNvPr>
-          <p:cNvSpPr txBox="1"/>
-          <p:nvPr/>
-        </p:nvSpPr>
-        <p:spPr>
-          <a:xfrm>
-            <a:off x="924364" y="2105560"/>
-            <a:ext cx="10267069" cy="1508105"/>
-          </a:xfrm>
-          <a:prstGeom prst="rect">
-            <a:avLst/>
-          </a:prstGeom>
-          <a:noFill/>
-        </p:spPr>
-        <p:txBody>
-          <a:bodyPr wrap="square" rtlCol="0">
-            <a:spAutoFit/>
-          </a:bodyPr>
-          <a:lstStyle/>
-          <a:p>
-            <a:pPr marL="285750" indent="-285750">
-              <a:buFont typeface="Arial" panose="020B0604020202020204" pitchFamily="34" charset="0"/>
-              <a:buChar char="•"/>
-            </a:pPr>
-            <a:r>
-              <a:rPr lang="en-US" sz="2000" dirty="0">
-                <a:solidFill>
-                  <a:schemeClr val="bg1"/>
-                </a:solidFill>
-                <a:hlinkClick r:id="rId5"/>
-              </a:rPr>
-              <a:t>Kaggle</a:t>
-            </a:r>
-          </a:p>
-          <a:p>
-            <a:pPr marL="285750" indent="-285750">
-              <a:buFont typeface="Arial" panose="020B0604020202020204" pitchFamily="34" charset="0"/>
-              <a:buChar char="•"/>
-            </a:pPr>
-            <a:r>
-              <a:rPr lang="en-US" sz="2000" dirty="0">
-                <a:solidFill>
-                  <a:schemeClr val="bg1"/>
-                </a:solidFill>
-                <a:hlinkClick r:id="rId5"/>
-              </a:rPr>
-              <a:t>ChatGPT</a:t>
-            </a:r>
-          </a:p>
-          <a:p>
-            <a:pPr marL="285750" indent="-285750">
-              <a:buFont typeface="Arial" panose="020B0604020202020204" pitchFamily="34" charset="0"/>
-              <a:buChar char="•"/>
-            </a:pPr>
-            <a:r>
-              <a:rPr lang="en-US" sz="2000" dirty="0">
-                <a:solidFill>
-                  <a:schemeClr val="bg1"/>
-                </a:solidFill>
-                <a:hlinkClick r:id="rId5"/>
-              </a:rPr>
-              <a:t>YouTube: https://www.youtube.com/watch?v=ZSrVOyKAC4Y&amp;list=PLrHF9RH5-_uuWyV0Ebr7MV_9Qj_4T5t9N&amp;index=29</a:t>
-            </a:r>
-            <a:endParaRPr lang="en-US" sz="2000" dirty="0">
-              <a:solidFill>
-                <a:schemeClr val="bg1"/>
-              </a:solidFill>
-            </a:endParaRPr>
-          </a:p>
-          <a:p>
-            <a:endParaRPr lang="en-US" sz="1200" i="1" dirty="0">
-              <a:solidFill>
-                <a:schemeClr val="bg1"/>
-              </a:solidFill>
-            </a:endParaRPr>
-          </a:p>
-        </p:txBody>
-      </p:sp>
-      <p:grpSp>
-        <p:nvGrpSpPr>
-          <p:cNvPr id="2" name="Group 1">
-            <a:extLst>
-              <a:ext uri="{FF2B5EF4-FFF2-40B4-BE49-F238E27FC236}">
-                <a16:creationId xmlns:a16="http://schemas.microsoft.com/office/drawing/2014/main" id="{0B212E08-F27D-5EAC-4113-1D8ED0FF47EE}"/>
-              </a:ext>
-            </a:extLst>
-          </p:cNvPr>
-          <p:cNvGrpSpPr/>
-          <p:nvPr/>
-        </p:nvGrpSpPr>
-        <p:grpSpPr>
-          <a:xfrm>
-            <a:off x="11203169" y="458315"/>
-            <a:ext cx="542260" cy="523542"/>
-            <a:chOff x="11203169" y="458315"/>
-            <a:chExt cx="542260" cy="523542"/>
-          </a:xfrm>
-        </p:grpSpPr>
-        <p:sp>
-          <p:nvSpPr>
-            <p:cNvPr id="6" name="Oval 5">
-              <a:extLst>
-                <a:ext uri="{FF2B5EF4-FFF2-40B4-BE49-F238E27FC236}">
-                  <a16:creationId xmlns:a16="http://schemas.microsoft.com/office/drawing/2014/main" id="{853FB677-DF3A-7DF0-8D33-0E4C250B74D8}"/>
-                </a:ext>
-              </a:extLst>
-            </p:cNvPr>
-            <p:cNvSpPr/>
-            <p:nvPr/>
-          </p:nvSpPr>
-          <p:spPr>
-            <a:xfrm>
-              <a:off x="11203169" y="458315"/>
-              <a:ext cx="542260" cy="506042"/>
-            </a:xfrm>
-            <a:prstGeom prst="ellipse">
-              <a:avLst/>
-            </a:prstGeom>
-            <a:solidFill>
-              <a:srgbClr val="FF0000"/>
-            </a:solidFill>
-          </p:spPr>
-          <p:style>
-            <a:lnRef idx="2">
-              <a:schemeClr val="accent1">
-                <a:shade val="15000"/>
-              </a:schemeClr>
-            </a:lnRef>
-            <a:fillRef idx="1">
-              <a:schemeClr val="accent1"/>
-            </a:fillRef>
-            <a:effectRef idx="0">
-              <a:schemeClr val="accent1"/>
-            </a:effectRef>
-            <a:fontRef idx="minor">
-              <a:schemeClr val="lt1"/>
-            </a:fontRef>
-          </p:style>
-          <p:txBody>
-            <a:bodyPr rtlCol="0" anchor="ctr"/>
-            <a:lstStyle/>
-            <a:p>
-              <a:pPr algn="ctr"/>
-              <a:endParaRPr lang="en-US">
-                <a:solidFill>
-                  <a:schemeClr val="bg1"/>
-                </a:solidFill>
-              </a:endParaRPr>
-            </a:p>
-          </p:txBody>
-        </p:sp>
-        <p:pic>
-          <p:nvPicPr>
-            <p:cNvPr id="7" name="Picture 2" descr="Developers.Institute (@devtlv) / X">
-              <a:extLst>
-                <a:ext uri="{FF2B5EF4-FFF2-40B4-BE49-F238E27FC236}">
-                  <a16:creationId xmlns:a16="http://schemas.microsoft.com/office/drawing/2014/main" id="{5315C575-B155-BE29-7401-975D9B06BEF2}"/>
-                </a:ext>
-              </a:extLst>
-            </p:cNvPr>
-            <p:cNvPicPr>
-              <a:picLocks noChangeAspect="1" noChangeArrowheads="1"/>
-            </p:cNvPicPr>
-            <p:nvPr/>
-          </p:nvPicPr>
-          <p:blipFill>
-            <a:blip r:embed="rId6">
-              <a:extLst>
-                <a:ext uri="{BEBA8EAE-BF5A-486C-A8C5-ECC9F3942E4B}">
-                  <a14:imgProps xmlns:a14="http://schemas.microsoft.com/office/drawing/2010/main">
-                    <a14:imgLayer r:embed="rId7">
-                      <a14:imgEffect>
-                        <a14:backgroundRemoval t="10000" b="90000" l="10000" r="90000"/>
-                      </a14:imgEffect>
-                    </a14:imgLayer>
-                  </a14:imgProps>
-                </a:ext>
-                <a:ext uri="{28A0092B-C50C-407E-A947-70E740481C1C}">
-                  <a14:useLocalDpi xmlns:a14="http://schemas.microsoft.com/office/drawing/2010/main" val="0"/>
-                </a:ext>
-              </a:extLst>
-            </a:blip>
-            <a:srcRect/>
-            <a:stretch>
-              <a:fillRect/>
-            </a:stretch>
-          </p:blipFill>
-          <p:spPr bwMode="auto">
-            <a:xfrm>
-              <a:off x="11233487" y="500233"/>
-              <a:ext cx="481624" cy="481624"/>
-            </a:xfrm>
-            <a:prstGeom prst="rect">
-              <a:avLst/>
-            </a:prstGeom>
-            <a:noFill/>
-            <a:extLst>
-              <a:ext uri="{909E8E84-426E-40DD-AFC4-6F175D3DCCD1}">
-                <a14:hiddenFill xmlns:a14="http://schemas.microsoft.com/office/drawing/2010/main">
-                  <a:solidFill>
-                    <a:srgbClr val="FFFFFF"/>
-                  </a:solidFill>
-                </a14:hiddenFill>
-              </a:ext>
-            </a:extLst>
-          </p:spPr>
-        </p:pic>
-      </p:grpSp>
-    </p:spTree>
-    <p:extLst>
-      <p:ext uri="{BB962C8B-B14F-4D97-AF65-F5344CB8AC3E}">
-        <p14:creationId xmlns:p14="http://schemas.microsoft.com/office/powerpoint/2010/main" val="1033504488"/>
       </p:ext>
     </p:extLst>
   </p:cSld>

--- a/6_presentation/Presentation/Presentation.pptx
+++ b/6_presentation/Presentation/Presentation.pptx
@@ -4703,22 +4703,7 @@
                   </a:extLst>
                 </a:hlinkClick>
               </a:rPr>
-              <a:t>YouTube</a:t>
-            </a:r>
-            <a:r>
-              <a:rPr lang="en-US" sz="2000" dirty="0">
-                <a:solidFill>
-                  <a:srgbClr val="C00000"/>
-                </a:solidFill>
-                <a:hlinkClick r:id="rId5">
-                  <a:extLst>
-                    <a:ext uri="{A12FA001-AC4F-418D-AE19-62706E023703}">
-                      <ahyp:hlinkClr xmlns:ahyp="http://schemas.microsoft.com/office/drawing/2018/hyperlinkcolor" val="tx"/>
-                    </a:ext>
-                  </a:extLst>
-                </a:hlinkClick>
-              </a:rPr>
-              <a:t> </a:t>
+              <a:t>YouTube </a:t>
             </a:r>
           </a:p>
           <a:p>
@@ -4875,7 +4860,7 @@
         <p:spPr>
           <a:xfrm>
             <a:off x="586564" y="2779662"/>
-            <a:ext cx="11010010" cy="1556991"/>
+            <a:ext cx="11010010" cy="1926166"/>
           </a:xfrm>
           <a:prstGeom prst="roundRect">
             <a:avLst>
@@ -5064,8 +5049,8 @@
         </p:nvSpPr>
         <p:spPr>
           <a:xfrm>
-            <a:off x="1145218" y="3029022"/>
-            <a:ext cx="10267069" cy="1508105"/>
+            <a:off x="1094068" y="3035079"/>
+            <a:ext cx="10267069" cy="1815882"/>
           </a:xfrm>
           <a:prstGeom prst="rect">
             <a:avLst/>
@@ -5167,6 +5152,32 @@
               <a:buFont typeface="Arial" panose="020B0604020202020204" pitchFamily="34" charset="0"/>
               <a:buChar char="•"/>
             </a:pPr>
+            <a:r>
+              <a:rPr lang="en-US" sz="2000" dirty="0">
+                <a:solidFill>
+                  <a:srgbClr val="C00000"/>
+                </a:solidFill>
+                <a:hlinkClick r:id="rId12">
+                  <a:extLst>
+                    <a:ext uri="{A12FA001-AC4F-418D-AE19-62706E023703}">
+                      <ahyp:hlinkClr xmlns:ahyp="http://schemas.microsoft.com/office/drawing/2018/hyperlinkcolor" val="tx"/>
+                    </a:ext>
+                  </a:extLst>
+                </a:hlinkClick>
+              </a:rPr>
+              <a:t>2mn Video</a:t>
+            </a:r>
+            <a:endParaRPr lang="en-US" sz="2000" dirty="0">
+              <a:solidFill>
+                <a:srgbClr val="C00000"/>
+              </a:solidFill>
+            </a:endParaRPr>
+          </a:p>
+          <a:p>
+            <a:pPr marL="285750" indent="-285750">
+              <a:buFont typeface="Arial" panose="020B0604020202020204" pitchFamily="34" charset="0"/>
+              <a:buChar char="•"/>
+            </a:pPr>
             <a:endParaRPr lang="en-US" sz="2000" dirty="0">
               <a:solidFill>
                 <a:schemeClr val="bg1"/>
@@ -5197,7 +5208,7 @@
           <p:nvPr/>
         </p:nvPicPr>
         <p:blipFill>
-          <a:blip r:embed="rId12"/>
+          <a:blip r:embed="rId13"/>
           <a:stretch>
             <a:fillRect/>
           </a:stretch>
@@ -5225,7 +5236,7 @@
           <p:nvPr/>
         </p:nvPicPr>
         <p:blipFill>
-          <a:blip r:embed="rId13"/>
+          <a:blip r:embed="rId14"/>
           <a:srcRect/>
           <a:stretch>
             <a:fillRect/>
@@ -5279,7 +5290,7 @@
                 <a:solidFill>
                   <a:srgbClr val="C00000"/>
                 </a:solidFill>
-                <a:hlinkClick r:id="rId14">
+                <a:hlinkClick r:id="rId15">
                   <a:extLst>
                     <a:ext uri="{A12FA001-AC4F-418D-AE19-62706E023703}">
                       <ahyp:hlinkClr xmlns:ahyp="http://schemas.microsoft.com/office/drawing/2018/hyperlinkcolor" val="tx"/>
@@ -5335,7 +5346,7 @@
           <p:nvPr/>
         </p:nvPicPr>
         <p:blipFill>
-          <a:blip r:embed="rId15"/>
+          <a:blip r:embed="rId16"/>
           <a:srcRect/>
           <a:stretch>
             <a:fillRect/>

--- a/6_presentation/Presentation/Presentation.pptx
+++ b/6_presentation/Presentation/Presentation.pptx
@@ -125,7 +125,7 @@
 <file path=ppt/revisionInfo.xml><?xml version="1.0" encoding="utf-8"?>
 <p1510:revInfo xmlns:a="http://schemas.openxmlformats.org/drawingml/2006/main" xmlns:r="http://schemas.openxmlformats.org/officeDocument/2006/relationships" xmlns:p1510="http://schemas.microsoft.com/office/powerpoint/2015/10/main">
   <p1510:revLst>
-    <p1510:client id="{B0318225-101C-47EE-A6E5-F68351A46129}" v="41" dt="2025-05-10T23:10:41.431"/>
+    <p1510:client id="{B0318225-101C-47EE-A6E5-F68351A46129}" v="44" dt="2025-05-11T03:28:48.999"/>
   </p1510:revLst>
 </p1510:revInfo>
 </file>
@@ -135,7 +135,7 @@
   <pc:docChgLst>
     <pc:chgData name="Shirel Amozieg" userId="ac9ed54efc69b90a" providerId="LiveId" clId="{B0318225-101C-47EE-A6E5-F68351A46129}"/>
     <pc:docChg chg="undo redo custSel addSld delSld modSld sldOrd">
-      <pc:chgData name="Shirel Amozieg" userId="ac9ed54efc69b90a" providerId="LiveId" clId="{B0318225-101C-47EE-A6E5-F68351A46129}" dt="2025-05-11T00:18:39.187" v="378" actId="20577"/>
+      <pc:chgData name="Shirel Amozieg" userId="ac9ed54efc69b90a" providerId="LiveId" clId="{B0318225-101C-47EE-A6E5-F68351A46129}" dt="2025-05-11T03:29:07.640" v="398" actId="1076"/>
       <pc:docMkLst>
         <pc:docMk/>
       </pc:docMkLst>
@@ -342,7 +342,7 @@
         </pc:picChg>
       </pc:sldChg>
       <pc:sldChg chg="addSp delSp modSp mod">
-        <pc:chgData name="Shirel Amozieg" userId="ac9ed54efc69b90a" providerId="LiveId" clId="{B0318225-101C-47EE-A6E5-F68351A46129}" dt="2025-05-10T23:12:29.111" v="377" actId="1076"/>
+        <pc:chgData name="Shirel Amozieg" userId="ac9ed54efc69b90a" providerId="LiveId" clId="{B0318225-101C-47EE-A6E5-F68351A46129}" dt="2025-05-11T03:29:07.640" v="398" actId="1076"/>
         <pc:sldMkLst>
           <pc:docMk/>
           <pc:sldMk cId="1033504488" sldId="266"/>
@@ -372,7 +372,7 @@
           </ac:spMkLst>
         </pc:spChg>
         <pc:spChg chg="add mod">
-          <ac:chgData name="Shirel Amozieg" userId="ac9ed54efc69b90a" providerId="LiveId" clId="{B0318225-101C-47EE-A6E5-F68351A46129}" dt="2025-05-10T23:11:46.722" v="371" actId="14100"/>
+          <ac:chgData name="Shirel Amozieg" userId="ac9ed54efc69b90a" providerId="LiveId" clId="{B0318225-101C-47EE-A6E5-F68351A46129}" dt="2025-05-11T03:28:04.064" v="392" actId="14100"/>
           <ac:spMkLst>
             <pc:docMk/>
             <pc:sldMk cId="1033504488" sldId="266"/>
@@ -396,7 +396,7 @@
           </ac:spMkLst>
         </pc:spChg>
         <pc:spChg chg="add mod">
-          <ac:chgData name="Shirel Amozieg" userId="ac9ed54efc69b90a" providerId="LiveId" clId="{B0318225-101C-47EE-A6E5-F68351A46129}" dt="2025-05-10T23:12:18.836" v="375" actId="1076"/>
+          <ac:chgData name="Shirel Amozieg" userId="ac9ed54efc69b90a" providerId="LiveId" clId="{B0318225-101C-47EE-A6E5-F68351A46129}" dt="2025-05-11T03:25:49.116" v="384" actId="207"/>
           <ac:spMkLst>
             <pc:docMk/>
             <pc:sldMk cId="1033504488" sldId="266"/>
@@ -412,7 +412,7 @@
           </ac:spMkLst>
         </pc:spChg>
         <pc:spChg chg="mod">
-          <ac:chgData name="Shirel Amozieg" userId="ac9ed54efc69b90a" providerId="LiveId" clId="{B0318225-101C-47EE-A6E5-F68351A46129}" dt="2025-05-10T23:03:44.523" v="324" actId="1076"/>
+          <ac:chgData name="Shirel Amozieg" userId="ac9ed54efc69b90a" providerId="LiveId" clId="{B0318225-101C-47EE-A6E5-F68351A46129}" dt="2025-05-11T03:27:53.646" v="391" actId="14100"/>
           <ac:spMkLst>
             <pc:docMk/>
             <pc:sldMk cId="1033504488" sldId="266"/>
@@ -420,7 +420,7 @@
           </ac:spMkLst>
         </pc:spChg>
         <pc:spChg chg="add mod">
-          <ac:chgData name="Shirel Amozieg" userId="ac9ed54efc69b90a" providerId="LiveId" clId="{B0318225-101C-47EE-A6E5-F68351A46129}" dt="2025-05-10T23:11:55.323" v="372" actId="1076"/>
+          <ac:chgData name="Shirel Amozieg" userId="ac9ed54efc69b90a" providerId="LiveId" clId="{B0318225-101C-47EE-A6E5-F68351A46129}" dt="2025-05-11T03:28:54.630" v="396" actId="207"/>
           <ac:spMkLst>
             <pc:docMk/>
             <pc:sldMk cId="1033504488" sldId="266"/>
@@ -460,7 +460,7 @@
           </ac:picMkLst>
         </pc:picChg>
         <pc:picChg chg="add mod">
-          <ac:chgData name="Shirel Amozieg" userId="ac9ed54efc69b90a" providerId="LiveId" clId="{B0318225-101C-47EE-A6E5-F68351A46129}" dt="2025-05-10T23:12:22.814" v="376" actId="1076"/>
+          <ac:chgData name="Shirel Amozieg" userId="ac9ed54efc69b90a" providerId="LiveId" clId="{B0318225-101C-47EE-A6E5-F68351A46129}" dt="2025-05-11T03:24:49.415" v="380" actId="1076"/>
           <ac:picMkLst>
             <pc:docMk/>
             <pc:sldMk cId="1033504488" sldId="266"/>
@@ -468,7 +468,7 @@
           </ac:picMkLst>
         </pc:picChg>
         <pc:picChg chg="add mod">
-          <ac:chgData name="Shirel Amozieg" userId="ac9ed54efc69b90a" providerId="LiveId" clId="{B0318225-101C-47EE-A6E5-F68351A46129}" dt="2025-05-10T23:12:03.761" v="373" actId="1076"/>
+          <ac:chgData name="Shirel Amozieg" userId="ac9ed54efc69b90a" providerId="LiveId" clId="{B0318225-101C-47EE-A6E5-F68351A46129}" dt="2025-05-11T03:29:07.640" v="398" actId="1076"/>
           <ac:picMkLst>
             <pc:docMk/>
             <pc:sldMk cId="1033504488" sldId="266"/>
@@ -4593,7 +4593,7 @@
         <p:spPr>
           <a:xfrm>
             <a:off x="590994" y="1383978"/>
-            <a:ext cx="11010010" cy="1137370"/>
+            <a:ext cx="11010010" cy="806375"/>
           </a:xfrm>
           <a:prstGeom prst="roundRect">
             <a:avLst>
@@ -4939,8 +4939,8 @@
         </p:nvSpPr>
         <p:spPr>
           <a:xfrm>
-            <a:off x="595426" y="5100917"/>
-            <a:ext cx="11010010" cy="1129762"/>
+            <a:off x="595426" y="5100916"/>
+            <a:ext cx="11010010" cy="1213391"/>
           </a:xfrm>
           <a:prstGeom prst="roundRect">
             <a:avLst>
@@ -5080,19 +5080,12 @@
                   </a:extLst>
                 </a:hlinkClick>
               </a:rPr>
-              <a:t>GitHub</a:t>
+              <a:t>GitHub Project</a:t>
             </a:r>
             <a:endParaRPr lang="en-US" sz="2000" dirty="0">
               <a:solidFill>
-                <a:srgbClr val="467886"/>
+                <a:srgbClr val="C00000"/>
               </a:solidFill>
-              <a:hlinkClick r:id="rId10" tooltip="GitHub">
-                <a:extLst>
-                  <a:ext uri="{A12FA001-AC4F-418D-AE19-62706E023703}">
-                    <ahyp:hlinkClr xmlns:ahyp="http://schemas.microsoft.com/office/drawing/2018/hyperlinkcolor" val="tx"/>
-                  </a:ext>
-                </a:extLst>
-              </a:hlinkClick>
             </a:endParaRPr>
           </a:p>
           <a:p>
@@ -5105,7 +5098,7 @@
                 <a:solidFill>
                   <a:srgbClr val="C00000"/>
                 </a:solidFill>
-                <a:hlinkClick r:id="rId10" tooltip="GitHub">
+                <a:hlinkClick r:id="rId10">
                   <a:extLst>
                     <a:ext uri="{A12FA001-AC4F-418D-AE19-62706E023703}">
                       <ahyp:hlinkClr xmlns:ahyp="http://schemas.microsoft.com/office/drawing/2018/hyperlinkcolor" val="tx"/>
@@ -5113,7 +5106,7 @@
                   </a:extLst>
                 </a:hlinkClick>
               </a:rPr>
-              <a:t>GitHub Project</a:t>
+              <a:t>Deployed Link</a:t>
             </a:r>
             <a:endParaRPr lang="en-US" sz="2000" dirty="0">
               <a:solidFill>
@@ -5244,7 +5237,7 @@
         </p:blipFill>
         <p:spPr>
           <a:xfrm>
-            <a:off x="830863" y="3662250"/>
+            <a:off x="830863" y="3406328"/>
             <a:ext cx="314355" cy="323565"/>
           </a:xfrm>
           <a:prstGeom prst="rect">
@@ -5267,8 +5260,8 @@
         </p:nvSpPr>
         <p:spPr>
           <a:xfrm>
-            <a:off x="1065487" y="5386373"/>
-            <a:ext cx="10267069" cy="892552"/>
+            <a:off x="1145218" y="5230136"/>
+            <a:ext cx="10267069" cy="1508105"/>
           </a:xfrm>
           <a:prstGeom prst="rect">
             <a:avLst/>
@@ -5299,6 +5292,58 @@
                 </a:hlinkClick>
               </a:rPr>
               <a:t>Linkedin</a:t>
+            </a:r>
+            <a:endParaRPr lang="en-US" sz="2000" dirty="0">
+              <a:solidFill>
+                <a:srgbClr val="C00000"/>
+              </a:solidFill>
+            </a:endParaRPr>
+          </a:p>
+          <a:p>
+            <a:pPr marL="285750" indent="-285750">
+              <a:buFont typeface="Arial" panose="020B0604020202020204" pitchFamily="34" charset="0"/>
+              <a:buChar char="•"/>
+            </a:pPr>
+            <a:r>
+              <a:rPr lang="en-US" sz="2000" dirty="0">
+                <a:solidFill>
+                  <a:srgbClr val="C00000"/>
+                </a:solidFill>
+                <a:hlinkClick r:id="rId16">
+                  <a:extLst>
+                    <a:ext uri="{A12FA001-AC4F-418D-AE19-62706E023703}">
+                      <ahyp:hlinkClr xmlns:ahyp="http://schemas.microsoft.com/office/drawing/2018/hyperlinkcolor" val="tx"/>
+                    </a:ext>
+                  </a:extLst>
+                </a:hlinkClick>
+              </a:rPr>
+              <a:t>CV Link</a:t>
+            </a:r>
+            <a:endParaRPr lang="en-US" sz="2000" dirty="0">
+              <a:solidFill>
+                <a:srgbClr val="C00000"/>
+              </a:solidFill>
+            </a:endParaRPr>
+          </a:p>
+          <a:p>
+            <a:pPr marL="285750" indent="-285750">
+              <a:buFont typeface="Arial" panose="020B0604020202020204" pitchFamily="34" charset="0"/>
+              <a:buChar char="•"/>
+            </a:pPr>
+            <a:r>
+              <a:rPr lang="en-US" sz="2000" dirty="0">
+                <a:solidFill>
+                  <a:srgbClr val="C00000"/>
+                </a:solidFill>
+                <a:hlinkClick r:id="rId17">
+                  <a:extLst>
+                    <a:ext uri="{A12FA001-AC4F-418D-AE19-62706E023703}">
+                      <ahyp:hlinkClr xmlns:ahyp="http://schemas.microsoft.com/office/drawing/2018/hyperlinkcolor" val="tx"/>
+                    </a:ext>
+                  </a:extLst>
+                </a:hlinkClick>
+              </a:rPr>
+              <a:t>Job Tracker Link</a:t>
             </a:r>
             <a:endParaRPr lang="en-US" sz="2000" dirty="0">
               <a:solidFill>
@@ -5346,7 +5391,7 @@
           <p:nvPr/>
         </p:nvPicPr>
         <p:blipFill>
-          <a:blip r:embed="rId16"/>
+          <a:blip r:embed="rId18"/>
           <a:srcRect/>
           <a:stretch>
             <a:fillRect/>
@@ -5354,7 +5399,7 @@
         </p:blipFill>
         <p:spPr>
           <a:xfrm>
-            <a:off x="888027" y="5474022"/>
+            <a:off x="877868" y="5295137"/>
             <a:ext cx="200025" cy="190500"/>
           </a:xfrm>
           <a:prstGeom prst="rect">

--- a/6_presentation/Presentation/Presentation.pptx
+++ b/6_presentation/Presentation/Presentation.pptx
@@ -8,14 +8,15 @@
     <p:sldId id="258" r:id="rId2"/>
     <p:sldId id="257" r:id="rId3"/>
     <p:sldId id="268" r:id="rId4"/>
-    <p:sldId id="259" r:id="rId5"/>
-    <p:sldId id="262" r:id="rId6"/>
-    <p:sldId id="263" r:id="rId7"/>
-    <p:sldId id="264" r:id="rId8"/>
-    <p:sldId id="260" r:id="rId9"/>
-    <p:sldId id="265" r:id="rId10"/>
-    <p:sldId id="266" r:id="rId11"/>
-    <p:sldId id="261" r:id="rId12"/>
+    <p:sldId id="269" r:id="rId5"/>
+    <p:sldId id="259" r:id="rId6"/>
+    <p:sldId id="262" r:id="rId7"/>
+    <p:sldId id="263" r:id="rId8"/>
+    <p:sldId id="264" r:id="rId9"/>
+    <p:sldId id="260" r:id="rId10"/>
+    <p:sldId id="265" r:id="rId11"/>
+    <p:sldId id="266" r:id="rId12"/>
+    <p:sldId id="261" r:id="rId13"/>
   </p:sldIdLst>
   <p:sldSz cx="12192000" cy="6858000"/>
   <p:notesSz cx="6858000" cy="9144000"/>
@@ -135,7 +136,7 @@
   <pc:docChgLst>
     <pc:chgData name="Shirel Amozieg" userId="ac9ed54efc69b90a" providerId="LiveId" clId="{B0318225-101C-47EE-A6E5-F68351A46129}"/>
     <pc:docChg chg="undo redo custSel addSld delSld modSld sldOrd">
-      <pc:chgData name="Shirel Amozieg" userId="ac9ed54efc69b90a" providerId="LiveId" clId="{B0318225-101C-47EE-A6E5-F68351A46129}" dt="2025-05-11T03:29:07.640" v="398" actId="1076"/>
+      <pc:chgData name="Shirel Amozieg" userId="ac9ed54efc69b90a" providerId="LiveId" clId="{B0318225-101C-47EE-A6E5-F68351A46129}" dt="2025-05-11T19:01:15.445" v="435" actId="14100"/>
       <pc:docMkLst>
         <pc:docMk/>
       </pc:docMkLst>
@@ -500,13 +501,13 @@
         </pc:picChg>
       </pc:sldChg>
       <pc:sldChg chg="addSp delSp modSp add mod ord">
-        <pc:chgData name="Shirel Amozieg" userId="ac9ed54efc69b90a" providerId="LiveId" clId="{B0318225-101C-47EE-A6E5-F68351A46129}" dt="2025-05-10T22:51:07.295" v="284" actId="1076"/>
+        <pc:chgData name="Shirel Amozieg" userId="ac9ed54efc69b90a" providerId="LiveId" clId="{B0318225-101C-47EE-A6E5-F68351A46129}" dt="2025-05-11T19:01:15.445" v="435" actId="14100"/>
         <pc:sldMkLst>
           <pc:docMk/>
           <pc:sldMk cId="2248227854" sldId="268"/>
         </pc:sldMkLst>
-        <pc:spChg chg="mod">
-          <ac:chgData name="Shirel Amozieg" userId="ac9ed54efc69b90a" providerId="LiveId" clId="{B0318225-101C-47EE-A6E5-F68351A46129}" dt="2025-05-10T22:48:04.573" v="268" actId="1076"/>
+        <pc:spChg chg="del mod">
+          <ac:chgData name="Shirel Amozieg" userId="ac9ed54efc69b90a" providerId="LiveId" clId="{B0318225-101C-47EE-A6E5-F68351A46129}" dt="2025-05-11T18:59:43.638" v="400" actId="478"/>
           <ac:spMkLst>
             <pc:docMk/>
             <pc:sldMk cId="2248227854" sldId="268"/>
@@ -514,7 +515,15 @@
           </ac:spMkLst>
         </pc:spChg>
         <pc:spChg chg="mod">
-          <ac:chgData name="Shirel Amozieg" userId="ac9ed54efc69b90a" providerId="LiveId" clId="{B0318225-101C-47EE-A6E5-F68351A46129}" dt="2025-05-10T22:51:07.295" v="284" actId="1076"/>
+          <ac:chgData name="Shirel Amozieg" userId="ac9ed54efc69b90a" providerId="LiveId" clId="{B0318225-101C-47EE-A6E5-F68351A46129}" dt="2025-05-11T19:00:33.400" v="428" actId="1076"/>
+          <ac:spMkLst>
+            <pc:docMk/>
+            <pc:sldMk cId="2248227854" sldId="268"/>
+            <ac:spMk id="7" creationId="{C7C1A4D7-1D27-1CB4-DC5F-9B6A399435C1}"/>
+          </ac:spMkLst>
+        </pc:spChg>
+        <pc:spChg chg="mod">
+          <ac:chgData name="Shirel Amozieg" userId="ac9ed54efc69b90a" providerId="LiveId" clId="{B0318225-101C-47EE-A6E5-F68351A46129}" dt="2025-05-11T19:00:30.145" v="427" actId="14100"/>
           <ac:spMkLst>
             <pc:docMk/>
             <pc:sldMk cId="2248227854" sldId="268"/>
@@ -522,7 +531,7 @@
           </ac:spMkLst>
         </pc:spChg>
         <pc:spChg chg="add mod">
-          <ac:chgData name="Shirel Amozieg" userId="ac9ed54efc69b90a" providerId="LiveId" clId="{B0318225-101C-47EE-A6E5-F68351A46129}" dt="2025-05-10T22:33:48.379" v="85"/>
+          <ac:chgData name="Shirel Amozieg" userId="ac9ed54efc69b90a" providerId="LiveId" clId="{B0318225-101C-47EE-A6E5-F68351A46129}" dt="2025-05-11T19:01:07.640" v="433" actId="14100"/>
           <ac:spMkLst>
             <pc:docMk/>
             <pc:sldMk cId="2248227854" sldId="268"/>
@@ -537,6 +546,21 @@
             <ac:spMk id="16" creationId="{6533C593-A68B-F59B-7A8B-8611F8D63723}"/>
           </ac:spMkLst>
         </pc:spChg>
+        <pc:spChg chg="mod">
+          <ac:chgData name="Shirel Amozieg" userId="ac9ed54efc69b90a" providerId="LiveId" clId="{B0318225-101C-47EE-A6E5-F68351A46129}" dt="2025-05-11T19:01:15.445" v="435" actId="14100"/>
+          <ac:spMkLst>
+            <pc:docMk/>
+            <pc:sldMk cId="2248227854" sldId="268"/>
+            <ac:spMk id="21" creationId="{BDB3160C-E445-025C-93A4-3E38DCA8531C}"/>
+          </ac:spMkLst>
+        </pc:spChg>
+      </pc:sldChg>
+      <pc:sldChg chg="add">
+        <pc:chgData name="Shirel Amozieg" userId="ac9ed54efc69b90a" providerId="LiveId" clId="{B0318225-101C-47EE-A6E5-F68351A46129}" dt="2025-05-11T18:59:34.915" v="399" actId="2890"/>
+        <pc:sldMkLst>
+          <pc:docMk/>
+          <pc:sldMk cId="2367286301" sldId="269"/>
+        </pc:sldMkLst>
       </pc:sldChg>
     </pc:docChg>
   </pc:docChgLst>
@@ -4281,6 +4305,815 @@
         <p:cNvPr id="1" name="">
           <a:extLst>
             <a:ext uri="{FF2B5EF4-FFF2-40B4-BE49-F238E27FC236}">
+              <a16:creationId xmlns:a16="http://schemas.microsoft.com/office/drawing/2014/main" id="{20497EC4-3B03-07F3-E941-51B86C41FF95}"/>
+            </a:ext>
+          </a:extLst>
+        </p:cNvPr>
+        <p:cNvGrpSpPr/>
+        <p:nvPr/>
+      </p:nvGrpSpPr>
+      <p:grpSpPr>
+        <a:xfrm>
+          <a:off x="0" y="0"/>
+          <a:ext cx="0" cy="0"/>
+          <a:chOff x="0" y="0"/>
+          <a:chExt cx="0" cy="0"/>
+        </a:xfrm>
+      </p:grpSpPr>
+      <p:sp>
+        <p:nvSpPr>
+          <p:cNvPr id="4" name="Rectangle: Rounded Corners 3">
+            <a:extLst>
+              <a:ext uri="{FF2B5EF4-FFF2-40B4-BE49-F238E27FC236}">
+                <a16:creationId xmlns:a16="http://schemas.microsoft.com/office/drawing/2014/main" id="{80514FA0-D741-4D57-2A36-7AD89217A131}"/>
+              </a:ext>
+            </a:extLst>
+          </p:cNvPr>
+          <p:cNvSpPr/>
+          <p:nvPr/>
+        </p:nvSpPr>
+        <p:spPr>
+          <a:xfrm>
+            <a:off x="177209" y="217967"/>
+            <a:ext cx="11837581" cy="6422065"/>
+          </a:xfrm>
+          <a:prstGeom prst="roundRect">
+            <a:avLst>
+              <a:gd name="adj" fmla="val 3653"/>
+            </a:avLst>
+          </a:prstGeom>
+          <a:blipFill dpi="0" rotWithShape="1">
+            <a:blip r:embed="rId2">
+              <a:alphaModFix amt="19000"/>
+            </a:blip>
+            <a:srcRect/>
+            <a:stretch>
+              <a:fillRect/>
+            </a:stretch>
+          </a:blipFill>
+          <a:ln>
+            <a:gradFill>
+              <a:gsLst>
+                <a:gs pos="0">
+                  <a:schemeClr val="bg1">
+                    <a:alpha val="80000"/>
+                  </a:schemeClr>
+                </a:gs>
+                <a:gs pos="100000">
+                  <a:schemeClr val="bg1">
+                    <a:alpha val="20000"/>
+                  </a:schemeClr>
+                </a:gs>
+              </a:gsLst>
+              <a:lin ang="5400000" scaled="1"/>
+            </a:gradFill>
+          </a:ln>
+        </p:spPr>
+        <p:style>
+          <a:lnRef idx="2">
+            <a:schemeClr val="accent1">
+              <a:shade val="15000"/>
+            </a:schemeClr>
+          </a:lnRef>
+          <a:fillRef idx="1">
+            <a:schemeClr val="accent1"/>
+          </a:fillRef>
+          <a:effectRef idx="0">
+            <a:schemeClr val="accent1"/>
+          </a:effectRef>
+          <a:fontRef idx="minor">
+            <a:schemeClr val="lt1"/>
+          </a:fontRef>
+        </p:style>
+        <p:txBody>
+          <a:bodyPr rtlCol="0" anchor="ctr"/>
+          <a:lstStyle/>
+          <a:p>
+            <a:pPr algn="ctr"/>
+            <a:endParaRPr lang="en-US">
+              <a:solidFill>
+                <a:schemeClr val="tx1">
+                  <a:lumMod val="50000"/>
+                  <a:lumOff val="50000"/>
+                </a:schemeClr>
+              </a:solidFill>
+            </a:endParaRPr>
+          </a:p>
+        </p:txBody>
+      </p:sp>
+      <p:sp>
+        <p:nvSpPr>
+          <p:cNvPr id="5" name="Rectangle: Rounded Corners 4">
+            <a:extLst>
+              <a:ext uri="{FF2B5EF4-FFF2-40B4-BE49-F238E27FC236}">
+                <a16:creationId xmlns:a16="http://schemas.microsoft.com/office/drawing/2014/main" id="{1B7972FB-3C35-C67A-38AD-534509FEE5C6}"/>
+              </a:ext>
+            </a:extLst>
+          </p:cNvPr>
+          <p:cNvSpPr/>
+          <p:nvPr/>
+        </p:nvSpPr>
+        <p:spPr>
+          <a:xfrm>
+            <a:off x="350874" y="304140"/>
+            <a:ext cx="11490250" cy="818706"/>
+          </a:xfrm>
+          <a:prstGeom prst="roundRect">
+            <a:avLst>
+              <a:gd name="adj" fmla="val 30926"/>
+            </a:avLst>
+          </a:prstGeom>
+          <a:gradFill>
+            <a:gsLst>
+              <a:gs pos="81000">
+                <a:schemeClr val="tx1"/>
+              </a:gs>
+              <a:gs pos="16000">
+                <a:schemeClr val="tx1"/>
+              </a:gs>
+            </a:gsLst>
+            <a:lin ang="5400000" scaled="1"/>
+          </a:gradFill>
+          <a:ln>
+            <a:gradFill>
+              <a:gsLst>
+                <a:gs pos="0">
+                  <a:schemeClr val="bg1">
+                    <a:alpha val="80000"/>
+                  </a:schemeClr>
+                </a:gs>
+                <a:gs pos="100000">
+                  <a:schemeClr val="bg1">
+                    <a:alpha val="20000"/>
+                  </a:schemeClr>
+                </a:gs>
+              </a:gsLst>
+              <a:lin ang="5400000" scaled="1"/>
+            </a:gradFill>
+          </a:ln>
+        </p:spPr>
+        <p:style>
+          <a:lnRef idx="2">
+            <a:schemeClr val="accent1">
+              <a:shade val="15000"/>
+            </a:schemeClr>
+          </a:lnRef>
+          <a:fillRef idx="1">
+            <a:schemeClr val="accent1"/>
+          </a:fillRef>
+          <a:effectRef idx="0">
+            <a:schemeClr val="accent1"/>
+          </a:effectRef>
+          <a:fontRef idx="minor">
+            <a:schemeClr val="lt1"/>
+          </a:fontRef>
+        </p:style>
+        <p:txBody>
+          <a:bodyPr rtlCol="0" anchor="ctr"/>
+          <a:lstStyle/>
+          <a:p>
+            <a:pPr algn="ctr"/>
+            <a:endParaRPr lang="en-US"/>
+          </a:p>
+        </p:txBody>
+      </p:sp>
+      <p:pic>
+        <p:nvPicPr>
+          <p:cNvPr id="13" name="Picture 2" descr="About Netflix - Ressources de la société">
+            <a:extLst>
+              <a:ext uri="{FF2B5EF4-FFF2-40B4-BE49-F238E27FC236}">
+                <a16:creationId xmlns:a16="http://schemas.microsoft.com/office/drawing/2014/main" id="{984D6F39-2084-2E74-0B6A-51FFFF20B340}"/>
+              </a:ext>
+            </a:extLst>
+          </p:cNvPr>
+          <p:cNvPicPr>
+            <a:picLocks noChangeAspect="1" noChangeArrowheads="1"/>
+          </p:cNvPicPr>
+          <p:nvPr/>
+        </p:nvPicPr>
+        <p:blipFill>
+          <a:blip r:embed="rId3">
+            <a:extLst>
+              <a:ext uri="{28A0092B-C50C-407E-A947-70E740481C1C}">
+                <a14:useLocalDpi xmlns:a14="http://schemas.microsoft.com/office/drawing/2010/main" val="0"/>
+              </a:ext>
+            </a:extLst>
+          </a:blip>
+          <a:srcRect/>
+          <a:stretch>
+            <a:fillRect/>
+          </a:stretch>
+        </p:blipFill>
+        <p:spPr bwMode="auto">
+          <a:xfrm>
+            <a:off x="451882" y="414675"/>
+            <a:ext cx="597635" cy="597635"/>
+          </a:xfrm>
+          <a:prstGeom prst="rect">
+            <a:avLst/>
+          </a:prstGeom>
+          <a:noFill/>
+          <a:extLst>
+            <a:ext uri="{909E8E84-426E-40DD-AFC4-6F175D3DCCD1}">
+              <a14:hiddenFill xmlns:a14="http://schemas.microsoft.com/office/drawing/2010/main">
+                <a:solidFill>
+                  <a:srgbClr val="FFFFFF"/>
+                </a:solidFill>
+              </a14:hiddenFill>
+            </a:ext>
+          </a:extLst>
+        </p:spPr>
+      </p:pic>
+      <p:pic>
+        <p:nvPicPr>
+          <p:cNvPr id="14" name="Picture 13">
+            <a:extLst>
+              <a:ext uri="{FF2B5EF4-FFF2-40B4-BE49-F238E27FC236}">
+                <a16:creationId xmlns:a16="http://schemas.microsoft.com/office/drawing/2014/main" id="{A5C2C46D-8B14-DEA5-4468-DBD74AEE1593}"/>
+              </a:ext>
+            </a:extLst>
+          </p:cNvPr>
+          <p:cNvPicPr>
+            <a:picLocks noChangeAspect="1"/>
+          </p:cNvPicPr>
+          <p:nvPr/>
+        </p:nvPicPr>
+        <p:blipFill>
+          <a:blip r:embed="rId4"/>
+          <a:stretch>
+            <a:fillRect/>
+          </a:stretch>
+        </p:blipFill>
+        <p:spPr>
+          <a:xfrm>
+            <a:off x="924364" y="543692"/>
+            <a:ext cx="597635" cy="339599"/>
+          </a:xfrm>
+          <a:prstGeom prst="rect">
+            <a:avLst/>
+          </a:prstGeom>
+        </p:spPr>
+      </p:pic>
+      <p:sp>
+        <p:nvSpPr>
+          <p:cNvPr id="16" name="TextBox 15">
+            <a:extLst>
+              <a:ext uri="{FF2B5EF4-FFF2-40B4-BE49-F238E27FC236}">
+                <a16:creationId xmlns:a16="http://schemas.microsoft.com/office/drawing/2014/main" id="{59D3B180-7E1D-4D84-5280-A69998D1582D}"/>
+              </a:ext>
+            </a:extLst>
+          </p:cNvPr>
+          <p:cNvSpPr txBox="1"/>
+          <p:nvPr/>
+        </p:nvSpPr>
+        <p:spPr>
+          <a:xfrm>
+            <a:off x="4940862" y="427535"/>
+            <a:ext cx="2536435" cy="584775"/>
+          </a:xfrm>
+          <a:prstGeom prst="rect">
+            <a:avLst/>
+          </a:prstGeom>
+          <a:noFill/>
+        </p:spPr>
+        <p:txBody>
+          <a:bodyPr wrap="square" rtlCol="0">
+            <a:spAutoFit/>
+          </a:bodyPr>
+          <a:lstStyle/>
+          <a:p>
+            <a:r>
+              <a:rPr lang="fr-FR" sz="3200" dirty="0">
+                <a:solidFill>
+                  <a:srgbClr val="FF0000"/>
+                </a:solidFill>
+                <a:latin typeface="+mj-lt"/>
+                <a:cs typeface="Calibri" panose="020F0502020204030204" pitchFamily="34" charset="0"/>
+              </a:rPr>
+              <a:t>Conclusion</a:t>
+            </a:r>
+            <a:endParaRPr lang="en-US" sz="3200" dirty="0">
+              <a:solidFill>
+                <a:srgbClr val="FF0000"/>
+              </a:solidFill>
+              <a:latin typeface="+mj-lt"/>
+              <a:cs typeface="Calibri" panose="020F0502020204030204" pitchFamily="34" charset="0"/>
+            </a:endParaRPr>
+          </a:p>
+        </p:txBody>
+      </p:sp>
+      <p:sp>
+        <p:nvSpPr>
+          <p:cNvPr id="21" name="Rectangle: Rounded Corners 20">
+            <a:extLst>
+              <a:ext uri="{FF2B5EF4-FFF2-40B4-BE49-F238E27FC236}">
+                <a16:creationId xmlns:a16="http://schemas.microsoft.com/office/drawing/2014/main" id="{8EDB1434-FF27-C944-47F0-B6D596588CE3}"/>
+              </a:ext>
+            </a:extLst>
+          </p:cNvPr>
+          <p:cNvSpPr/>
+          <p:nvPr/>
+        </p:nvSpPr>
+        <p:spPr>
+          <a:xfrm>
+            <a:off x="595426" y="1467655"/>
+            <a:ext cx="11010010" cy="2487759"/>
+          </a:xfrm>
+          <a:prstGeom prst="roundRect">
+            <a:avLst>
+              <a:gd name="adj" fmla="val 16741"/>
+            </a:avLst>
+          </a:prstGeom>
+          <a:gradFill>
+            <a:gsLst>
+              <a:gs pos="81000">
+                <a:schemeClr val="tx1">
+                  <a:alpha val="80000"/>
+                </a:schemeClr>
+              </a:gs>
+              <a:gs pos="16000">
+                <a:schemeClr val="tx1">
+                  <a:alpha val="40000"/>
+                </a:schemeClr>
+              </a:gs>
+            </a:gsLst>
+            <a:lin ang="5400000" scaled="1"/>
+          </a:gradFill>
+          <a:ln>
+            <a:gradFill>
+              <a:gsLst>
+                <a:gs pos="0">
+                  <a:schemeClr val="bg1">
+                    <a:alpha val="80000"/>
+                  </a:schemeClr>
+                </a:gs>
+                <a:gs pos="100000">
+                  <a:schemeClr val="bg1">
+                    <a:alpha val="20000"/>
+                  </a:schemeClr>
+                </a:gs>
+              </a:gsLst>
+              <a:lin ang="5400000" scaled="1"/>
+            </a:gradFill>
+          </a:ln>
+        </p:spPr>
+        <p:style>
+          <a:lnRef idx="2">
+            <a:schemeClr val="accent1">
+              <a:shade val="15000"/>
+            </a:schemeClr>
+          </a:lnRef>
+          <a:fillRef idx="1">
+            <a:schemeClr val="accent1"/>
+          </a:fillRef>
+          <a:effectRef idx="0">
+            <a:schemeClr val="accent1"/>
+          </a:effectRef>
+          <a:fontRef idx="minor">
+            <a:schemeClr val="lt1"/>
+          </a:fontRef>
+        </p:style>
+        <p:txBody>
+          <a:bodyPr rtlCol="0" anchor="ctr"/>
+          <a:lstStyle/>
+          <a:p>
+            <a:pPr algn="ctr"/>
+            <a:endParaRPr lang="en-US"/>
+          </a:p>
+        </p:txBody>
+      </p:sp>
+      <p:sp>
+        <p:nvSpPr>
+          <p:cNvPr id="6" name="TextBox 5">
+            <a:extLst>
+              <a:ext uri="{FF2B5EF4-FFF2-40B4-BE49-F238E27FC236}">
+                <a16:creationId xmlns:a16="http://schemas.microsoft.com/office/drawing/2014/main" id="{35A2EF1F-C110-9B2F-8D9C-A0D0C72CC834}"/>
+              </a:ext>
+            </a:extLst>
+          </p:cNvPr>
+          <p:cNvSpPr txBox="1"/>
+          <p:nvPr/>
+        </p:nvSpPr>
+        <p:spPr>
+          <a:xfrm>
+            <a:off x="962464" y="1745020"/>
+            <a:ext cx="10267069" cy="1938992"/>
+          </a:xfrm>
+          <a:prstGeom prst="rect">
+            <a:avLst/>
+          </a:prstGeom>
+          <a:noFill/>
+        </p:spPr>
+        <p:txBody>
+          <a:bodyPr wrap="square" rtlCol="0">
+            <a:spAutoFit/>
+          </a:bodyPr>
+          <a:lstStyle/>
+          <a:p>
+            <a:r>
+              <a:rPr lang="en-US" sz="2000" b="1" dirty="0">
+                <a:solidFill>
+                  <a:srgbClr val="FF0000"/>
+                </a:solidFill>
+              </a:rPr>
+              <a:t>Achievements: </a:t>
+            </a:r>
+          </a:p>
+          <a:p>
+            <a:pPr marL="342900" indent="-342900">
+              <a:buFont typeface="Arial" panose="020B0604020202020204" pitchFamily="34" charset="0"/>
+              <a:buChar char="•"/>
+            </a:pPr>
+            <a:r>
+              <a:rPr lang="en-US" sz="2000" dirty="0">
+                <a:solidFill>
+                  <a:schemeClr val="bg1"/>
+                </a:solidFill>
+              </a:rPr>
+              <a:t>Built a full data pipeline from raw dataset to interactive dashboard</a:t>
+            </a:r>
+          </a:p>
+          <a:p>
+            <a:pPr marL="342900" indent="-342900">
+              <a:buFont typeface="Arial" panose="020B0604020202020204" pitchFamily="34" charset="0"/>
+              <a:buChar char="•"/>
+            </a:pPr>
+            <a:r>
+              <a:rPr lang="en-US" sz="2000" dirty="0">
+                <a:solidFill>
+                  <a:schemeClr val="bg1"/>
+                </a:solidFill>
+              </a:rPr>
+              <a:t>Cleaned, structured, and enriched Netflix data</a:t>
+            </a:r>
+          </a:p>
+          <a:p>
+            <a:pPr marL="342900" indent="-342900">
+              <a:buFont typeface="Arial" panose="020B0604020202020204" pitchFamily="34" charset="0"/>
+              <a:buChar char="•"/>
+            </a:pPr>
+            <a:r>
+              <a:rPr lang="en-US" sz="2000" dirty="0">
+                <a:solidFill>
+                  <a:schemeClr val="bg1"/>
+                </a:solidFill>
+              </a:rPr>
+              <a:t>Integrated country flags and movie posters dynamically</a:t>
+            </a:r>
+          </a:p>
+          <a:p>
+            <a:pPr marL="342900" indent="-342900">
+              <a:buFont typeface="Arial" panose="020B0604020202020204" pitchFamily="34" charset="0"/>
+              <a:buChar char="•"/>
+            </a:pPr>
+            <a:r>
+              <a:rPr lang="en-US" sz="2000" dirty="0">
+                <a:solidFill>
+                  <a:schemeClr val="bg1"/>
+                </a:solidFill>
+              </a:rPr>
+              <a:t>Designed a Netflix-inspired dashboard using Power BI</a:t>
+            </a:r>
+          </a:p>
+          <a:p>
+            <a:pPr marL="342900" indent="-342900">
+              <a:buFont typeface="Arial" panose="020B0604020202020204" pitchFamily="34" charset="0"/>
+              <a:buChar char="•"/>
+            </a:pPr>
+            <a:r>
+              <a:rPr lang="en-US" sz="2000" dirty="0">
+                <a:solidFill>
+                  <a:schemeClr val="bg1"/>
+                </a:solidFill>
+              </a:rPr>
+              <a:t>Enabled both exploration and detailed content view  </a:t>
+            </a:r>
+          </a:p>
+        </p:txBody>
+      </p:sp>
+      <p:sp>
+        <p:nvSpPr>
+          <p:cNvPr id="7" name="Rectangle: Rounded Corners 6">
+            <a:extLst>
+              <a:ext uri="{FF2B5EF4-FFF2-40B4-BE49-F238E27FC236}">
+                <a16:creationId xmlns:a16="http://schemas.microsoft.com/office/drawing/2014/main" id="{570DF11F-CFED-C642-A906-C253E932DE8E}"/>
+              </a:ext>
+            </a:extLst>
+          </p:cNvPr>
+          <p:cNvSpPr/>
+          <p:nvPr/>
+        </p:nvSpPr>
+        <p:spPr>
+          <a:xfrm>
+            <a:off x="595426" y="4306187"/>
+            <a:ext cx="11010010" cy="2124278"/>
+          </a:xfrm>
+          <a:prstGeom prst="roundRect">
+            <a:avLst>
+              <a:gd name="adj" fmla="val 16741"/>
+            </a:avLst>
+          </a:prstGeom>
+          <a:gradFill>
+            <a:gsLst>
+              <a:gs pos="81000">
+                <a:schemeClr val="tx1">
+                  <a:alpha val="80000"/>
+                </a:schemeClr>
+              </a:gs>
+              <a:gs pos="16000">
+                <a:schemeClr val="tx1">
+                  <a:alpha val="40000"/>
+                </a:schemeClr>
+              </a:gs>
+            </a:gsLst>
+            <a:lin ang="5400000" scaled="1"/>
+          </a:gradFill>
+          <a:ln>
+            <a:gradFill>
+              <a:gsLst>
+                <a:gs pos="0">
+                  <a:schemeClr val="bg1">
+                    <a:alpha val="80000"/>
+                  </a:schemeClr>
+                </a:gs>
+                <a:gs pos="100000">
+                  <a:schemeClr val="bg1">
+                    <a:alpha val="20000"/>
+                  </a:schemeClr>
+                </a:gs>
+              </a:gsLst>
+              <a:lin ang="5400000" scaled="1"/>
+            </a:gradFill>
+          </a:ln>
+        </p:spPr>
+        <p:style>
+          <a:lnRef idx="2">
+            <a:schemeClr val="accent1">
+              <a:shade val="15000"/>
+            </a:schemeClr>
+          </a:lnRef>
+          <a:fillRef idx="1">
+            <a:schemeClr val="accent1"/>
+          </a:fillRef>
+          <a:effectRef idx="0">
+            <a:schemeClr val="accent1"/>
+          </a:effectRef>
+          <a:fontRef idx="minor">
+            <a:schemeClr val="lt1"/>
+          </a:fontRef>
+        </p:style>
+        <p:txBody>
+          <a:bodyPr rtlCol="0" anchor="ctr"/>
+          <a:lstStyle/>
+          <a:p>
+            <a:pPr algn="ctr"/>
+            <a:endParaRPr lang="en-US"/>
+          </a:p>
+        </p:txBody>
+      </p:sp>
+      <p:sp>
+        <p:nvSpPr>
+          <p:cNvPr id="9" name="TextBox 8">
+            <a:extLst>
+              <a:ext uri="{FF2B5EF4-FFF2-40B4-BE49-F238E27FC236}">
+                <a16:creationId xmlns:a16="http://schemas.microsoft.com/office/drawing/2014/main" id="{359C67EC-AC3E-09B4-7453-C21435A20E6D}"/>
+              </a:ext>
+            </a:extLst>
+          </p:cNvPr>
+          <p:cNvSpPr txBox="1"/>
+          <p:nvPr/>
+        </p:nvSpPr>
+        <p:spPr>
+          <a:xfrm>
+            <a:off x="924364" y="4706606"/>
+            <a:ext cx="10267069" cy="1323439"/>
+          </a:xfrm>
+          <a:prstGeom prst="rect">
+            <a:avLst/>
+          </a:prstGeom>
+          <a:noFill/>
+        </p:spPr>
+        <p:txBody>
+          <a:bodyPr wrap="square" rtlCol="0">
+            <a:spAutoFit/>
+          </a:bodyPr>
+          <a:lstStyle/>
+          <a:p>
+            <a:r>
+              <a:rPr lang="en-US" sz="2000" b="1" dirty="0">
+                <a:solidFill>
+                  <a:srgbClr val="FF0000"/>
+                </a:solidFill>
+              </a:rPr>
+              <a:t>Future Improvements: </a:t>
+            </a:r>
+          </a:p>
+          <a:p>
+            <a:pPr marL="342900" indent="-342900">
+              <a:buFont typeface="Arial" panose="020B0604020202020204" pitchFamily="34" charset="0"/>
+              <a:buChar char="•"/>
+            </a:pPr>
+            <a:r>
+              <a:rPr lang="en-US" sz="2000" dirty="0">
+                <a:solidFill>
+                  <a:schemeClr val="bg1"/>
+                </a:solidFill>
+              </a:rPr>
+              <a:t>Include available audio languages per title</a:t>
+            </a:r>
+          </a:p>
+          <a:p>
+            <a:pPr marL="342900" indent="-342900">
+              <a:buFont typeface="Arial" panose="020B0604020202020204" pitchFamily="34" charset="0"/>
+              <a:buChar char="•"/>
+            </a:pPr>
+            <a:r>
+              <a:rPr lang="en-US" sz="2000" dirty="0">
+                <a:solidFill>
+                  <a:schemeClr val="bg1"/>
+                </a:solidFill>
+              </a:rPr>
+              <a:t>Add movie recommendations using machine learning</a:t>
+            </a:r>
+          </a:p>
+          <a:p>
+            <a:pPr marL="342900" indent="-342900">
+              <a:buFont typeface="Arial" panose="020B0604020202020204" pitchFamily="34" charset="0"/>
+              <a:buChar char="•"/>
+            </a:pPr>
+            <a:r>
+              <a:rPr lang="en-US" sz="2000" dirty="0">
+                <a:solidFill>
+                  <a:schemeClr val="bg1"/>
+                </a:solidFill>
+              </a:rPr>
+              <a:t>Track content evolution over time with regular updates</a:t>
+            </a:r>
+          </a:p>
+        </p:txBody>
+      </p:sp>
+      <p:grpSp>
+        <p:nvGrpSpPr>
+          <p:cNvPr id="2" name="Group 1">
+            <a:extLst>
+              <a:ext uri="{FF2B5EF4-FFF2-40B4-BE49-F238E27FC236}">
+                <a16:creationId xmlns:a16="http://schemas.microsoft.com/office/drawing/2014/main" id="{1E77BE40-076A-9A54-301C-93C52A2EEE7F}"/>
+              </a:ext>
+            </a:extLst>
+          </p:cNvPr>
+          <p:cNvGrpSpPr/>
+          <p:nvPr/>
+        </p:nvGrpSpPr>
+        <p:grpSpPr>
+          <a:xfrm>
+            <a:off x="11203169" y="458315"/>
+            <a:ext cx="542260" cy="523542"/>
+            <a:chOff x="11203169" y="458315"/>
+            <a:chExt cx="542260" cy="523542"/>
+          </a:xfrm>
+        </p:grpSpPr>
+        <p:sp>
+          <p:nvSpPr>
+            <p:cNvPr id="3" name="Oval 2">
+              <a:extLst>
+                <a:ext uri="{FF2B5EF4-FFF2-40B4-BE49-F238E27FC236}">
+                  <a16:creationId xmlns:a16="http://schemas.microsoft.com/office/drawing/2014/main" id="{06790A91-639E-C2CF-6B34-0D251C7A18BD}"/>
+                </a:ext>
+              </a:extLst>
+            </p:cNvPr>
+            <p:cNvSpPr/>
+            <p:nvPr/>
+          </p:nvSpPr>
+          <p:spPr>
+            <a:xfrm>
+              <a:off x="11203169" y="458315"/>
+              <a:ext cx="542260" cy="506042"/>
+            </a:xfrm>
+            <a:prstGeom prst="ellipse">
+              <a:avLst/>
+            </a:prstGeom>
+            <a:solidFill>
+              <a:srgbClr val="FF0000"/>
+            </a:solidFill>
+          </p:spPr>
+          <p:style>
+            <a:lnRef idx="2">
+              <a:schemeClr val="accent1">
+                <a:shade val="15000"/>
+              </a:schemeClr>
+            </a:lnRef>
+            <a:fillRef idx="1">
+              <a:schemeClr val="accent1"/>
+            </a:fillRef>
+            <a:effectRef idx="0">
+              <a:schemeClr val="accent1"/>
+            </a:effectRef>
+            <a:fontRef idx="minor">
+              <a:schemeClr val="lt1"/>
+            </a:fontRef>
+          </p:style>
+          <p:txBody>
+            <a:bodyPr rtlCol="0" anchor="ctr"/>
+            <a:lstStyle/>
+            <a:p>
+              <a:pPr algn="ctr"/>
+              <a:endParaRPr lang="en-US">
+                <a:solidFill>
+                  <a:schemeClr val="bg1"/>
+                </a:solidFill>
+              </a:endParaRPr>
+            </a:p>
+          </p:txBody>
+        </p:sp>
+        <p:pic>
+          <p:nvPicPr>
+            <p:cNvPr id="8" name="Picture 2" descr="Developers.Institute (@devtlv) / X">
+              <a:extLst>
+                <a:ext uri="{FF2B5EF4-FFF2-40B4-BE49-F238E27FC236}">
+                  <a16:creationId xmlns:a16="http://schemas.microsoft.com/office/drawing/2014/main" id="{BF7D79F2-8FDE-9B4F-7945-24320F9DDD28}"/>
+                </a:ext>
+              </a:extLst>
+            </p:cNvPr>
+            <p:cNvPicPr>
+              <a:picLocks noChangeAspect="1" noChangeArrowheads="1"/>
+            </p:cNvPicPr>
+            <p:nvPr/>
+          </p:nvPicPr>
+          <p:blipFill>
+            <a:blip r:embed="rId5">
+              <a:extLst>
+                <a:ext uri="{BEBA8EAE-BF5A-486C-A8C5-ECC9F3942E4B}">
+                  <a14:imgProps xmlns:a14="http://schemas.microsoft.com/office/drawing/2010/main">
+                    <a14:imgLayer r:embed="rId6">
+                      <a14:imgEffect>
+                        <a14:backgroundRemoval t="10000" b="90000" l="10000" r="90000"/>
+                      </a14:imgEffect>
+                    </a14:imgLayer>
+                  </a14:imgProps>
+                </a:ext>
+                <a:ext uri="{28A0092B-C50C-407E-A947-70E740481C1C}">
+                  <a14:useLocalDpi xmlns:a14="http://schemas.microsoft.com/office/drawing/2010/main" val="0"/>
+                </a:ext>
+              </a:extLst>
+            </a:blip>
+            <a:srcRect/>
+            <a:stretch>
+              <a:fillRect/>
+            </a:stretch>
+          </p:blipFill>
+          <p:spPr bwMode="auto">
+            <a:xfrm>
+              <a:off x="11233487" y="500233"/>
+              <a:ext cx="481624" cy="481624"/>
+            </a:xfrm>
+            <a:prstGeom prst="rect">
+              <a:avLst/>
+            </a:prstGeom>
+            <a:noFill/>
+            <a:extLst>
+              <a:ext uri="{909E8E84-426E-40DD-AFC4-6F175D3DCCD1}">
+                <a14:hiddenFill xmlns:a14="http://schemas.microsoft.com/office/drawing/2010/main">
+                  <a:solidFill>
+                    <a:srgbClr val="FFFFFF"/>
+                  </a:solidFill>
+                </a14:hiddenFill>
+              </a:ext>
+            </a:extLst>
+          </p:spPr>
+        </p:pic>
+      </p:grpSp>
+    </p:spTree>
+    <p:extLst>
+      <p:ext uri="{BB962C8B-B14F-4D97-AF65-F5344CB8AC3E}">
+        <p14:creationId xmlns:p14="http://schemas.microsoft.com/office/powerpoint/2010/main" val="495893210"/>
+      </p:ext>
+    </p:extLst>
+  </p:cSld>
+  <p:clrMapOvr>
+    <a:masterClrMapping/>
+  </p:clrMapOvr>
+</p:sld>
+</file>
+
+<file path=ppt/slides/slide11.xml><?xml version="1.0" encoding="utf-8"?>
+<p:sld xmlns:a="http://schemas.openxmlformats.org/drawingml/2006/main" xmlns:r="http://schemas.openxmlformats.org/officeDocument/2006/relationships" xmlns:p="http://schemas.openxmlformats.org/presentationml/2006/main">
+  <p:cSld>
+    <p:bg>
+      <p:bgPr>
+        <a:solidFill>
+          <a:schemeClr val="tx1">
+            <a:lumMod val="75000"/>
+            <a:lumOff val="25000"/>
+          </a:schemeClr>
+        </a:solidFill>
+        <a:effectLst/>
+      </p:bgPr>
+    </p:bg>
+    <p:spTree>
+      <p:nvGrpSpPr>
+        <p:cNvPr id="1" name="">
+          <a:extLst>
+            <a:ext uri="{FF2B5EF4-FFF2-40B4-BE49-F238E27FC236}">
               <a16:creationId xmlns:a16="http://schemas.microsoft.com/office/drawing/2014/main" id="{83140481-2C4C-E0EE-D0EF-42C466AFD1CC}"/>
             </a:ext>
           </a:extLst>
@@ -5421,7 +6254,7 @@
 </p:sld>
 </file>
 
-<file path=ppt/slides/slide11.xml><?xml version="1.0" encoding="utf-8"?>
+<file path=ppt/slides/slide12.xml><?xml version="1.0" encoding="utf-8"?>
 <p:sld xmlns:a="http://schemas.openxmlformats.org/drawingml/2006/main" xmlns:r="http://schemas.openxmlformats.org/officeDocument/2006/relationships" xmlns:p="http://schemas.openxmlformats.org/presentationml/2006/main">
   <p:cSld>
     <p:bg>
@@ -6014,6 +6847,679 @@
         </p:nvSpPr>
         <p:spPr>
           <a:xfrm>
+            <a:off x="1807534" y="1467655"/>
+            <a:ext cx="7729871" cy="2487759"/>
+          </a:xfrm>
+          <a:prstGeom prst="roundRect">
+            <a:avLst>
+              <a:gd name="adj" fmla="val 16741"/>
+            </a:avLst>
+          </a:prstGeom>
+          <a:gradFill>
+            <a:gsLst>
+              <a:gs pos="81000">
+                <a:schemeClr val="tx1">
+                  <a:alpha val="80000"/>
+                </a:schemeClr>
+              </a:gs>
+              <a:gs pos="16000">
+                <a:schemeClr val="tx1">
+                  <a:alpha val="40000"/>
+                </a:schemeClr>
+              </a:gs>
+            </a:gsLst>
+            <a:lin ang="5400000" scaled="1"/>
+          </a:gradFill>
+          <a:ln>
+            <a:gradFill>
+              <a:gsLst>
+                <a:gs pos="0">
+                  <a:schemeClr val="bg1">
+                    <a:alpha val="80000"/>
+                  </a:schemeClr>
+                </a:gs>
+                <a:gs pos="100000">
+                  <a:schemeClr val="bg1">
+                    <a:alpha val="20000"/>
+                  </a:schemeClr>
+                </a:gs>
+              </a:gsLst>
+              <a:lin ang="5400000" scaled="1"/>
+            </a:gradFill>
+          </a:ln>
+        </p:spPr>
+        <p:style>
+          <a:lnRef idx="2">
+            <a:schemeClr val="accent1">
+              <a:shade val="15000"/>
+            </a:schemeClr>
+          </a:lnRef>
+          <a:fillRef idx="1">
+            <a:schemeClr val="accent1"/>
+          </a:fillRef>
+          <a:effectRef idx="0">
+            <a:schemeClr val="accent1"/>
+          </a:effectRef>
+          <a:fontRef idx="minor">
+            <a:schemeClr val="lt1"/>
+          </a:fontRef>
+        </p:style>
+        <p:txBody>
+          <a:bodyPr rtlCol="0" anchor="ctr"/>
+          <a:lstStyle/>
+          <a:p>
+            <a:pPr algn="ctr"/>
+            <a:endParaRPr lang="en-US"/>
+          </a:p>
+        </p:txBody>
+      </p:sp>
+      <p:sp>
+        <p:nvSpPr>
+          <p:cNvPr id="7" name="Rectangle: Rounded Corners 6">
+            <a:extLst>
+              <a:ext uri="{FF2B5EF4-FFF2-40B4-BE49-F238E27FC236}">
+                <a16:creationId xmlns:a16="http://schemas.microsoft.com/office/drawing/2014/main" id="{C7C1A4D7-1D27-1CB4-DC5F-9B6A399435C1}"/>
+              </a:ext>
+            </a:extLst>
+          </p:cNvPr>
+          <p:cNvSpPr/>
+          <p:nvPr/>
+        </p:nvSpPr>
+        <p:spPr>
+          <a:xfrm>
+            <a:off x="7581014" y="4871442"/>
+            <a:ext cx="4024422" cy="1486325"/>
+          </a:xfrm>
+          <a:prstGeom prst="roundRect">
+            <a:avLst>
+              <a:gd name="adj" fmla="val 16741"/>
+            </a:avLst>
+          </a:prstGeom>
+          <a:gradFill>
+            <a:gsLst>
+              <a:gs pos="81000">
+                <a:schemeClr val="tx1">
+                  <a:alpha val="80000"/>
+                </a:schemeClr>
+              </a:gs>
+              <a:gs pos="16000">
+                <a:schemeClr val="tx1">
+                  <a:alpha val="40000"/>
+                </a:schemeClr>
+              </a:gs>
+            </a:gsLst>
+            <a:lin ang="5400000" scaled="1"/>
+          </a:gradFill>
+          <a:ln>
+            <a:gradFill>
+              <a:gsLst>
+                <a:gs pos="0">
+                  <a:schemeClr val="bg1">
+                    <a:alpha val="80000"/>
+                  </a:schemeClr>
+                </a:gs>
+                <a:gs pos="100000">
+                  <a:schemeClr val="bg1">
+                    <a:alpha val="20000"/>
+                  </a:schemeClr>
+                </a:gs>
+              </a:gsLst>
+              <a:lin ang="5400000" scaled="1"/>
+            </a:gradFill>
+          </a:ln>
+        </p:spPr>
+        <p:style>
+          <a:lnRef idx="2">
+            <a:schemeClr val="accent1">
+              <a:shade val="15000"/>
+            </a:schemeClr>
+          </a:lnRef>
+          <a:fillRef idx="1">
+            <a:schemeClr val="accent1"/>
+          </a:fillRef>
+          <a:effectRef idx="0">
+            <a:schemeClr val="accent1"/>
+          </a:effectRef>
+          <a:fontRef idx="minor">
+            <a:schemeClr val="lt1"/>
+          </a:fontRef>
+        </p:style>
+        <p:txBody>
+          <a:bodyPr rtlCol="0" anchor="ctr"/>
+          <a:lstStyle/>
+          <a:p>
+            <a:pPr algn="ctr"/>
+            <a:endParaRPr lang="en-US"/>
+          </a:p>
+        </p:txBody>
+      </p:sp>
+      <p:sp>
+        <p:nvSpPr>
+          <p:cNvPr id="9" name="TextBox 8">
+            <a:extLst>
+              <a:ext uri="{FF2B5EF4-FFF2-40B4-BE49-F238E27FC236}">
+                <a16:creationId xmlns:a16="http://schemas.microsoft.com/office/drawing/2014/main" id="{C5C63D6D-B1A4-E9BA-A581-2B940DADCAE1}"/>
+              </a:ext>
+            </a:extLst>
+          </p:cNvPr>
+          <p:cNvSpPr txBox="1"/>
+          <p:nvPr/>
+        </p:nvSpPr>
+        <p:spPr>
+          <a:xfrm>
+            <a:off x="7909954" y="5264489"/>
+            <a:ext cx="3541311" cy="646331"/>
+          </a:xfrm>
+          <a:prstGeom prst="rect">
+            <a:avLst/>
+          </a:prstGeom>
+          <a:noFill/>
+        </p:spPr>
+        <p:txBody>
+          <a:bodyPr wrap="square" rtlCol="0">
+            <a:spAutoFit/>
+          </a:bodyPr>
+          <a:lstStyle/>
+          <a:p>
+            <a:r>
+              <a:rPr lang="en-US" sz="3600" b="1" dirty="0">
+                <a:solidFill>
+                  <a:srgbClr val="FF0000"/>
+                </a:solidFill>
+              </a:rPr>
+              <a:t>Shirel AMOZIEG</a:t>
+            </a:r>
+            <a:endParaRPr lang="en-US" sz="3600" dirty="0">
+              <a:solidFill>
+                <a:schemeClr val="bg1"/>
+              </a:solidFill>
+            </a:endParaRPr>
+          </a:p>
+        </p:txBody>
+      </p:sp>
+      <p:grpSp>
+        <p:nvGrpSpPr>
+          <p:cNvPr id="2" name="Group 1">
+            <a:extLst>
+              <a:ext uri="{FF2B5EF4-FFF2-40B4-BE49-F238E27FC236}">
+                <a16:creationId xmlns:a16="http://schemas.microsoft.com/office/drawing/2014/main" id="{AD00C056-DE1F-08B3-ADED-3A4564BBC260}"/>
+              </a:ext>
+            </a:extLst>
+          </p:cNvPr>
+          <p:cNvGrpSpPr/>
+          <p:nvPr/>
+        </p:nvGrpSpPr>
+        <p:grpSpPr>
+          <a:xfrm>
+            <a:off x="11203169" y="458315"/>
+            <a:ext cx="542260" cy="523542"/>
+            <a:chOff x="11203169" y="458315"/>
+            <a:chExt cx="542260" cy="523542"/>
+          </a:xfrm>
+        </p:grpSpPr>
+        <p:sp>
+          <p:nvSpPr>
+            <p:cNvPr id="3" name="Oval 2">
+              <a:extLst>
+                <a:ext uri="{FF2B5EF4-FFF2-40B4-BE49-F238E27FC236}">
+                  <a16:creationId xmlns:a16="http://schemas.microsoft.com/office/drawing/2014/main" id="{3B8A961F-716D-0EEC-3E06-B8B9CDECE16F}"/>
+                </a:ext>
+              </a:extLst>
+            </p:cNvPr>
+            <p:cNvSpPr/>
+            <p:nvPr/>
+          </p:nvSpPr>
+          <p:spPr>
+            <a:xfrm>
+              <a:off x="11203169" y="458315"/>
+              <a:ext cx="542260" cy="506042"/>
+            </a:xfrm>
+            <a:prstGeom prst="ellipse">
+              <a:avLst/>
+            </a:prstGeom>
+            <a:solidFill>
+              <a:srgbClr val="FF0000"/>
+            </a:solidFill>
+          </p:spPr>
+          <p:style>
+            <a:lnRef idx="2">
+              <a:schemeClr val="accent1">
+                <a:shade val="15000"/>
+              </a:schemeClr>
+            </a:lnRef>
+            <a:fillRef idx="1">
+              <a:schemeClr val="accent1"/>
+            </a:fillRef>
+            <a:effectRef idx="0">
+              <a:schemeClr val="accent1"/>
+            </a:effectRef>
+            <a:fontRef idx="minor">
+              <a:schemeClr val="lt1"/>
+            </a:fontRef>
+          </p:style>
+          <p:txBody>
+            <a:bodyPr rtlCol="0" anchor="ctr"/>
+            <a:lstStyle/>
+            <a:p>
+              <a:pPr algn="ctr"/>
+              <a:endParaRPr lang="en-US">
+                <a:solidFill>
+                  <a:schemeClr val="bg1"/>
+                </a:solidFill>
+              </a:endParaRPr>
+            </a:p>
+          </p:txBody>
+        </p:sp>
+        <p:pic>
+          <p:nvPicPr>
+            <p:cNvPr id="8" name="Picture 2" descr="Developers.Institute (@devtlv) / X">
+              <a:extLst>
+                <a:ext uri="{FF2B5EF4-FFF2-40B4-BE49-F238E27FC236}">
+                  <a16:creationId xmlns:a16="http://schemas.microsoft.com/office/drawing/2014/main" id="{57E2049E-A988-2B27-C7AF-CDF9FB95394B}"/>
+                </a:ext>
+              </a:extLst>
+            </p:cNvPr>
+            <p:cNvPicPr>
+              <a:picLocks noChangeAspect="1" noChangeArrowheads="1"/>
+            </p:cNvPicPr>
+            <p:nvPr/>
+          </p:nvPicPr>
+          <p:blipFill>
+            <a:blip r:embed="rId5">
+              <a:extLst>
+                <a:ext uri="{BEBA8EAE-BF5A-486C-A8C5-ECC9F3942E4B}">
+                  <a14:imgProps xmlns:a14="http://schemas.microsoft.com/office/drawing/2010/main">
+                    <a14:imgLayer r:embed="rId6">
+                      <a14:imgEffect>
+                        <a14:backgroundRemoval t="10000" b="90000" l="10000" r="90000"/>
+                      </a14:imgEffect>
+                    </a14:imgLayer>
+                  </a14:imgProps>
+                </a:ext>
+                <a:ext uri="{28A0092B-C50C-407E-A947-70E740481C1C}">
+                  <a14:useLocalDpi xmlns:a14="http://schemas.microsoft.com/office/drawing/2010/main" val="0"/>
+                </a:ext>
+              </a:extLst>
+            </a:blip>
+            <a:srcRect/>
+            <a:stretch>
+              <a:fillRect/>
+            </a:stretch>
+          </p:blipFill>
+          <p:spPr bwMode="auto">
+            <a:xfrm>
+              <a:off x="11233487" y="500233"/>
+              <a:ext cx="481624" cy="481624"/>
+            </a:xfrm>
+            <a:prstGeom prst="rect">
+              <a:avLst/>
+            </a:prstGeom>
+            <a:noFill/>
+            <a:extLst>
+              <a:ext uri="{909E8E84-426E-40DD-AFC4-6F175D3DCCD1}">
+                <a14:hiddenFill xmlns:a14="http://schemas.microsoft.com/office/drawing/2010/main">
+                  <a:solidFill>
+                    <a:srgbClr val="FFFFFF"/>
+                  </a:solidFill>
+                </a14:hiddenFill>
+              </a:ext>
+            </a:extLst>
+          </p:spPr>
+        </p:pic>
+      </p:grpSp>
+      <p:sp>
+        <p:nvSpPr>
+          <p:cNvPr id="10" name="TextBox 9">
+            <a:extLst>
+              <a:ext uri="{FF2B5EF4-FFF2-40B4-BE49-F238E27FC236}">
+                <a16:creationId xmlns:a16="http://schemas.microsoft.com/office/drawing/2014/main" id="{21DF054C-8AB8-EF74-11BF-3ACBDA164C12}"/>
+              </a:ext>
+            </a:extLst>
+          </p:cNvPr>
+          <p:cNvSpPr txBox="1"/>
+          <p:nvPr/>
+        </p:nvSpPr>
+        <p:spPr>
+          <a:xfrm>
+            <a:off x="2188847" y="1649705"/>
+            <a:ext cx="7263497" cy="2123658"/>
+          </a:xfrm>
+          <a:prstGeom prst="rect">
+            <a:avLst/>
+          </a:prstGeom>
+          <a:noFill/>
+        </p:spPr>
+        <p:txBody>
+          <a:bodyPr wrap="square" rtlCol="0">
+            <a:spAutoFit/>
+          </a:bodyPr>
+          <a:lstStyle/>
+          <a:p>
+            <a:r>
+              <a:rPr lang="fr-FR" sz="6600" dirty="0" err="1">
+                <a:solidFill>
+                  <a:srgbClr val="FF0000"/>
+                </a:solidFill>
+                <a:latin typeface="+mj-lt"/>
+                <a:cs typeface="Calibri" panose="020F0502020204030204" pitchFamily="34" charset="0"/>
+              </a:rPr>
+              <a:t>Behind</a:t>
+            </a:r>
+            <a:r>
+              <a:rPr lang="fr-FR" sz="6600" dirty="0">
+                <a:solidFill>
+                  <a:srgbClr val="FF0000"/>
+                </a:solidFill>
+                <a:latin typeface="+mj-lt"/>
+                <a:cs typeface="Calibri" panose="020F0502020204030204" pitchFamily="34" charset="0"/>
+              </a:rPr>
+              <a:t> the Screens: A Netflix Data Story</a:t>
+            </a:r>
+            <a:endParaRPr lang="en-US" sz="6600" dirty="0">
+              <a:solidFill>
+                <a:srgbClr val="FF0000"/>
+              </a:solidFill>
+              <a:latin typeface="+mj-lt"/>
+              <a:cs typeface="Calibri" panose="020F0502020204030204" pitchFamily="34" charset="0"/>
+            </a:endParaRPr>
+          </a:p>
+        </p:txBody>
+      </p:sp>
+    </p:spTree>
+    <p:extLst>
+      <p:ext uri="{BB962C8B-B14F-4D97-AF65-F5344CB8AC3E}">
+        <p14:creationId xmlns:p14="http://schemas.microsoft.com/office/powerpoint/2010/main" val="2248227854"/>
+      </p:ext>
+    </p:extLst>
+  </p:cSld>
+  <p:clrMapOvr>
+    <a:masterClrMapping/>
+  </p:clrMapOvr>
+</p:sld>
+</file>
+
+<file path=ppt/slides/slide4.xml><?xml version="1.0" encoding="utf-8"?>
+<p:sld xmlns:a="http://schemas.openxmlformats.org/drawingml/2006/main" xmlns:r="http://schemas.openxmlformats.org/officeDocument/2006/relationships" xmlns:p="http://schemas.openxmlformats.org/presentationml/2006/main">
+  <p:cSld>
+    <p:bg>
+      <p:bgPr>
+        <a:solidFill>
+          <a:schemeClr val="tx1">
+            <a:lumMod val="75000"/>
+            <a:lumOff val="25000"/>
+          </a:schemeClr>
+        </a:solidFill>
+        <a:effectLst/>
+      </p:bgPr>
+    </p:bg>
+    <p:spTree>
+      <p:nvGrpSpPr>
+        <p:cNvPr id="1" name="">
+          <a:extLst>
+            <a:ext uri="{FF2B5EF4-FFF2-40B4-BE49-F238E27FC236}">
+              <a16:creationId xmlns:a16="http://schemas.microsoft.com/office/drawing/2014/main" id="{EB240B84-5EA5-2704-FF3B-4DEE04F370D2}"/>
+            </a:ext>
+          </a:extLst>
+        </p:cNvPr>
+        <p:cNvGrpSpPr/>
+        <p:nvPr/>
+      </p:nvGrpSpPr>
+      <p:grpSpPr>
+        <a:xfrm>
+          <a:off x="0" y="0"/>
+          <a:ext cx="0" cy="0"/>
+          <a:chOff x="0" y="0"/>
+          <a:chExt cx="0" cy="0"/>
+        </a:xfrm>
+      </p:grpSpPr>
+      <p:sp>
+        <p:nvSpPr>
+          <p:cNvPr id="4" name="Rectangle: Rounded Corners 3">
+            <a:extLst>
+              <a:ext uri="{FF2B5EF4-FFF2-40B4-BE49-F238E27FC236}">
+                <a16:creationId xmlns:a16="http://schemas.microsoft.com/office/drawing/2014/main" id="{33D2BD3C-8DC3-0BA4-66CC-3453D60B32E6}"/>
+              </a:ext>
+            </a:extLst>
+          </p:cNvPr>
+          <p:cNvSpPr/>
+          <p:nvPr/>
+        </p:nvSpPr>
+        <p:spPr>
+          <a:xfrm>
+            <a:off x="177209" y="217967"/>
+            <a:ext cx="11837581" cy="6422065"/>
+          </a:xfrm>
+          <a:prstGeom prst="roundRect">
+            <a:avLst>
+              <a:gd name="adj" fmla="val 3653"/>
+            </a:avLst>
+          </a:prstGeom>
+          <a:blipFill dpi="0" rotWithShape="1">
+            <a:blip r:embed="rId2">
+              <a:alphaModFix amt="19000"/>
+            </a:blip>
+            <a:srcRect/>
+            <a:stretch>
+              <a:fillRect/>
+            </a:stretch>
+          </a:blipFill>
+          <a:ln>
+            <a:gradFill>
+              <a:gsLst>
+                <a:gs pos="0">
+                  <a:schemeClr val="bg1">
+                    <a:alpha val="80000"/>
+                  </a:schemeClr>
+                </a:gs>
+                <a:gs pos="100000">
+                  <a:schemeClr val="bg1">
+                    <a:alpha val="20000"/>
+                  </a:schemeClr>
+                </a:gs>
+              </a:gsLst>
+              <a:lin ang="5400000" scaled="1"/>
+            </a:gradFill>
+          </a:ln>
+        </p:spPr>
+        <p:style>
+          <a:lnRef idx="2">
+            <a:schemeClr val="accent1">
+              <a:shade val="15000"/>
+            </a:schemeClr>
+          </a:lnRef>
+          <a:fillRef idx="1">
+            <a:schemeClr val="accent1"/>
+          </a:fillRef>
+          <a:effectRef idx="0">
+            <a:schemeClr val="accent1"/>
+          </a:effectRef>
+          <a:fontRef idx="minor">
+            <a:schemeClr val="lt1"/>
+          </a:fontRef>
+        </p:style>
+        <p:txBody>
+          <a:bodyPr rtlCol="0" anchor="ctr"/>
+          <a:lstStyle/>
+          <a:p>
+            <a:pPr algn="ctr"/>
+            <a:endParaRPr lang="en-US">
+              <a:solidFill>
+                <a:schemeClr val="tx1">
+                  <a:lumMod val="50000"/>
+                  <a:lumOff val="50000"/>
+                </a:schemeClr>
+              </a:solidFill>
+            </a:endParaRPr>
+          </a:p>
+        </p:txBody>
+      </p:sp>
+      <p:sp>
+        <p:nvSpPr>
+          <p:cNvPr id="5" name="Rectangle: Rounded Corners 4">
+            <a:extLst>
+              <a:ext uri="{FF2B5EF4-FFF2-40B4-BE49-F238E27FC236}">
+                <a16:creationId xmlns:a16="http://schemas.microsoft.com/office/drawing/2014/main" id="{CE7E6A8C-3B04-982F-D6D3-FAC75FF59809}"/>
+              </a:ext>
+            </a:extLst>
+          </p:cNvPr>
+          <p:cNvSpPr/>
+          <p:nvPr/>
+        </p:nvSpPr>
+        <p:spPr>
+          <a:xfrm>
+            <a:off x="350874" y="304140"/>
+            <a:ext cx="11490250" cy="818706"/>
+          </a:xfrm>
+          <a:prstGeom prst="roundRect">
+            <a:avLst>
+              <a:gd name="adj" fmla="val 30926"/>
+            </a:avLst>
+          </a:prstGeom>
+          <a:gradFill>
+            <a:gsLst>
+              <a:gs pos="81000">
+                <a:schemeClr val="tx1"/>
+              </a:gs>
+              <a:gs pos="16000">
+                <a:schemeClr val="tx1"/>
+              </a:gs>
+            </a:gsLst>
+            <a:lin ang="5400000" scaled="1"/>
+          </a:gradFill>
+          <a:ln>
+            <a:gradFill>
+              <a:gsLst>
+                <a:gs pos="0">
+                  <a:schemeClr val="bg1">
+                    <a:alpha val="80000"/>
+                  </a:schemeClr>
+                </a:gs>
+                <a:gs pos="100000">
+                  <a:schemeClr val="bg1">
+                    <a:alpha val="20000"/>
+                  </a:schemeClr>
+                </a:gs>
+              </a:gsLst>
+              <a:lin ang="5400000" scaled="1"/>
+            </a:gradFill>
+          </a:ln>
+        </p:spPr>
+        <p:style>
+          <a:lnRef idx="2">
+            <a:schemeClr val="accent1">
+              <a:shade val="15000"/>
+            </a:schemeClr>
+          </a:lnRef>
+          <a:fillRef idx="1">
+            <a:schemeClr val="accent1"/>
+          </a:fillRef>
+          <a:effectRef idx="0">
+            <a:schemeClr val="accent1"/>
+          </a:effectRef>
+          <a:fontRef idx="minor">
+            <a:schemeClr val="lt1"/>
+          </a:fontRef>
+        </p:style>
+        <p:txBody>
+          <a:bodyPr rtlCol="0" anchor="ctr"/>
+          <a:lstStyle/>
+          <a:p>
+            <a:pPr algn="ctr"/>
+            <a:endParaRPr lang="en-US"/>
+          </a:p>
+        </p:txBody>
+      </p:sp>
+      <p:pic>
+        <p:nvPicPr>
+          <p:cNvPr id="13" name="Picture 2" descr="About Netflix - Ressources de la société">
+            <a:extLst>
+              <a:ext uri="{FF2B5EF4-FFF2-40B4-BE49-F238E27FC236}">
+                <a16:creationId xmlns:a16="http://schemas.microsoft.com/office/drawing/2014/main" id="{920890DF-FD6F-2773-3527-F109D613235C}"/>
+              </a:ext>
+            </a:extLst>
+          </p:cNvPr>
+          <p:cNvPicPr>
+            <a:picLocks noChangeAspect="1" noChangeArrowheads="1"/>
+          </p:cNvPicPr>
+          <p:nvPr/>
+        </p:nvPicPr>
+        <p:blipFill>
+          <a:blip r:embed="rId3">
+            <a:extLst>
+              <a:ext uri="{28A0092B-C50C-407E-A947-70E740481C1C}">
+                <a14:useLocalDpi xmlns:a14="http://schemas.microsoft.com/office/drawing/2010/main" val="0"/>
+              </a:ext>
+            </a:extLst>
+          </a:blip>
+          <a:srcRect/>
+          <a:stretch>
+            <a:fillRect/>
+          </a:stretch>
+        </p:blipFill>
+        <p:spPr bwMode="auto">
+          <a:xfrm>
+            <a:off x="451882" y="414675"/>
+            <a:ext cx="597635" cy="597635"/>
+          </a:xfrm>
+          <a:prstGeom prst="rect">
+            <a:avLst/>
+          </a:prstGeom>
+          <a:noFill/>
+          <a:extLst>
+            <a:ext uri="{909E8E84-426E-40DD-AFC4-6F175D3DCCD1}">
+              <a14:hiddenFill xmlns:a14="http://schemas.microsoft.com/office/drawing/2010/main">
+                <a:solidFill>
+                  <a:srgbClr val="FFFFFF"/>
+                </a:solidFill>
+              </a14:hiddenFill>
+            </a:ext>
+          </a:extLst>
+        </p:spPr>
+      </p:pic>
+      <p:pic>
+        <p:nvPicPr>
+          <p:cNvPr id="14" name="Picture 13">
+            <a:extLst>
+              <a:ext uri="{FF2B5EF4-FFF2-40B4-BE49-F238E27FC236}">
+                <a16:creationId xmlns:a16="http://schemas.microsoft.com/office/drawing/2014/main" id="{70D7437E-296B-A93F-BF6F-B9C1966B1C3C}"/>
+              </a:ext>
+            </a:extLst>
+          </p:cNvPr>
+          <p:cNvPicPr>
+            <a:picLocks noChangeAspect="1"/>
+          </p:cNvPicPr>
+          <p:nvPr/>
+        </p:nvPicPr>
+        <p:blipFill>
+          <a:blip r:embed="rId4"/>
+          <a:stretch>
+            <a:fillRect/>
+          </a:stretch>
+        </p:blipFill>
+        <p:spPr>
+          <a:xfrm>
+            <a:off x="924364" y="543692"/>
+            <a:ext cx="597635" cy="339599"/>
+          </a:xfrm>
+          <a:prstGeom prst="rect">
+            <a:avLst/>
+          </a:prstGeom>
+        </p:spPr>
+      </p:pic>
+      <p:sp>
+        <p:nvSpPr>
+          <p:cNvPr id="21" name="Rectangle: Rounded Corners 20">
+            <a:extLst>
+              <a:ext uri="{FF2B5EF4-FFF2-40B4-BE49-F238E27FC236}">
+                <a16:creationId xmlns:a16="http://schemas.microsoft.com/office/drawing/2014/main" id="{7A07263C-E344-DCB3-B605-421708B4D9CE}"/>
+              </a:ext>
+            </a:extLst>
+          </p:cNvPr>
+          <p:cNvSpPr/>
+          <p:nvPr/>
+        </p:nvSpPr>
+        <p:spPr>
+          <a:xfrm>
             <a:off x="595426" y="1467655"/>
             <a:ext cx="11010010" cy="2487759"/>
           </a:xfrm>
@@ -6085,7 +7591,7 @@
           <p:cNvPr id="6" name="TextBox 5">
             <a:extLst>
               <a:ext uri="{FF2B5EF4-FFF2-40B4-BE49-F238E27FC236}">
-                <a16:creationId xmlns:a16="http://schemas.microsoft.com/office/drawing/2014/main" id="{FC71B1D0-CB67-F063-FE53-8E19C0FBD536}"/>
+                <a16:creationId xmlns:a16="http://schemas.microsoft.com/office/drawing/2014/main" id="{AC8FF331-4B31-401B-C263-AB0415891808}"/>
               </a:ext>
             </a:extLst>
           </p:cNvPr>
@@ -6173,7 +7679,7 @@
           <p:cNvPr id="7" name="Rectangle: Rounded Corners 6">
             <a:extLst>
               <a:ext uri="{FF2B5EF4-FFF2-40B4-BE49-F238E27FC236}">
-                <a16:creationId xmlns:a16="http://schemas.microsoft.com/office/drawing/2014/main" id="{C7C1A4D7-1D27-1CB4-DC5F-9B6A399435C1}"/>
+                <a16:creationId xmlns:a16="http://schemas.microsoft.com/office/drawing/2014/main" id="{5E0A3BB4-BC6A-D3B3-6A7E-F6D418376BCA}"/>
               </a:ext>
             </a:extLst>
           </p:cNvPr>
@@ -6253,7 +7759,7 @@
           <p:cNvPr id="9" name="TextBox 8">
             <a:extLst>
               <a:ext uri="{FF2B5EF4-FFF2-40B4-BE49-F238E27FC236}">
-                <a16:creationId xmlns:a16="http://schemas.microsoft.com/office/drawing/2014/main" id="{C5C63D6D-B1A4-E9BA-A581-2B940DADCAE1}"/>
+                <a16:creationId xmlns:a16="http://schemas.microsoft.com/office/drawing/2014/main" id="{54C76D36-C634-FB7B-D2C4-D1C161FBD817}"/>
               </a:ext>
             </a:extLst>
           </p:cNvPr>
@@ -6341,7 +7847,7 @@
           <p:cNvPr id="2" name="Group 1">
             <a:extLst>
               <a:ext uri="{FF2B5EF4-FFF2-40B4-BE49-F238E27FC236}">
-                <a16:creationId xmlns:a16="http://schemas.microsoft.com/office/drawing/2014/main" id="{AD00C056-DE1F-08B3-ADED-3A4564BBC260}"/>
+                <a16:creationId xmlns:a16="http://schemas.microsoft.com/office/drawing/2014/main" id="{185464D0-FAE5-CE4E-D7FE-03812CFE2A36}"/>
               </a:ext>
             </a:extLst>
           </p:cNvPr>
@@ -6361,7 +7867,7 @@
             <p:cNvPr id="3" name="Oval 2">
               <a:extLst>
                 <a:ext uri="{FF2B5EF4-FFF2-40B4-BE49-F238E27FC236}">
-                  <a16:creationId xmlns:a16="http://schemas.microsoft.com/office/drawing/2014/main" id="{3B8A961F-716D-0EEC-3E06-B8B9CDECE16F}"/>
+                  <a16:creationId xmlns:a16="http://schemas.microsoft.com/office/drawing/2014/main" id="{1E8C08D4-9F3A-C432-3C1B-9AF6DF71A38D}"/>
                 </a:ext>
               </a:extLst>
             </p:cNvPr>
@@ -6414,7 +7920,7 @@
             <p:cNvPr id="8" name="Picture 2" descr="Developers.Institute (@devtlv) / X">
               <a:extLst>
                 <a:ext uri="{FF2B5EF4-FFF2-40B4-BE49-F238E27FC236}">
-                  <a16:creationId xmlns:a16="http://schemas.microsoft.com/office/drawing/2014/main" id="{57E2049E-A988-2B27-C7AF-CDF9FB95394B}"/>
+                  <a16:creationId xmlns:a16="http://schemas.microsoft.com/office/drawing/2014/main" id="{620DBFB1-815D-1485-8BCE-4FED1BE796B2}"/>
                 </a:ext>
               </a:extLst>
             </p:cNvPr>
@@ -6471,7 +7977,7 @@
           <p:cNvPr id="10" name="TextBox 9">
             <a:extLst>
               <a:ext uri="{FF2B5EF4-FFF2-40B4-BE49-F238E27FC236}">
-                <a16:creationId xmlns:a16="http://schemas.microsoft.com/office/drawing/2014/main" id="{21DF054C-8AB8-EF74-11BF-3ACBDA164C12}"/>
+                <a16:creationId xmlns:a16="http://schemas.microsoft.com/office/drawing/2014/main" id="{EB810182-6892-F183-A013-3E6087D207EF}"/>
               </a:ext>
             </a:extLst>
           </p:cNvPr>
@@ -6527,7 +8033,7 @@
     </p:spTree>
     <p:extLst>
       <p:ext uri="{BB962C8B-B14F-4D97-AF65-F5344CB8AC3E}">
-        <p14:creationId xmlns:p14="http://schemas.microsoft.com/office/powerpoint/2010/main" val="2248227854"/>
+        <p14:creationId xmlns:p14="http://schemas.microsoft.com/office/powerpoint/2010/main" val="2367286301"/>
       </p:ext>
     </p:extLst>
   </p:cSld>
@@ -6537,7 +8043,7 @@
 </p:sld>
 </file>
 
-<file path=ppt/slides/slide4.xml><?xml version="1.0" encoding="utf-8"?>
+<file path=ppt/slides/slide5.xml><?xml version="1.0" encoding="utf-8"?>
 <p:sld xmlns:a="http://schemas.openxmlformats.org/drawingml/2006/main" xmlns:r="http://schemas.openxmlformats.org/officeDocument/2006/relationships" xmlns:p="http://schemas.openxmlformats.org/presentationml/2006/main">
   <p:cSld>
     <p:bg>
@@ -7344,7 +8850,7 @@
 </p:sld>
 </file>
 
-<file path=ppt/slides/slide5.xml><?xml version="1.0" encoding="utf-8"?>
+<file path=ppt/slides/slide6.xml><?xml version="1.0" encoding="utf-8"?>
 <p:sld xmlns:a="http://schemas.openxmlformats.org/drawingml/2006/main" xmlns:r="http://schemas.openxmlformats.org/officeDocument/2006/relationships" xmlns:p="http://schemas.openxmlformats.org/presentationml/2006/main">
   <p:cSld>
     <p:bg>
@@ -8547,7 +10053,7 @@
 </p:sld>
 </file>
 
-<file path=ppt/slides/slide6.xml><?xml version="1.0" encoding="utf-8"?>
+<file path=ppt/slides/slide7.xml><?xml version="1.0" encoding="utf-8"?>
 <p:sld xmlns:a="http://schemas.openxmlformats.org/drawingml/2006/main" xmlns:r="http://schemas.openxmlformats.org/officeDocument/2006/relationships" xmlns:p="http://schemas.openxmlformats.org/presentationml/2006/main">
   <p:cSld>
     <p:bg>
@@ -9375,7 +10881,7 @@
 </p:sld>
 </file>
 
-<file path=ppt/slides/slide7.xml><?xml version="1.0" encoding="utf-8"?>
+<file path=ppt/slides/slide8.xml><?xml version="1.0" encoding="utf-8"?>
 <p:sld xmlns:a="http://schemas.openxmlformats.org/drawingml/2006/main" xmlns:r="http://schemas.openxmlformats.org/officeDocument/2006/relationships" xmlns:p="http://schemas.openxmlformats.org/presentationml/2006/main">
   <p:cSld>
     <p:bg>
@@ -10216,7 +11722,7 @@
 </p:sld>
 </file>
 
-<file path=ppt/slides/slide8.xml><?xml version="1.0" encoding="utf-8"?>
+<file path=ppt/slides/slide9.xml><?xml version="1.0" encoding="utf-8"?>
 <p:sld xmlns:a="http://schemas.openxmlformats.org/drawingml/2006/main" xmlns:r="http://schemas.openxmlformats.org/officeDocument/2006/relationships" xmlns:p="http://schemas.openxmlformats.org/presentationml/2006/main">
   <p:cSld>
     <p:bg>
@@ -11048,815 +12554,6 @@
     <p:extLst>
       <p:ext uri="{BB962C8B-B14F-4D97-AF65-F5344CB8AC3E}">
         <p14:creationId xmlns:p14="http://schemas.microsoft.com/office/powerpoint/2010/main" val="3327737939"/>
-      </p:ext>
-    </p:extLst>
-  </p:cSld>
-  <p:clrMapOvr>
-    <a:masterClrMapping/>
-  </p:clrMapOvr>
-</p:sld>
-</file>
-
-<file path=ppt/slides/slide9.xml><?xml version="1.0" encoding="utf-8"?>
-<p:sld xmlns:a="http://schemas.openxmlformats.org/drawingml/2006/main" xmlns:r="http://schemas.openxmlformats.org/officeDocument/2006/relationships" xmlns:p="http://schemas.openxmlformats.org/presentationml/2006/main">
-  <p:cSld>
-    <p:bg>
-      <p:bgPr>
-        <a:solidFill>
-          <a:schemeClr val="tx1">
-            <a:lumMod val="75000"/>
-            <a:lumOff val="25000"/>
-          </a:schemeClr>
-        </a:solidFill>
-        <a:effectLst/>
-      </p:bgPr>
-    </p:bg>
-    <p:spTree>
-      <p:nvGrpSpPr>
-        <p:cNvPr id="1" name="">
-          <a:extLst>
-            <a:ext uri="{FF2B5EF4-FFF2-40B4-BE49-F238E27FC236}">
-              <a16:creationId xmlns:a16="http://schemas.microsoft.com/office/drawing/2014/main" id="{20497EC4-3B03-07F3-E941-51B86C41FF95}"/>
-            </a:ext>
-          </a:extLst>
-        </p:cNvPr>
-        <p:cNvGrpSpPr/>
-        <p:nvPr/>
-      </p:nvGrpSpPr>
-      <p:grpSpPr>
-        <a:xfrm>
-          <a:off x="0" y="0"/>
-          <a:ext cx="0" cy="0"/>
-          <a:chOff x="0" y="0"/>
-          <a:chExt cx="0" cy="0"/>
-        </a:xfrm>
-      </p:grpSpPr>
-      <p:sp>
-        <p:nvSpPr>
-          <p:cNvPr id="4" name="Rectangle: Rounded Corners 3">
-            <a:extLst>
-              <a:ext uri="{FF2B5EF4-FFF2-40B4-BE49-F238E27FC236}">
-                <a16:creationId xmlns:a16="http://schemas.microsoft.com/office/drawing/2014/main" id="{80514FA0-D741-4D57-2A36-7AD89217A131}"/>
-              </a:ext>
-            </a:extLst>
-          </p:cNvPr>
-          <p:cNvSpPr/>
-          <p:nvPr/>
-        </p:nvSpPr>
-        <p:spPr>
-          <a:xfrm>
-            <a:off x="177209" y="217967"/>
-            <a:ext cx="11837581" cy="6422065"/>
-          </a:xfrm>
-          <a:prstGeom prst="roundRect">
-            <a:avLst>
-              <a:gd name="adj" fmla="val 3653"/>
-            </a:avLst>
-          </a:prstGeom>
-          <a:blipFill dpi="0" rotWithShape="1">
-            <a:blip r:embed="rId2">
-              <a:alphaModFix amt="19000"/>
-            </a:blip>
-            <a:srcRect/>
-            <a:stretch>
-              <a:fillRect/>
-            </a:stretch>
-          </a:blipFill>
-          <a:ln>
-            <a:gradFill>
-              <a:gsLst>
-                <a:gs pos="0">
-                  <a:schemeClr val="bg1">
-                    <a:alpha val="80000"/>
-                  </a:schemeClr>
-                </a:gs>
-                <a:gs pos="100000">
-                  <a:schemeClr val="bg1">
-                    <a:alpha val="20000"/>
-                  </a:schemeClr>
-                </a:gs>
-              </a:gsLst>
-              <a:lin ang="5400000" scaled="1"/>
-            </a:gradFill>
-          </a:ln>
-        </p:spPr>
-        <p:style>
-          <a:lnRef idx="2">
-            <a:schemeClr val="accent1">
-              <a:shade val="15000"/>
-            </a:schemeClr>
-          </a:lnRef>
-          <a:fillRef idx="1">
-            <a:schemeClr val="accent1"/>
-          </a:fillRef>
-          <a:effectRef idx="0">
-            <a:schemeClr val="accent1"/>
-          </a:effectRef>
-          <a:fontRef idx="minor">
-            <a:schemeClr val="lt1"/>
-          </a:fontRef>
-        </p:style>
-        <p:txBody>
-          <a:bodyPr rtlCol="0" anchor="ctr"/>
-          <a:lstStyle/>
-          <a:p>
-            <a:pPr algn="ctr"/>
-            <a:endParaRPr lang="en-US">
-              <a:solidFill>
-                <a:schemeClr val="tx1">
-                  <a:lumMod val="50000"/>
-                  <a:lumOff val="50000"/>
-                </a:schemeClr>
-              </a:solidFill>
-            </a:endParaRPr>
-          </a:p>
-        </p:txBody>
-      </p:sp>
-      <p:sp>
-        <p:nvSpPr>
-          <p:cNvPr id="5" name="Rectangle: Rounded Corners 4">
-            <a:extLst>
-              <a:ext uri="{FF2B5EF4-FFF2-40B4-BE49-F238E27FC236}">
-                <a16:creationId xmlns:a16="http://schemas.microsoft.com/office/drawing/2014/main" id="{1B7972FB-3C35-C67A-38AD-534509FEE5C6}"/>
-              </a:ext>
-            </a:extLst>
-          </p:cNvPr>
-          <p:cNvSpPr/>
-          <p:nvPr/>
-        </p:nvSpPr>
-        <p:spPr>
-          <a:xfrm>
-            <a:off x="350874" y="304140"/>
-            <a:ext cx="11490250" cy="818706"/>
-          </a:xfrm>
-          <a:prstGeom prst="roundRect">
-            <a:avLst>
-              <a:gd name="adj" fmla="val 30926"/>
-            </a:avLst>
-          </a:prstGeom>
-          <a:gradFill>
-            <a:gsLst>
-              <a:gs pos="81000">
-                <a:schemeClr val="tx1"/>
-              </a:gs>
-              <a:gs pos="16000">
-                <a:schemeClr val="tx1"/>
-              </a:gs>
-            </a:gsLst>
-            <a:lin ang="5400000" scaled="1"/>
-          </a:gradFill>
-          <a:ln>
-            <a:gradFill>
-              <a:gsLst>
-                <a:gs pos="0">
-                  <a:schemeClr val="bg1">
-                    <a:alpha val="80000"/>
-                  </a:schemeClr>
-                </a:gs>
-                <a:gs pos="100000">
-                  <a:schemeClr val="bg1">
-                    <a:alpha val="20000"/>
-                  </a:schemeClr>
-                </a:gs>
-              </a:gsLst>
-              <a:lin ang="5400000" scaled="1"/>
-            </a:gradFill>
-          </a:ln>
-        </p:spPr>
-        <p:style>
-          <a:lnRef idx="2">
-            <a:schemeClr val="accent1">
-              <a:shade val="15000"/>
-            </a:schemeClr>
-          </a:lnRef>
-          <a:fillRef idx="1">
-            <a:schemeClr val="accent1"/>
-          </a:fillRef>
-          <a:effectRef idx="0">
-            <a:schemeClr val="accent1"/>
-          </a:effectRef>
-          <a:fontRef idx="minor">
-            <a:schemeClr val="lt1"/>
-          </a:fontRef>
-        </p:style>
-        <p:txBody>
-          <a:bodyPr rtlCol="0" anchor="ctr"/>
-          <a:lstStyle/>
-          <a:p>
-            <a:pPr algn="ctr"/>
-            <a:endParaRPr lang="en-US"/>
-          </a:p>
-        </p:txBody>
-      </p:sp>
-      <p:pic>
-        <p:nvPicPr>
-          <p:cNvPr id="13" name="Picture 2" descr="About Netflix - Ressources de la société">
-            <a:extLst>
-              <a:ext uri="{FF2B5EF4-FFF2-40B4-BE49-F238E27FC236}">
-                <a16:creationId xmlns:a16="http://schemas.microsoft.com/office/drawing/2014/main" id="{984D6F39-2084-2E74-0B6A-51FFFF20B340}"/>
-              </a:ext>
-            </a:extLst>
-          </p:cNvPr>
-          <p:cNvPicPr>
-            <a:picLocks noChangeAspect="1" noChangeArrowheads="1"/>
-          </p:cNvPicPr>
-          <p:nvPr/>
-        </p:nvPicPr>
-        <p:blipFill>
-          <a:blip r:embed="rId3">
-            <a:extLst>
-              <a:ext uri="{28A0092B-C50C-407E-A947-70E740481C1C}">
-                <a14:useLocalDpi xmlns:a14="http://schemas.microsoft.com/office/drawing/2010/main" val="0"/>
-              </a:ext>
-            </a:extLst>
-          </a:blip>
-          <a:srcRect/>
-          <a:stretch>
-            <a:fillRect/>
-          </a:stretch>
-        </p:blipFill>
-        <p:spPr bwMode="auto">
-          <a:xfrm>
-            <a:off x="451882" y="414675"/>
-            <a:ext cx="597635" cy="597635"/>
-          </a:xfrm>
-          <a:prstGeom prst="rect">
-            <a:avLst/>
-          </a:prstGeom>
-          <a:noFill/>
-          <a:extLst>
-            <a:ext uri="{909E8E84-426E-40DD-AFC4-6F175D3DCCD1}">
-              <a14:hiddenFill xmlns:a14="http://schemas.microsoft.com/office/drawing/2010/main">
-                <a:solidFill>
-                  <a:srgbClr val="FFFFFF"/>
-                </a:solidFill>
-              </a14:hiddenFill>
-            </a:ext>
-          </a:extLst>
-        </p:spPr>
-      </p:pic>
-      <p:pic>
-        <p:nvPicPr>
-          <p:cNvPr id="14" name="Picture 13">
-            <a:extLst>
-              <a:ext uri="{FF2B5EF4-FFF2-40B4-BE49-F238E27FC236}">
-                <a16:creationId xmlns:a16="http://schemas.microsoft.com/office/drawing/2014/main" id="{A5C2C46D-8B14-DEA5-4468-DBD74AEE1593}"/>
-              </a:ext>
-            </a:extLst>
-          </p:cNvPr>
-          <p:cNvPicPr>
-            <a:picLocks noChangeAspect="1"/>
-          </p:cNvPicPr>
-          <p:nvPr/>
-        </p:nvPicPr>
-        <p:blipFill>
-          <a:blip r:embed="rId4"/>
-          <a:stretch>
-            <a:fillRect/>
-          </a:stretch>
-        </p:blipFill>
-        <p:spPr>
-          <a:xfrm>
-            <a:off x="924364" y="543692"/>
-            <a:ext cx="597635" cy="339599"/>
-          </a:xfrm>
-          <a:prstGeom prst="rect">
-            <a:avLst/>
-          </a:prstGeom>
-        </p:spPr>
-      </p:pic>
-      <p:sp>
-        <p:nvSpPr>
-          <p:cNvPr id="16" name="TextBox 15">
-            <a:extLst>
-              <a:ext uri="{FF2B5EF4-FFF2-40B4-BE49-F238E27FC236}">
-                <a16:creationId xmlns:a16="http://schemas.microsoft.com/office/drawing/2014/main" id="{59D3B180-7E1D-4D84-5280-A69998D1582D}"/>
-              </a:ext>
-            </a:extLst>
-          </p:cNvPr>
-          <p:cNvSpPr txBox="1"/>
-          <p:nvPr/>
-        </p:nvSpPr>
-        <p:spPr>
-          <a:xfrm>
-            <a:off x="4940862" y="427535"/>
-            <a:ext cx="2536435" cy="584775"/>
-          </a:xfrm>
-          <a:prstGeom prst="rect">
-            <a:avLst/>
-          </a:prstGeom>
-          <a:noFill/>
-        </p:spPr>
-        <p:txBody>
-          <a:bodyPr wrap="square" rtlCol="0">
-            <a:spAutoFit/>
-          </a:bodyPr>
-          <a:lstStyle/>
-          <a:p>
-            <a:r>
-              <a:rPr lang="fr-FR" sz="3200" dirty="0">
-                <a:solidFill>
-                  <a:srgbClr val="FF0000"/>
-                </a:solidFill>
-                <a:latin typeface="+mj-lt"/>
-                <a:cs typeface="Calibri" panose="020F0502020204030204" pitchFamily="34" charset="0"/>
-              </a:rPr>
-              <a:t>Conclusion</a:t>
-            </a:r>
-            <a:endParaRPr lang="en-US" sz="3200" dirty="0">
-              <a:solidFill>
-                <a:srgbClr val="FF0000"/>
-              </a:solidFill>
-              <a:latin typeface="+mj-lt"/>
-              <a:cs typeface="Calibri" panose="020F0502020204030204" pitchFamily="34" charset="0"/>
-            </a:endParaRPr>
-          </a:p>
-        </p:txBody>
-      </p:sp>
-      <p:sp>
-        <p:nvSpPr>
-          <p:cNvPr id="21" name="Rectangle: Rounded Corners 20">
-            <a:extLst>
-              <a:ext uri="{FF2B5EF4-FFF2-40B4-BE49-F238E27FC236}">
-                <a16:creationId xmlns:a16="http://schemas.microsoft.com/office/drawing/2014/main" id="{8EDB1434-FF27-C944-47F0-B6D596588CE3}"/>
-              </a:ext>
-            </a:extLst>
-          </p:cNvPr>
-          <p:cNvSpPr/>
-          <p:nvPr/>
-        </p:nvSpPr>
-        <p:spPr>
-          <a:xfrm>
-            <a:off x="595426" y="1467655"/>
-            <a:ext cx="11010010" cy="2487759"/>
-          </a:xfrm>
-          <a:prstGeom prst="roundRect">
-            <a:avLst>
-              <a:gd name="adj" fmla="val 16741"/>
-            </a:avLst>
-          </a:prstGeom>
-          <a:gradFill>
-            <a:gsLst>
-              <a:gs pos="81000">
-                <a:schemeClr val="tx1">
-                  <a:alpha val="80000"/>
-                </a:schemeClr>
-              </a:gs>
-              <a:gs pos="16000">
-                <a:schemeClr val="tx1">
-                  <a:alpha val="40000"/>
-                </a:schemeClr>
-              </a:gs>
-            </a:gsLst>
-            <a:lin ang="5400000" scaled="1"/>
-          </a:gradFill>
-          <a:ln>
-            <a:gradFill>
-              <a:gsLst>
-                <a:gs pos="0">
-                  <a:schemeClr val="bg1">
-                    <a:alpha val="80000"/>
-                  </a:schemeClr>
-                </a:gs>
-                <a:gs pos="100000">
-                  <a:schemeClr val="bg1">
-                    <a:alpha val="20000"/>
-                  </a:schemeClr>
-                </a:gs>
-              </a:gsLst>
-              <a:lin ang="5400000" scaled="1"/>
-            </a:gradFill>
-          </a:ln>
-        </p:spPr>
-        <p:style>
-          <a:lnRef idx="2">
-            <a:schemeClr val="accent1">
-              <a:shade val="15000"/>
-            </a:schemeClr>
-          </a:lnRef>
-          <a:fillRef idx="1">
-            <a:schemeClr val="accent1"/>
-          </a:fillRef>
-          <a:effectRef idx="0">
-            <a:schemeClr val="accent1"/>
-          </a:effectRef>
-          <a:fontRef idx="minor">
-            <a:schemeClr val="lt1"/>
-          </a:fontRef>
-        </p:style>
-        <p:txBody>
-          <a:bodyPr rtlCol="0" anchor="ctr"/>
-          <a:lstStyle/>
-          <a:p>
-            <a:pPr algn="ctr"/>
-            <a:endParaRPr lang="en-US"/>
-          </a:p>
-        </p:txBody>
-      </p:sp>
-      <p:sp>
-        <p:nvSpPr>
-          <p:cNvPr id="6" name="TextBox 5">
-            <a:extLst>
-              <a:ext uri="{FF2B5EF4-FFF2-40B4-BE49-F238E27FC236}">
-                <a16:creationId xmlns:a16="http://schemas.microsoft.com/office/drawing/2014/main" id="{35A2EF1F-C110-9B2F-8D9C-A0D0C72CC834}"/>
-              </a:ext>
-            </a:extLst>
-          </p:cNvPr>
-          <p:cNvSpPr txBox="1"/>
-          <p:nvPr/>
-        </p:nvSpPr>
-        <p:spPr>
-          <a:xfrm>
-            <a:off x="962464" y="1745020"/>
-            <a:ext cx="10267069" cy="1938992"/>
-          </a:xfrm>
-          <a:prstGeom prst="rect">
-            <a:avLst/>
-          </a:prstGeom>
-          <a:noFill/>
-        </p:spPr>
-        <p:txBody>
-          <a:bodyPr wrap="square" rtlCol="0">
-            <a:spAutoFit/>
-          </a:bodyPr>
-          <a:lstStyle/>
-          <a:p>
-            <a:r>
-              <a:rPr lang="en-US" sz="2000" b="1" dirty="0">
-                <a:solidFill>
-                  <a:srgbClr val="FF0000"/>
-                </a:solidFill>
-              </a:rPr>
-              <a:t>Achievements: </a:t>
-            </a:r>
-          </a:p>
-          <a:p>
-            <a:pPr marL="342900" indent="-342900">
-              <a:buFont typeface="Arial" panose="020B0604020202020204" pitchFamily="34" charset="0"/>
-              <a:buChar char="•"/>
-            </a:pPr>
-            <a:r>
-              <a:rPr lang="en-US" sz="2000" dirty="0">
-                <a:solidFill>
-                  <a:schemeClr val="bg1"/>
-                </a:solidFill>
-              </a:rPr>
-              <a:t>Built a full data pipeline from raw dataset to interactive dashboard</a:t>
-            </a:r>
-          </a:p>
-          <a:p>
-            <a:pPr marL="342900" indent="-342900">
-              <a:buFont typeface="Arial" panose="020B0604020202020204" pitchFamily="34" charset="0"/>
-              <a:buChar char="•"/>
-            </a:pPr>
-            <a:r>
-              <a:rPr lang="en-US" sz="2000" dirty="0">
-                <a:solidFill>
-                  <a:schemeClr val="bg1"/>
-                </a:solidFill>
-              </a:rPr>
-              <a:t>Cleaned, structured, and enriched Netflix data</a:t>
-            </a:r>
-          </a:p>
-          <a:p>
-            <a:pPr marL="342900" indent="-342900">
-              <a:buFont typeface="Arial" panose="020B0604020202020204" pitchFamily="34" charset="0"/>
-              <a:buChar char="•"/>
-            </a:pPr>
-            <a:r>
-              <a:rPr lang="en-US" sz="2000" dirty="0">
-                <a:solidFill>
-                  <a:schemeClr val="bg1"/>
-                </a:solidFill>
-              </a:rPr>
-              <a:t>Integrated country flags and movie posters dynamically</a:t>
-            </a:r>
-          </a:p>
-          <a:p>
-            <a:pPr marL="342900" indent="-342900">
-              <a:buFont typeface="Arial" panose="020B0604020202020204" pitchFamily="34" charset="0"/>
-              <a:buChar char="•"/>
-            </a:pPr>
-            <a:r>
-              <a:rPr lang="en-US" sz="2000" dirty="0">
-                <a:solidFill>
-                  <a:schemeClr val="bg1"/>
-                </a:solidFill>
-              </a:rPr>
-              <a:t>Designed a Netflix-inspired dashboard using Power BI</a:t>
-            </a:r>
-          </a:p>
-          <a:p>
-            <a:pPr marL="342900" indent="-342900">
-              <a:buFont typeface="Arial" panose="020B0604020202020204" pitchFamily="34" charset="0"/>
-              <a:buChar char="•"/>
-            </a:pPr>
-            <a:r>
-              <a:rPr lang="en-US" sz="2000" dirty="0">
-                <a:solidFill>
-                  <a:schemeClr val="bg1"/>
-                </a:solidFill>
-              </a:rPr>
-              <a:t>Enabled both exploration and detailed content view  </a:t>
-            </a:r>
-          </a:p>
-        </p:txBody>
-      </p:sp>
-      <p:sp>
-        <p:nvSpPr>
-          <p:cNvPr id="7" name="Rectangle: Rounded Corners 6">
-            <a:extLst>
-              <a:ext uri="{FF2B5EF4-FFF2-40B4-BE49-F238E27FC236}">
-                <a16:creationId xmlns:a16="http://schemas.microsoft.com/office/drawing/2014/main" id="{570DF11F-CFED-C642-A906-C253E932DE8E}"/>
-              </a:ext>
-            </a:extLst>
-          </p:cNvPr>
-          <p:cNvSpPr/>
-          <p:nvPr/>
-        </p:nvSpPr>
-        <p:spPr>
-          <a:xfrm>
-            <a:off x="595426" y="4306187"/>
-            <a:ext cx="11010010" cy="2124278"/>
-          </a:xfrm>
-          <a:prstGeom prst="roundRect">
-            <a:avLst>
-              <a:gd name="adj" fmla="val 16741"/>
-            </a:avLst>
-          </a:prstGeom>
-          <a:gradFill>
-            <a:gsLst>
-              <a:gs pos="81000">
-                <a:schemeClr val="tx1">
-                  <a:alpha val="80000"/>
-                </a:schemeClr>
-              </a:gs>
-              <a:gs pos="16000">
-                <a:schemeClr val="tx1">
-                  <a:alpha val="40000"/>
-                </a:schemeClr>
-              </a:gs>
-            </a:gsLst>
-            <a:lin ang="5400000" scaled="1"/>
-          </a:gradFill>
-          <a:ln>
-            <a:gradFill>
-              <a:gsLst>
-                <a:gs pos="0">
-                  <a:schemeClr val="bg1">
-                    <a:alpha val="80000"/>
-                  </a:schemeClr>
-                </a:gs>
-                <a:gs pos="100000">
-                  <a:schemeClr val="bg1">
-                    <a:alpha val="20000"/>
-                  </a:schemeClr>
-                </a:gs>
-              </a:gsLst>
-              <a:lin ang="5400000" scaled="1"/>
-            </a:gradFill>
-          </a:ln>
-        </p:spPr>
-        <p:style>
-          <a:lnRef idx="2">
-            <a:schemeClr val="accent1">
-              <a:shade val="15000"/>
-            </a:schemeClr>
-          </a:lnRef>
-          <a:fillRef idx="1">
-            <a:schemeClr val="accent1"/>
-          </a:fillRef>
-          <a:effectRef idx="0">
-            <a:schemeClr val="accent1"/>
-          </a:effectRef>
-          <a:fontRef idx="minor">
-            <a:schemeClr val="lt1"/>
-          </a:fontRef>
-        </p:style>
-        <p:txBody>
-          <a:bodyPr rtlCol="0" anchor="ctr"/>
-          <a:lstStyle/>
-          <a:p>
-            <a:pPr algn="ctr"/>
-            <a:endParaRPr lang="en-US"/>
-          </a:p>
-        </p:txBody>
-      </p:sp>
-      <p:sp>
-        <p:nvSpPr>
-          <p:cNvPr id="9" name="TextBox 8">
-            <a:extLst>
-              <a:ext uri="{FF2B5EF4-FFF2-40B4-BE49-F238E27FC236}">
-                <a16:creationId xmlns:a16="http://schemas.microsoft.com/office/drawing/2014/main" id="{359C67EC-AC3E-09B4-7453-C21435A20E6D}"/>
-              </a:ext>
-            </a:extLst>
-          </p:cNvPr>
-          <p:cNvSpPr txBox="1"/>
-          <p:nvPr/>
-        </p:nvSpPr>
-        <p:spPr>
-          <a:xfrm>
-            <a:off x="924364" y="4706606"/>
-            <a:ext cx="10267069" cy="1323439"/>
-          </a:xfrm>
-          <a:prstGeom prst="rect">
-            <a:avLst/>
-          </a:prstGeom>
-          <a:noFill/>
-        </p:spPr>
-        <p:txBody>
-          <a:bodyPr wrap="square" rtlCol="0">
-            <a:spAutoFit/>
-          </a:bodyPr>
-          <a:lstStyle/>
-          <a:p>
-            <a:r>
-              <a:rPr lang="en-US" sz="2000" b="1" dirty="0">
-                <a:solidFill>
-                  <a:srgbClr val="FF0000"/>
-                </a:solidFill>
-              </a:rPr>
-              <a:t>Future Improvements: </a:t>
-            </a:r>
-          </a:p>
-          <a:p>
-            <a:pPr marL="342900" indent="-342900">
-              <a:buFont typeface="Arial" panose="020B0604020202020204" pitchFamily="34" charset="0"/>
-              <a:buChar char="•"/>
-            </a:pPr>
-            <a:r>
-              <a:rPr lang="en-US" sz="2000" dirty="0">
-                <a:solidFill>
-                  <a:schemeClr val="bg1"/>
-                </a:solidFill>
-              </a:rPr>
-              <a:t>Include available audio languages per title</a:t>
-            </a:r>
-          </a:p>
-          <a:p>
-            <a:pPr marL="342900" indent="-342900">
-              <a:buFont typeface="Arial" panose="020B0604020202020204" pitchFamily="34" charset="0"/>
-              <a:buChar char="•"/>
-            </a:pPr>
-            <a:r>
-              <a:rPr lang="en-US" sz="2000" dirty="0">
-                <a:solidFill>
-                  <a:schemeClr val="bg1"/>
-                </a:solidFill>
-              </a:rPr>
-              <a:t>Add movie recommendations using machine learning</a:t>
-            </a:r>
-          </a:p>
-          <a:p>
-            <a:pPr marL="342900" indent="-342900">
-              <a:buFont typeface="Arial" panose="020B0604020202020204" pitchFamily="34" charset="0"/>
-              <a:buChar char="•"/>
-            </a:pPr>
-            <a:r>
-              <a:rPr lang="en-US" sz="2000" dirty="0">
-                <a:solidFill>
-                  <a:schemeClr val="bg1"/>
-                </a:solidFill>
-              </a:rPr>
-              <a:t>Track content evolution over time with regular updates</a:t>
-            </a:r>
-          </a:p>
-        </p:txBody>
-      </p:sp>
-      <p:grpSp>
-        <p:nvGrpSpPr>
-          <p:cNvPr id="2" name="Group 1">
-            <a:extLst>
-              <a:ext uri="{FF2B5EF4-FFF2-40B4-BE49-F238E27FC236}">
-                <a16:creationId xmlns:a16="http://schemas.microsoft.com/office/drawing/2014/main" id="{1E77BE40-076A-9A54-301C-93C52A2EEE7F}"/>
-              </a:ext>
-            </a:extLst>
-          </p:cNvPr>
-          <p:cNvGrpSpPr/>
-          <p:nvPr/>
-        </p:nvGrpSpPr>
-        <p:grpSpPr>
-          <a:xfrm>
-            <a:off x="11203169" y="458315"/>
-            <a:ext cx="542260" cy="523542"/>
-            <a:chOff x="11203169" y="458315"/>
-            <a:chExt cx="542260" cy="523542"/>
-          </a:xfrm>
-        </p:grpSpPr>
-        <p:sp>
-          <p:nvSpPr>
-            <p:cNvPr id="3" name="Oval 2">
-              <a:extLst>
-                <a:ext uri="{FF2B5EF4-FFF2-40B4-BE49-F238E27FC236}">
-                  <a16:creationId xmlns:a16="http://schemas.microsoft.com/office/drawing/2014/main" id="{06790A91-639E-C2CF-6B34-0D251C7A18BD}"/>
-                </a:ext>
-              </a:extLst>
-            </p:cNvPr>
-            <p:cNvSpPr/>
-            <p:nvPr/>
-          </p:nvSpPr>
-          <p:spPr>
-            <a:xfrm>
-              <a:off x="11203169" y="458315"/>
-              <a:ext cx="542260" cy="506042"/>
-            </a:xfrm>
-            <a:prstGeom prst="ellipse">
-              <a:avLst/>
-            </a:prstGeom>
-            <a:solidFill>
-              <a:srgbClr val="FF0000"/>
-            </a:solidFill>
-          </p:spPr>
-          <p:style>
-            <a:lnRef idx="2">
-              <a:schemeClr val="accent1">
-                <a:shade val="15000"/>
-              </a:schemeClr>
-            </a:lnRef>
-            <a:fillRef idx="1">
-              <a:schemeClr val="accent1"/>
-            </a:fillRef>
-            <a:effectRef idx="0">
-              <a:schemeClr val="accent1"/>
-            </a:effectRef>
-            <a:fontRef idx="minor">
-              <a:schemeClr val="lt1"/>
-            </a:fontRef>
-          </p:style>
-          <p:txBody>
-            <a:bodyPr rtlCol="0" anchor="ctr"/>
-            <a:lstStyle/>
-            <a:p>
-              <a:pPr algn="ctr"/>
-              <a:endParaRPr lang="en-US">
-                <a:solidFill>
-                  <a:schemeClr val="bg1"/>
-                </a:solidFill>
-              </a:endParaRPr>
-            </a:p>
-          </p:txBody>
-        </p:sp>
-        <p:pic>
-          <p:nvPicPr>
-            <p:cNvPr id="8" name="Picture 2" descr="Developers.Institute (@devtlv) / X">
-              <a:extLst>
-                <a:ext uri="{FF2B5EF4-FFF2-40B4-BE49-F238E27FC236}">
-                  <a16:creationId xmlns:a16="http://schemas.microsoft.com/office/drawing/2014/main" id="{BF7D79F2-8FDE-9B4F-7945-24320F9DDD28}"/>
-                </a:ext>
-              </a:extLst>
-            </p:cNvPr>
-            <p:cNvPicPr>
-              <a:picLocks noChangeAspect="1" noChangeArrowheads="1"/>
-            </p:cNvPicPr>
-            <p:nvPr/>
-          </p:nvPicPr>
-          <p:blipFill>
-            <a:blip r:embed="rId5">
-              <a:extLst>
-                <a:ext uri="{BEBA8EAE-BF5A-486C-A8C5-ECC9F3942E4B}">
-                  <a14:imgProps xmlns:a14="http://schemas.microsoft.com/office/drawing/2010/main">
-                    <a14:imgLayer r:embed="rId6">
-                      <a14:imgEffect>
-                        <a14:backgroundRemoval t="10000" b="90000" l="10000" r="90000"/>
-                      </a14:imgEffect>
-                    </a14:imgLayer>
-                  </a14:imgProps>
-                </a:ext>
-                <a:ext uri="{28A0092B-C50C-407E-A947-70E740481C1C}">
-                  <a14:useLocalDpi xmlns:a14="http://schemas.microsoft.com/office/drawing/2010/main" val="0"/>
-                </a:ext>
-              </a:extLst>
-            </a:blip>
-            <a:srcRect/>
-            <a:stretch>
-              <a:fillRect/>
-            </a:stretch>
-          </p:blipFill>
-          <p:spPr bwMode="auto">
-            <a:xfrm>
-              <a:off x="11233487" y="500233"/>
-              <a:ext cx="481624" cy="481624"/>
-            </a:xfrm>
-            <a:prstGeom prst="rect">
-              <a:avLst/>
-            </a:prstGeom>
-            <a:noFill/>
-            <a:extLst>
-              <a:ext uri="{909E8E84-426E-40DD-AFC4-6F175D3DCCD1}">
-                <a14:hiddenFill xmlns:a14="http://schemas.microsoft.com/office/drawing/2010/main">
-                  <a:solidFill>
-                    <a:srgbClr val="FFFFFF"/>
-                  </a:solidFill>
-                </a14:hiddenFill>
-              </a:ext>
-            </a:extLst>
-          </p:spPr>
-        </p:pic>
-      </p:grpSp>
-    </p:spTree>
-    <p:extLst>
-      <p:ext uri="{BB962C8B-B14F-4D97-AF65-F5344CB8AC3E}">
-        <p14:creationId xmlns:p14="http://schemas.microsoft.com/office/powerpoint/2010/main" val="495893210"/>
       </p:ext>
     </p:extLst>
   </p:cSld>
